--- a/docs/NoteBook/Project cycle reports/TSPi – Ciclo 1.pptx
+++ b/docs/NoteBook/Project cycle reports/TSPi – Ciclo 1.pptx
@@ -1626,6 +1626,753 @@
 </file>
 
 <file path=ppt/diagrams/colors11.xml><?xml version="1.0" encoding="utf-8"?>
+<dgm:colorsDef xmlns:dgm="http://schemas.openxmlformats.org/drawingml/2006/diagram" xmlns:a="http://schemas.openxmlformats.org/drawingml/2006/main" uniqueId="urn:microsoft.com/office/officeart/2005/8/colors/accent1_2">
+  <dgm:title val=""/>
+  <dgm:desc val=""/>
+  <dgm:catLst>
+    <dgm:cat type="accent1" pri="11200"/>
+  </dgm:catLst>
+  <dgm:styleLbl name="node0">
+    <dgm:fillClrLst meth="repeat">
+      <a:schemeClr val="accent1"/>
+    </dgm:fillClrLst>
+    <dgm:linClrLst meth="repeat">
+      <a:schemeClr val="lt1"/>
+    </dgm:linClrLst>
+    <dgm:effectClrLst/>
+    <dgm:txLinClrLst/>
+    <dgm:txFillClrLst/>
+    <dgm:txEffectClrLst/>
+  </dgm:styleLbl>
+  <dgm:styleLbl name="alignNode1">
+    <dgm:fillClrLst meth="repeat">
+      <a:schemeClr val="accent1"/>
+    </dgm:fillClrLst>
+    <dgm:linClrLst meth="repeat">
+      <a:schemeClr val="accent1"/>
+    </dgm:linClrLst>
+    <dgm:effectClrLst/>
+    <dgm:txLinClrLst/>
+    <dgm:txFillClrLst/>
+    <dgm:txEffectClrLst/>
+  </dgm:styleLbl>
+  <dgm:styleLbl name="node1">
+    <dgm:fillClrLst meth="repeat">
+      <a:schemeClr val="accent1"/>
+    </dgm:fillClrLst>
+    <dgm:linClrLst meth="repeat">
+      <a:schemeClr val="lt1"/>
+    </dgm:linClrLst>
+    <dgm:effectClrLst/>
+    <dgm:txLinClrLst/>
+    <dgm:txFillClrLst/>
+    <dgm:txEffectClrLst/>
+  </dgm:styleLbl>
+  <dgm:styleLbl name="lnNode1">
+    <dgm:fillClrLst meth="repeat">
+      <a:schemeClr val="accent1"/>
+    </dgm:fillClrLst>
+    <dgm:linClrLst meth="repeat">
+      <a:schemeClr val="lt1"/>
+    </dgm:linClrLst>
+    <dgm:effectClrLst/>
+    <dgm:txLinClrLst/>
+    <dgm:txFillClrLst/>
+    <dgm:txEffectClrLst/>
+  </dgm:styleLbl>
+  <dgm:styleLbl name="vennNode1">
+    <dgm:fillClrLst meth="repeat">
+      <a:schemeClr val="accent1">
+        <a:alpha val="50000"/>
+      </a:schemeClr>
+    </dgm:fillClrLst>
+    <dgm:linClrLst meth="repeat">
+      <a:schemeClr val="lt1"/>
+    </dgm:linClrLst>
+    <dgm:effectClrLst/>
+    <dgm:txLinClrLst/>
+    <dgm:txFillClrLst/>
+    <dgm:txEffectClrLst/>
+  </dgm:styleLbl>
+  <dgm:styleLbl name="node2">
+    <dgm:fillClrLst meth="repeat">
+      <a:schemeClr val="accent1"/>
+    </dgm:fillClrLst>
+    <dgm:linClrLst meth="repeat">
+      <a:schemeClr val="lt1"/>
+    </dgm:linClrLst>
+    <dgm:effectClrLst/>
+    <dgm:txLinClrLst/>
+    <dgm:txFillClrLst/>
+    <dgm:txEffectClrLst/>
+  </dgm:styleLbl>
+  <dgm:styleLbl name="node3">
+    <dgm:fillClrLst meth="repeat">
+      <a:schemeClr val="accent1"/>
+    </dgm:fillClrLst>
+    <dgm:linClrLst meth="repeat">
+      <a:schemeClr val="lt1"/>
+    </dgm:linClrLst>
+    <dgm:effectClrLst/>
+    <dgm:txLinClrLst/>
+    <dgm:txFillClrLst/>
+    <dgm:txEffectClrLst/>
+  </dgm:styleLbl>
+  <dgm:styleLbl name="node4">
+    <dgm:fillClrLst meth="repeat">
+      <a:schemeClr val="accent1"/>
+    </dgm:fillClrLst>
+    <dgm:linClrLst meth="repeat">
+      <a:schemeClr val="lt1"/>
+    </dgm:linClrLst>
+    <dgm:effectClrLst/>
+    <dgm:txLinClrLst/>
+    <dgm:txFillClrLst/>
+    <dgm:txEffectClrLst/>
+  </dgm:styleLbl>
+  <dgm:styleLbl name="fgImgPlace1">
+    <dgm:fillClrLst meth="repeat">
+      <a:schemeClr val="accent1">
+        <a:tint val="50000"/>
+      </a:schemeClr>
+    </dgm:fillClrLst>
+    <dgm:linClrLst meth="repeat">
+      <a:schemeClr val="lt1"/>
+    </dgm:linClrLst>
+    <dgm:effectClrLst/>
+    <dgm:txLinClrLst/>
+    <dgm:txFillClrLst meth="repeat">
+      <a:schemeClr val="lt1"/>
+    </dgm:txFillClrLst>
+    <dgm:txEffectClrLst/>
+  </dgm:styleLbl>
+  <dgm:styleLbl name="alignImgPlace1">
+    <dgm:fillClrLst meth="repeat">
+      <a:schemeClr val="accent1">
+        <a:tint val="50000"/>
+      </a:schemeClr>
+    </dgm:fillClrLst>
+    <dgm:linClrLst meth="repeat">
+      <a:schemeClr val="lt1"/>
+    </dgm:linClrLst>
+    <dgm:effectClrLst/>
+    <dgm:txLinClrLst/>
+    <dgm:txFillClrLst meth="repeat">
+      <a:schemeClr val="lt1"/>
+    </dgm:txFillClrLst>
+    <dgm:txEffectClrLst/>
+  </dgm:styleLbl>
+  <dgm:styleLbl name="bgImgPlace1">
+    <dgm:fillClrLst meth="repeat">
+      <a:schemeClr val="accent1">
+        <a:tint val="50000"/>
+      </a:schemeClr>
+    </dgm:fillClrLst>
+    <dgm:linClrLst meth="repeat">
+      <a:schemeClr val="lt1"/>
+    </dgm:linClrLst>
+    <dgm:effectClrLst/>
+    <dgm:txLinClrLst/>
+    <dgm:txFillClrLst meth="repeat">
+      <a:schemeClr val="lt1"/>
+    </dgm:txFillClrLst>
+    <dgm:txEffectClrLst/>
+  </dgm:styleLbl>
+  <dgm:styleLbl name="sibTrans2D1">
+    <dgm:fillClrLst meth="repeat">
+      <a:schemeClr val="accent1">
+        <a:tint val="60000"/>
+      </a:schemeClr>
+    </dgm:fillClrLst>
+    <dgm:linClrLst meth="repeat">
+      <a:schemeClr val="accent1">
+        <a:tint val="60000"/>
+      </a:schemeClr>
+    </dgm:linClrLst>
+    <dgm:effectClrLst/>
+    <dgm:txLinClrLst/>
+    <dgm:txFillClrLst/>
+    <dgm:txEffectClrLst/>
+  </dgm:styleLbl>
+  <dgm:styleLbl name="fgSibTrans2D1">
+    <dgm:fillClrLst meth="repeat">
+      <a:schemeClr val="accent1">
+        <a:tint val="60000"/>
+      </a:schemeClr>
+    </dgm:fillClrLst>
+    <dgm:linClrLst meth="repeat">
+      <a:schemeClr val="accent1">
+        <a:tint val="60000"/>
+      </a:schemeClr>
+    </dgm:linClrLst>
+    <dgm:effectClrLst/>
+    <dgm:txLinClrLst/>
+    <dgm:txFillClrLst/>
+    <dgm:txEffectClrLst/>
+  </dgm:styleLbl>
+  <dgm:styleLbl name="bgSibTrans2D1">
+    <dgm:fillClrLst meth="repeat">
+      <a:schemeClr val="accent1">
+        <a:tint val="60000"/>
+      </a:schemeClr>
+    </dgm:fillClrLst>
+    <dgm:linClrLst meth="repeat">
+      <a:schemeClr val="accent1">
+        <a:tint val="60000"/>
+      </a:schemeClr>
+    </dgm:linClrLst>
+    <dgm:effectClrLst/>
+    <dgm:txLinClrLst/>
+    <dgm:txFillClrLst/>
+    <dgm:txEffectClrLst/>
+  </dgm:styleLbl>
+  <dgm:styleLbl name="sibTrans1D1">
+    <dgm:fillClrLst meth="repeat">
+      <a:schemeClr val="accent1"/>
+    </dgm:fillClrLst>
+    <dgm:linClrLst meth="repeat">
+      <a:schemeClr val="accent1"/>
+    </dgm:linClrLst>
+    <dgm:effectClrLst/>
+    <dgm:txLinClrLst/>
+    <dgm:txFillClrLst meth="repeat">
+      <a:schemeClr val="tx1"/>
+    </dgm:txFillClrLst>
+    <dgm:txEffectClrLst/>
+  </dgm:styleLbl>
+  <dgm:styleLbl name="callout">
+    <dgm:fillClrLst meth="repeat">
+      <a:schemeClr val="accent1"/>
+    </dgm:fillClrLst>
+    <dgm:linClrLst meth="repeat">
+      <a:schemeClr val="accent1">
+        <a:tint val="50000"/>
+      </a:schemeClr>
+    </dgm:linClrLst>
+    <dgm:effectClrLst/>
+    <dgm:txLinClrLst/>
+    <dgm:txFillClrLst meth="repeat">
+      <a:schemeClr val="tx1"/>
+    </dgm:txFillClrLst>
+    <dgm:txEffectClrLst/>
+  </dgm:styleLbl>
+  <dgm:styleLbl name="asst0">
+    <dgm:fillClrLst meth="repeat">
+      <a:schemeClr val="accent1"/>
+    </dgm:fillClrLst>
+    <dgm:linClrLst meth="repeat">
+      <a:schemeClr val="lt1"/>
+    </dgm:linClrLst>
+    <dgm:effectClrLst/>
+    <dgm:txLinClrLst/>
+    <dgm:txFillClrLst/>
+    <dgm:txEffectClrLst/>
+  </dgm:styleLbl>
+  <dgm:styleLbl name="asst1">
+    <dgm:fillClrLst meth="repeat">
+      <a:schemeClr val="accent1"/>
+    </dgm:fillClrLst>
+    <dgm:linClrLst meth="repeat">
+      <a:schemeClr val="lt1"/>
+    </dgm:linClrLst>
+    <dgm:effectClrLst/>
+    <dgm:txLinClrLst/>
+    <dgm:txFillClrLst/>
+    <dgm:txEffectClrLst/>
+  </dgm:styleLbl>
+  <dgm:styleLbl name="asst2">
+    <dgm:fillClrLst meth="repeat">
+      <a:schemeClr val="accent1"/>
+    </dgm:fillClrLst>
+    <dgm:linClrLst meth="repeat">
+      <a:schemeClr val="lt1"/>
+    </dgm:linClrLst>
+    <dgm:effectClrLst/>
+    <dgm:txLinClrLst/>
+    <dgm:txFillClrLst/>
+    <dgm:txEffectClrLst/>
+  </dgm:styleLbl>
+  <dgm:styleLbl name="asst3">
+    <dgm:fillClrLst meth="repeat">
+      <a:schemeClr val="accent1"/>
+    </dgm:fillClrLst>
+    <dgm:linClrLst meth="repeat">
+      <a:schemeClr val="lt1"/>
+    </dgm:linClrLst>
+    <dgm:effectClrLst/>
+    <dgm:txLinClrLst/>
+    <dgm:txFillClrLst/>
+    <dgm:txEffectClrLst/>
+  </dgm:styleLbl>
+  <dgm:styleLbl name="asst4">
+    <dgm:fillClrLst meth="repeat">
+      <a:schemeClr val="accent1"/>
+    </dgm:fillClrLst>
+    <dgm:linClrLst meth="repeat">
+      <a:schemeClr val="lt1"/>
+    </dgm:linClrLst>
+    <dgm:effectClrLst/>
+    <dgm:txLinClrLst/>
+    <dgm:txFillClrLst/>
+    <dgm:txEffectClrLst/>
+  </dgm:styleLbl>
+  <dgm:styleLbl name="parChTrans2D1">
+    <dgm:fillClrLst meth="repeat">
+      <a:schemeClr val="accent1">
+        <a:tint val="60000"/>
+      </a:schemeClr>
+    </dgm:fillClrLst>
+    <dgm:linClrLst meth="repeat">
+      <a:schemeClr val="accent1">
+        <a:tint val="60000"/>
+      </a:schemeClr>
+    </dgm:linClrLst>
+    <dgm:effectClrLst/>
+    <dgm:txLinClrLst/>
+    <dgm:txFillClrLst meth="repeat">
+      <a:schemeClr val="lt1"/>
+    </dgm:txFillClrLst>
+    <dgm:txEffectClrLst/>
+  </dgm:styleLbl>
+  <dgm:styleLbl name="parChTrans2D2">
+    <dgm:fillClrLst meth="repeat">
+      <a:schemeClr val="accent1"/>
+    </dgm:fillClrLst>
+    <dgm:linClrLst meth="repeat">
+      <a:schemeClr val="accent1"/>
+    </dgm:linClrLst>
+    <dgm:effectClrLst/>
+    <dgm:txLinClrLst/>
+    <dgm:txFillClrLst meth="repeat">
+      <a:schemeClr val="lt1"/>
+    </dgm:txFillClrLst>
+    <dgm:txEffectClrLst/>
+  </dgm:styleLbl>
+  <dgm:styleLbl name="parChTrans2D3">
+    <dgm:fillClrLst meth="repeat">
+      <a:schemeClr val="accent1"/>
+    </dgm:fillClrLst>
+    <dgm:linClrLst meth="repeat">
+      <a:schemeClr val="accent1"/>
+    </dgm:linClrLst>
+    <dgm:effectClrLst/>
+    <dgm:txLinClrLst/>
+    <dgm:txFillClrLst meth="repeat">
+      <a:schemeClr val="lt1"/>
+    </dgm:txFillClrLst>
+    <dgm:txEffectClrLst/>
+  </dgm:styleLbl>
+  <dgm:styleLbl name="parChTrans2D4">
+    <dgm:fillClrLst meth="repeat">
+      <a:schemeClr val="accent1"/>
+    </dgm:fillClrLst>
+    <dgm:linClrLst meth="repeat">
+      <a:schemeClr val="accent1"/>
+    </dgm:linClrLst>
+    <dgm:effectClrLst/>
+    <dgm:txLinClrLst/>
+    <dgm:txFillClrLst meth="repeat">
+      <a:schemeClr val="lt1"/>
+    </dgm:txFillClrLst>
+    <dgm:txEffectClrLst/>
+  </dgm:styleLbl>
+  <dgm:styleLbl name="parChTrans1D1">
+    <dgm:fillClrLst meth="repeat">
+      <a:schemeClr val="accent1"/>
+    </dgm:fillClrLst>
+    <dgm:linClrLst meth="repeat">
+      <a:schemeClr val="accent1">
+        <a:shade val="60000"/>
+      </a:schemeClr>
+    </dgm:linClrLst>
+    <dgm:effectClrLst/>
+    <dgm:txLinClrLst/>
+    <dgm:txFillClrLst meth="repeat">
+      <a:schemeClr val="tx1"/>
+    </dgm:txFillClrLst>
+    <dgm:txEffectClrLst/>
+  </dgm:styleLbl>
+  <dgm:styleLbl name="parChTrans1D2">
+    <dgm:fillClrLst meth="repeat">
+      <a:schemeClr val="accent1"/>
+    </dgm:fillClrLst>
+    <dgm:linClrLst meth="repeat">
+      <a:schemeClr val="accent1">
+        <a:shade val="60000"/>
+      </a:schemeClr>
+    </dgm:linClrLst>
+    <dgm:effectClrLst/>
+    <dgm:txLinClrLst/>
+    <dgm:txFillClrLst meth="repeat">
+      <a:schemeClr val="tx1"/>
+    </dgm:txFillClrLst>
+    <dgm:txEffectClrLst/>
+  </dgm:styleLbl>
+  <dgm:styleLbl name="parChTrans1D3">
+    <dgm:fillClrLst meth="repeat">
+      <a:schemeClr val="accent1"/>
+    </dgm:fillClrLst>
+    <dgm:linClrLst meth="repeat">
+      <a:schemeClr val="accent1">
+        <a:shade val="80000"/>
+      </a:schemeClr>
+    </dgm:linClrLst>
+    <dgm:effectClrLst/>
+    <dgm:txLinClrLst/>
+    <dgm:txFillClrLst meth="repeat">
+      <a:schemeClr val="tx1"/>
+    </dgm:txFillClrLst>
+    <dgm:txEffectClrLst/>
+  </dgm:styleLbl>
+  <dgm:styleLbl name="parChTrans1D4">
+    <dgm:fillClrLst meth="repeat">
+      <a:schemeClr val="accent1"/>
+    </dgm:fillClrLst>
+    <dgm:linClrLst meth="repeat">
+      <a:schemeClr val="accent1">
+        <a:shade val="80000"/>
+      </a:schemeClr>
+    </dgm:linClrLst>
+    <dgm:effectClrLst/>
+    <dgm:txLinClrLst/>
+    <dgm:txFillClrLst meth="repeat">
+      <a:schemeClr val="tx1"/>
+    </dgm:txFillClrLst>
+    <dgm:txEffectClrLst/>
+  </dgm:styleLbl>
+  <dgm:styleLbl name="fgAcc1">
+    <dgm:fillClrLst meth="repeat">
+      <a:schemeClr val="lt1">
+        <a:alpha val="90000"/>
+      </a:schemeClr>
+    </dgm:fillClrLst>
+    <dgm:linClrLst meth="repeat">
+      <a:schemeClr val="accent1"/>
+    </dgm:linClrLst>
+    <dgm:effectClrLst/>
+    <dgm:txLinClrLst/>
+    <dgm:txFillClrLst meth="repeat">
+      <a:schemeClr val="dk1"/>
+    </dgm:txFillClrLst>
+    <dgm:txEffectClrLst/>
+  </dgm:styleLbl>
+  <dgm:styleLbl name="conFgAcc1">
+    <dgm:fillClrLst meth="repeat">
+      <a:schemeClr val="lt1">
+        <a:alpha val="90000"/>
+      </a:schemeClr>
+    </dgm:fillClrLst>
+    <dgm:linClrLst meth="repeat">
+      <a:schemeClr val="accent1"/>
+    </dgm:linClrLst>
+    <dgm:effectClrLst/>
+    <dgm:txLinClrLst/>
+    <dgm:txFillClrLst meth="repeat">
+      <a:schemeClr val="dk1"/>
+    </dgm:txFillClrLst>
+    <dgm:txEffectClrLst/>
+  </dgm:styleLbl>
+  <dgm:styleLbl name="alignAcc1">
+    <dgm:fillClrLst meth="repeat">
+      <a:schemeClr val="lt1">
+        <a:alpha val="90000"/>
+      </a:schemeClr>
+    </dgm:fillClrLst>
+    <dgm:linClrLst meth="repeat">
+      <a:schemeClr val="accent1"/>
+    </dgm:linClrLst>
+    <dgm:effectClrLst/>
+    <dgm:txLinClrLst/>
+    <dgm:txFillClrLst meth="repeat">
+      <a:schemeClr val="dk1"/>
+    </dgm:txFillClrLst>
+    <dgm:txEffectClrLst/>
+  </dgm:styleLbl>
+  <dgm:styleLbl name="trAlignAcc1">
+    <dgm:fillClrLst meth="repeat">
+      <a:schemeClr val="lt1">
+        <a:alpha val="40000"/>
+      </a:schemeClr>
+    </dgm:fillClrLst>
+    <dgm:linClrLst meth="repeat">
+      <a:schemeClr val="accent1"/>
+    </dgm:linClrLst>
+    <dgm:effectClrLst/>
+    <dgm:txLinClrLst/>
+    <dgm:txFillClrLst meth="repeat">
+      <a:schemeClr val="dk1"/>
+    </dgm:txFillClrLst>
+    <dgm:txEffectClrLst/>
+  </dgm:styleLbl>
+  <dgm:styleLbl name="bgAcc1">
+    <dgm:fillClrLst meth="repeat">
+      <a:schemeClr val="lt1">
+        <a:alpha val="90000"/>
+      </a:schemeClr>
+    </dgm:fillClrLst>
+    <dgm:linClrLst meth="repeat">
+      <a:schemeClr val="accent1"/>
+    </dgm:linClrLst>
+    <dgm:effectClrLst/>
+    <dgm:txLinClrLst/>
+    <dgm:txFillClrLst meth="repeat">
+      <a:schemeClr val="dk1"/>
+    </dgm:txFillClrLst>
+    <dgm:txEffectClrLst/>
+  </dgm:styleLbl>
+  <dgm:styleLbl name="solidFgAcc1">
+    <dgm:fillClrLst meth="repeat">
+      <a:schemeClr val="lt1"/>
+    </dgm:fillClrLst>
+    <dgm:linClrLst meth="repeat">
+      <a:schemeClr val="accent1"/>
+    </dgm:linClrLst>
+    <dgm:effectClrLst/>
+    <dgm:txLinClrLst/>
+    <dgm:txFillClrLst meth="repeat">
+      <a:schemeClr val="dk1"/>
+    </dgm:txFillClrLst>
+    <dgm:txEffectClrLst/>
+  </dgm:styleLbl>
+  <dgm:styleLbl name="solidAlignAcc1">
+    <dgm:fillClrLst meth="repeat">
+      <a:schemeClr val="lt1"/>
+    </dgm:fillClrLst>
+    <dgm:linClrLst meth="repeat">
+      <a:schemeClr val="accent1"/>
+    </dgm:linClrLst>
+    <dgm:effectClrLst/>
+    <dgm:txLinClrLst/>
+    <dgm:txFillClrLst meth="repeat">
+      <a:schemeClr val="dk1"/>
+    </dgm:txFillClrLst>
+    <dgm:txEffectClrLst/>
+  </dgm:styleLbl>
+  <dgm:styleLbl name="solidBgAcc1">
+    <dgm:fillClrLst meth="repeat">
+      <a:schemeClr val="lt1"/>
+    </dgm:fillClrLst>
+    <dgm:linClrLst meth="repeat">
+      <a:schemeClr val="accent1"/>
+    </dgm:linClrLst>
+    <dgm:effectClrLst/>
+    <dgm:txLinClrLst/>
+    <dgm:txFillClrLst meth="repeat">
+      <a:schemeClr val="dk1"/>
+    </dgm:txFillClrLst>
+    <dgm:txEffectClrLst/>
+  </dgm:styleLbl>
+  <dgm:styleLbl name="fgAccFollowNode1">
+    <dgm:fillClrLst meth="repeat">
+      <a:schemeClr val="accent1">
+        <a:alpha val="90000"/>
+        <a:tint val="40000"/>
+      </a:schemeClr>
+    </dgm:fillClrLst>
+    <dgm:linClrLst meth="repeat">
+      <a:schemeClr val="accent1">
+        <a:alpha val="90000"/>
+        <a:tint val="40000"/>
+      </a:schemeClr>
+    </dgm:linClrLst>
+    <dgm:effectClrLst/>
+    <dgm:txLinClrLst/>
+    <dgm:txFillClrLst meth="repeat">
+      <a:schemeClr val="dk1"/>
+    </dgm:txFillClrLst>
+    <dgm:txEffectClrLst/>
+  </dgm:styleLbl>
+  <dgm:styleLbl name="alignAccFollowNode1">
+    <dgm:fillClrLst meth="repeat">
+      <a:schemeClr val="accent1">
+        <a:alpha val="90000"/>
+        <a:tint val="40000"/>
+      </a:schemeClr>
+    </dgm:fillClrLst>
+    <dgm:linClrLst meth="repeat">
+      <a:schemeClr val="accent1">
+        <a:alpha val="90000"/>
+        <a:tint val="40000"/>
+      </a:schemeClr>
+    </dgm:linClrLst>
+    <dgm:effectClrLst/>
+    <dgm:txLinClrLst/>
+    <dgm:txFillClrLst meth="repeat">
+      <a:schemeClr val="dk1"/>
+    </dgm:txFillClrLst>
+    <dgm:txEffectClrLst/>
+  </dgm:styleLbl>
+  <dgm:styleLbl name="bgAccFollowNode1">
+    <dgm:fillClrLst meth="repeat">
+      <a:schemeClr val="accent1">
+        <a:alpha val="90000"/>
+        <a:tint val="40000"/>
+      </a:schemeClr>
+    </dgm:fillClrLst>
+    <dgm:linClrLst meth="repeat">
+      <a:schemeClr val="accent1">
+        <a:alpha val="90000"/>
+        <a:tint val="40000"/>
+      </a:schemeClr>
+    </dgm:linClrLst>
+    <dgm:effectClrLst/>
+    <dgm:txLinClrLst/>
+    <dgm:txFillClrLst meth="repeat">
+      <a:schemeClr val="dk1"/>
+    </dgm:txFillClrLst>
+    <dgm:txEffectClrLst/>
+  </dgm:styleLbl>
+  <dgm:styleLbl name="fgAcc0">
+    <dgm:fillClrLst meth="repeat">
+      <a:schemeClr val="lt1">
+        <a:alpha val="90000"/>
+      </a:schemeClr>
+    </dgm:fillClrLst>
+    <dgm:linClrLst meth="repeat">
+      <a:schemeClr val="accent1"/>
+    </dgm:linClrLst>
+    <dgm:effectClrLst/>
+    <dgm:txLinClrLst/>
+    <dgm:txFillClrLst meth="repeat">
+      <a:schemeClr val="dk1"/>
+    </dgm:txFillClrLst>
+    <dgm:txEffectClrLst/>
+  </dgm:styleLbl>
+  <dgm:styleLbl name="fgAcc2">
+    <dgm:fillClrLst meth="repeat">
+      <a:schemeClr val="lt1">
+        <a:alpha val="90000"/>
+      </a:schemeClr>
+    </dgm:fillClrLst>
+    <dgm:linClrLst meth="repeat">
+      <a:schemeClr val="accent1"/>
+    </dgm:linClrLst>
+    <dgm:effectClrLst/>
+    <dgm:txLinClrLst/>
+    <dgm:txFillClrLst meth="repeat">
+      <a:schemeClr val="dk1"/>
+    </dgm:txFillClrLst>
+    <dgm:txEffectClrLst/>
+  </dgm:styleLbl>
+  <dgm:styleLbl name="fgAcc3">
+    <dgm:fillClrLst meth="repeat">
+      <a:schemeClr val="lt1">
+        <a:alpha val="90000"/>
+      </a:schemeClr>
+    </dgm:fillClrLst>
+    <dgm:linClrLst meth="repeat">
+      <a:schemeClr val="accent1"/>
+    </dgm:linClrLst>
+    <dgm:effectClrLst/>
+    <dgm:txLinClrLst/>
+    <dgm:txFillClrLst meth="repeat">
+      <a:schemeClr val="dk1"/>
+    </dgm:txFillClrLst>
+    <dgm:txEffectClrLst/>
+  </dgm:styleLbl>
+  <dgm:styleLbl name="fgAcc4">
+    <dgm:fillClrLst meth="repeat">
+      <a:schemeClr val="lt1">
+        <a:alpha val="90000"/>
+      </a:schemeClr>
+    </dgm:fillClrLst>
+    <dgm:linClrLst meth="repeat">
+      <a:schemeClr val="accent1"/>
+    </dgm:linClrLst>
+    <dgm:effectClrLst/>
+    <dgm:txLinClrLst/>
+    <dgm:txFillClrLst meth="repeat">
+      <a:schemeClr val="dk1"/>
+    </dgm:txFillClrLst>
+    <dgm:txEffectClrLst/>
+  </dgm:styleLbl>
+  <dgm:styleLbl name="bgShp">
+    <dgm:fillClrLst meth="repeat">
+      <a:schemeClr val="accent1">
+        <a:tint val="40000"/>
+      </a:schemeClr>
+    </dgm:fillClrLst>
+    <dgm:linClrLst meth="repeat">
+      <a:schemeClr val="accent1"/>
+    </dgm:linClrLst>
+    <dgm:effectClrLst/>
+    <dgm:txLinClrLst/>
+    <dgm:txFillClrLst meth="repeat">
+      <a:schemeClr val="dk1"/>
+    </dgm:txFillClrLst>
+    <dgm:txEffectClrLst/>
+  </dgm:styleLbl>
+  <dgm:styleLbl name="dkBgShp">
+    <dgm:fillClrLst meth="repeat">
+      <a:schemeClr val="accent1">
+        <a:shade val="80000"/>
+      </a:schemeClr>
+    </dgm:fillClrLst>
+    <dgm:linClrLst meth="repeat">
+      <a:schemeClr val="accent1"/>
+    </dgm:linClrLst>
+    <dgm:effectClrLst/>
+    <dgm:txLinClrLst/>
+    <dgm:txFillClrLst meth="repeat">
+      <a:schemeClr val="lt1"/>
+    </dgm:txFillClrLst>
+    <dgm:txEffectClrLst/>
+  </dgm:styleLbl>
+  <dgm:styleLbl name="trBgShp">
+    <dgm:fillClrLst meth="repeat">
+      <a:schemeClr val="accent1">
+        <a:tint val="50000"/>
+        <a:alpha val="40000"/>
+      </a:schemeClr>
+    </dgm:fillClrLst>
+    <dgm:linClrLst meth="repeat">
+      <a:schemeClr val="accent1"/>
+    </dgm:linClrLst>
+    <dgm:effectClrLst/>
+    <dgm:txLinClrLst/>
+    <dgm:txFillClrLst meth="repeat">
+      <a:schemeClr val="lt1"/>
+    </dgm:txFillClrLst>
+    <dgm:txEffectClrLst/>
+  </dgm:styleLbl>
+  <dgm:styleLbl name="fgShp">
+    <dgm:fillClrLst meth="repeat">
+      <a:schemeClr val="accent1">
+        <a:tint val="60000"/>
+      </a:schemeClr>
+    </dgm:fillClrLst>
+    <dgm:linClrLst meth="repeat">
+      <a:schemeClr val="lt1"/>
+    </dgm:linClrLst>
+    <dgm:effectClrLst/>
+    <dgm:txLinClrLst/>
+    <dgm:txFillClrLst meth="repeat">
+      <a:schemeClr val="dk1"/>
+    </dgm:txFillClrLst>
+    <dgm:txEffectClrLst/>
+  </dgm:styleLbl>
+  <dgm:styleLbl name="revTx">
+    <dgm:fillClrLst meth="repeat">
+      <a:schemeClr val="lt1">
+        <a:alpha val="0"/>
+      </a:schemeClr>
+    </dgm:fillClrLst>
+    <dgm:linClrLst meth="repeat">
+      <a:schemeClr val="dk1">
+        <a:alpha val="0"/>
+      </a:schemeClr>
+    </dgm:linClrLst>
+    <dgm:effectClrLst/>
+    <dgm:txLinClrLst/>
+    <dgm:txFillClrLst meth="repeat">
+      <a:schemeClr val="tx1"/>
+    </dgm:txFillClrLst>
+    <dgm:txEffectClrLst/>
+  </dgm:styleLbl>
+</dgm:colorsDef>
+</file>
+
+<file path=ppt/diagrams/colors12.xml><?xml version="1.0" encoding="utf-8"?>
 <dgm:colorsDef xmlns:dgm="http://schemas.openxmlformats.org/drawingml/2006/diagram" xmlns:a="http://schemas.openxmlformats.org/drawingml/2006/main" uniqueId="urn:microsoft.com/office/officeart/2005/8/colors/accent1_2">
   <dgm:title val=""/>
   <dgm:desc val=""/>
@@ -9144,6 +9891,258 @@
     <dgm:cxn modelId="{37148C69-9B07-47B7-BDB7-2AF77732C687}" type="presParOf" srcId="{7E3F9CB6-C73B-4A3F-A426-1EE07762E3DE}" destId="{DD24C6B0-A3D5-4091-8132-802C9A7B87BC}" srcOrd="3" destOrd="0" presId="urn:microsoft.com/office/officeart/2005/8/layout/pyramid2"/>
     <dgm:cxn modelId="{C1EE7755-CD51-4962-A58C-89D5D01D3C33}" type="presParOf" srcId="{7E3F9CB6-C73B-4A3F-A426-1EE07762E3DE}" destId="{FF2145F5-6F5C-41F1-8EB0-29148E104AD9}" srcOrd="4" destOrd="0" presId="urn:microsoft.com/office/officeart/2005/8/layout/pyramid2"/>
     <dgm:cxn modelId="{C7BEC5BD-4632-4B6E-89CB-7F28F1C338CD}" type="presParOf" srcId="{7E3F9CB6-C73B-4A3F-A426-1EE07762E3DE}" destId="{CA4A5476-22BB-41CA-B04D-0895843CFE8C}" srcOrd="5" destOrd="0" presId="urn:microsoft.com/office/officeart/2005/8/layout/pyramid2"/>
+  </dgm:cxnLst>
+  <dgm:bg/>
+  <dgm:whole/>
+  <dgm:extLst>
+    <a:ext uri="http://schemas.microsoft.com/office/drawing/2008/diagram">
+      <dsp:dataModelExt xmlns:dsp="http://schemas.microsoft.com/office/drawing/2008/diagram" xmlns="" relId="rId6" minVer="http://schemas.openxmlformats.org/drawingml/2006/diagram"/>
+    </a:ext>
+  </dgm:extLst>
+</dgm:dataModel>
+</file>
+
+<file path=ppt/diagrams/data12.xml><?xml version="1.0" encoding="utf-8"?>
+<dgm:dataModel xmlns:dgm="http://schemas.openxmlformats.org/drawingml/2006/diagram" xmlns:a="http://schemas.openxmlformats.org/drawingml/2006/main">
+  <dgm:ptLst>
+    <dgm:pt modelId="{8A847370-ED2E-444C-8BC9-D78DC6AA4688}" type="doc">
+      <dgm:prSet loTypeId="urn:microsoft.com/office/officeart/2005/8/layout/vList2" loCatId="list" qsTypeId="urn:microsoft.com/office/officeart/2005/8/quickstyle/simple1" qsCatId="simple" csTypeId="urn:microsoft.com/office/officeart/2005/8/colors/accent1_2" csCatId="accent1"/>
+      <dgm:spPr/>
+      <dgm:t>
+        <a:bodyPr/>
+        <a:lstStyle/>
+        <a:p>
+          <a:endParaRPr lang="es-CO"/>
+        </a:p>
+      </dgm:t>
+    </dgm:pt>
+    <dgm:pt modelId="{FE22013F-DCAC-42AB-A045-158D6A8376E5}">
+      <dgm:prSet/>
+      <dgm:spPr/>
+      <dgm:t>
+        <a:bodyPr/>
+        <a:lstStyle/>
+        <a:p>
+          <a:pPr rtl="0"/>
+          <a:r>
+            <a:rPr lang="es-ES_tradnl" dirty="0" smtClean="0"/>
+            <a:t>El producto provee un subconjunto mínimo funcional del producto final</a:t>
+          </a:r>
+          <a:endParaRPr lang="es-CO" dirty="0"/>
+        </a:p>
+      </dgm:t>
+    </dgm:pt>
+    <dgm:pt modelId="{6D117155-4CFC-44F8-BFBC-74DFD3372BA3}" type="parTrans" cxnId="{7A6CD27B-3B72-4DFB-BDDB-0EF5A815428D}">
+      <dgm:prSet/>
+      <dgm:spPr/>
+      <dgm:t>
+        <a:bodyPr/>
+        <a:lstStyle/>
+        <a:p>
+          <a:endParaRPr lang="es-CO"/>
+        </a:p>
+      </dgm:t>
+    </dgm:pt>
+    <dgm:pt modelId="{12A13D47-8ED6-4A19-9690-530CB98D6B9B}" type="sibTrans" cxnId="{7A6CD27B-3B72-4DFB-BDDB-0EF5A815428D}">
+      <dgm:prSet/>
+      <dgm:spPr/>
+      <dgm:t>
+        <a:bodyPr/>
+        <a:lstStyle/>
+        <a:p>
+          <a:endParaRPr lang="es-CO"/>
+        </a:p>
+      </dgm:t>
+    </dgm:pt>
+    <dgm:pt modelId="{3AEAA1A7-E8C2-403E-BEB2-E7ADCD686C7F}">
+      <dgm:prSet/>
+      <dgm:spPr/>
+      <dgm:t>
+        <a:bodyPr/>
+        <a:lstStyle/>
+        <a:p>
+          <a:pPr rtl="0"/>
+          <a:r>
+            <a:rPr lang="es-ES_tradnl" dirty="0" smtClean="0"/>
+            <a:t>El producto provee una base que puede ser fácilmente mejorada</a:t>
+          </a:r>
+          <a:endParaRPr lang="es-CO" dirty="0"/>
+        </a:p>
+      </dgm:t>
+    </dgm:pt>
+    <dgm:pt modelId="{AD0B15B2-1BB7-475E-A809-2D27BDB77A01}" type="parTrans" cxnId="{69504B94-1F2B-44E0-9213-19152738F568}">
+      <dgm:prSet/>
+      <dgm:spPr/>
+      <dgm:t>
+        <a:bodyPr/>
+        <a:lstStyle/>
+        <a:p>
+          <a:endParaRPr lang="es-CO"/>
+        </a:p>
+      </dgm:t>
+    </dgm:pt>
+    <dgm:pt modelId="{4F0D00FD-1B3C-48CB-B3E2-F5B0D73039BD}" type="sibTrans" cxnId="{69504B94-1F2B-44E0-9213-19152738F568}">
+      <dgm:prSet/>
+      <dgm:spPr/>
+      <dgm:t>
+        <a:bodyPr/>
+        <a:lstStyle/>
+        <a:p>
+          <a:endParaRPr lang="es-CO"/>
+        </a:p>
+      </dgm:t>
+    </dgm:pt>
+    <dgm:pt modelId="{31F26296-763E-40D9-ADD4-F6F71CA549C4}">
+      <dgm:prSet/>
+      <dgm:spPr/>
+      <dgm:t>
+        <a:bodyPr/>
+        <a:lstStyle/>
+        <a:p>
+          <a:pPr rtl="0"/>
+          <a:r>
+            <a:rPr lang="es-ES_tradnl" dirty="0" smtClean="0"/>
+            <a:t>Todos los ciclos del producto son de alta calidad y pueden ser fácilmente probados.</a:t>
+          </a:r>
+          <a:endParaRPr lang="es-CO" dirty="0"/>
+        </a:p>
+      </dgm:t>
+    </dgm:pt>
+    <dgm:pt modelId="{792E1E10-F973-4DFC-A2E0-225662E3E111}" type="parTrans" cxnId="{CF4DEC54-6836-4D14-88C4-B187CF7EA84E}">
+      <dgm:prSet/>
+      <dgm:spPr/>
+      <dgm:t>
+        <a:bodyPr/>
+        <a:lstStyle/>
+        <a:p>
+          <a:endParaRPr lang="es-CO"/>
+        </a:p>
+      </dgm:t>
+    </dgm:pt>
+    <dgm:pt modelId="{C1B64CA1-9BD1-47ED-A498-F733818FA54C}" type="sibTrans" cxnId="{CF4DEC54-6836-4D14-88C4-B187CF7EA84E}">
+      <dgm:prSet/>
+      <dgm:spPr/>
+      <dgm:t>
+        <a:bodyPr/>
+        <a:lstStyle/>
+        <a:p>
+          <a:endParaRPr lang="es-CO"/>
+        </a:p>
+      </dgm:t>
+    </dgm:pt>
+    <dgm:pt modelId="{B9464372-A978-44D1-8B6A-CCF49A698821}">
+      <dgm:prSet/>
+      <dgm:spPr/>
+      <dgm:t>
+        <a:bodyPr/>
+        <a:lstStyle/>
+        <a:p>
+          <a:pPr rtl="0"/>
+          <a:r>
+            <a:rPr lang="es-ES_tradnl" dirty="0" smtClean="0"/>
+            <a:t>El diseño del producto tiene una estructura modular que permite a los miembros del equipo trabajar de manera independiente.</a:t>
+          </a:r>
+          <a:endParaRPr lang="es-CO" dirty="0"/>
+        </a:p>
+      </dgm:t>
+    </dgm:pt>
+    <dgm:pt modelId="{3F69254A-C548-4F0A-855A-A022B3C3AB80}" type="parTrans" cxnId="{A16457D9-3F7E-4744-972C-17371A1EAF01}">
+      <dgm:prSet/>
+      <dgm:spPr/>
+      <dgm:t>
+        <a:bodyPr/>
+        <a:lstStyle/>
+        <a:p>
+          <a:endParaRPr lang="es-CO"/>
+        </a:p>
+      </dgm:t>
+    </dgm:pt>
+    <dgm:pt modelId="{5AEE5769-A9FD-4D78-A49A-B67F8789C47D}" type="sibTrans" cxnId="{A16457D9-3F7E-4744-972C-17371A1EAF01}">
+      <dgm:prSet/>
+      <dgm:spPr/>
+      <dgm:t>
+        <a:bodyPr/>
+        <a:lstStyle/>
+        <a:p>
+          <a:endParaRPr lang="es-CO"/>
+        </a:p>
+      </dgm:t>
+    </dgm:pt>
+    <dgm:pt modelId="{F18D8BD5-A7F0-44C1-BEBB-53162EFDBE66}" type="pres">
+      <dgm:prSet presAssocID="{8A847370-ED2E-444C-8BC9-D78DC6AA4688}" presName="linear" presStyleCnt="0">
+        <dgm:presLayoutVars>
+          <dgm:animLvl val="lvl"/>
+          <dgm:resizeHandles val="exact"/>
+        </dgm:presLayoutVars>
+      </dgm:prSet>
+      <dgm:spPr/>
+    </dgm:pt>
+    <dgm:pt modelId="{D76C8511-7656-4292-9CFA-8FCEBC34EF78}" type="pres">
+      <dgm:prSet presAssocID="{FE22013F-DCAC-42AB-A045-158D6A8376E5}" presName="parentText" presStyleLbl="node1" presStyleIdx="0" presStyleCnt="4">
+        <dgm:presLayoutVars>
+          <dgm:chMax val="0"/>
+          <dgm:bulletEnabled val="1"/>
+        </dgm:presLayoutVars>
+      </dgm:prSet>
+      <dgm:spPr/>
+    </dgm:pt>
+    <dgm:pt modelId="{8908A2EC-D5BD-42F5-BC48-3363C7E432B1}" type="pres">
+      <dgm:prSet presAssocID="{12A13D47-8ED6-4A19-9690-530CB98D6B9B}" presName="spacer" presStyleCnt="0"/>
+      <dgm:spPr/>
+    </dgm:pt>
+    <dgm:pt modelId="{421DFB2D-2997-48E2-A64E-17ABF726D33C}" type="pres">
+      <dgm:prSet presAssocID="{3AEAA1A7-E8C2-403E-BEB2-E7ADCD686C7F}" presName="parentText" presStyleLbl="node1" presStyleIdx="1" presStyleCnt="4">
+        <dgm:presLayoutVars>
+          <dgm:chMax val="0"/>
+          <dgm:bulletEnabled val="1"/>
+        </dgm:presLayoutVars>
+      </dgm:prSet>
+      <dgm:spPr/>
+    </dgm:pt>
+    <dgm:pt modelId="{F7CE8EB7-FB2B-4A4F-8384-836A9555CE87}" type="pres">
+      <dgm:prSet presAssocID="{4F0D00FD-1B3C-48CB-B3E2-F5B0D73039BD}" presName="spacer" presStyleCnt="0"/>
+      <dgm:spPr/>
+    </dgm:pt>
+    <dgm:pt modelId="{9A27162F-642D-4307-93E6-254EA0185804}" type="pres">
+      <dgm:prSet presAssocID="{31F26296-763E-40D9-ADD4-F6F71CA549C4}" presName="parentText" presStyleLbl="node1" presStyleIdx="2" presStyleCnt="4">
+        <dgm:presLayoutVars>
+          <dgm:chMax val="0"/>
+          <dgm:bulletEnabled val="1"/>
+        </dgm:presLayoutVars>
+      </dgm:prSet>
+      <dgm:spPr/>
+    </dgm:pt>
+    <dgm:pt modelId="{06258C85-2BA9-4377-8D5F-72B6BE5E2AEF}" type="pres">
+      <dgm:prSet presAssocID="{C1B64CA1-9BD1-47ED-A498-F733818FA54C}" presName="spacer" presStyleCnt="0"/>
+      <dgm:spPr/>
+    </dgm:pt>
+    <dgm:pt modelId="{24F56C77-C37F-47F0-9480-ABB847ECAA5A}" type="pres">
+      <dgm:prSet presAssocID="{B9464372-A978-44D1-8B6A-CCF49A698821}" presName="parentText" presStyleLbl="node1" presStyleIdx="3" presStyleCnt="4">
+        <dgm:presLayoutVars>
+          <dgm:chMax val="0"/>
+          <dgm:bulletEnabled val="1"/>
+        </dgm:presLayoutVars>
+      </dgm:prSet>
+      <dgm:spPr/>
+    </dgm:pt>
+  </dgm:ptLst>
+  <dgm:cxnLst>
+    <dgm:cxn modelId="{61F8D171-6C71-4884-9DA7-8BF27436D39A}" type="presOf" srcId="{31F26296-763E-40D9-ADD4-F6F71CA549C4}" destId="{9A27162F-642D-4307-93E6-254EA0185804}" srcOrd="0" destOrd="0" presId="urn:microsoft.com/office/officeart/2005/8/layout/vList2"/>
+    <dgm:cxn modelId="{BF140E4D-7DD9-42FE-95F0-584F1E2265F0}" type="presOf" srcId="{B9464372-A978-44D1-8B6A-CCF49A698821}" destId="{24F56C77-C37F-47F0-9480-ABB847ECAA5A}" srcOrd="0" destOrd="0" presId="urn:microsoft.com/office/officeart/2005/8/layout/vList2"/>
+    <dgm:cxn modelId="{657BF4DF-BBA0-4A42-81F8-1DB55EA0852A}" type="presOf" srcId="{3AEAA1A7-E8C2-403E-BEB2-E7ADCD686C7F}" destId="{421DFB2D-2997-48E2-A64E-17ABF726D33C}" srcOrd="0" destOrd="0" presId="urn:microsoft.com/office/officeart/2005/8/layout/vList2"/>
+    <dgm:cxn modelId="{7A6CD27B-3B72-4DFB-BDDB-0EF5A815428D}" srcId="{8A847370-ED2E-444C-8BC9-D78DC6AA4688}" destId="{FE22013F-DCAC-42AB-A045-158D6A8376E5}" srcOrd="0" destOrd="0" parTransId="{6D117155-4CFC-44F8-BFBC-74DFD3372BA3}" sibTransId="{12A13D47-8ED6-4A19-9690-530CB98D6B9B}"/>
+    <dgm:cxn modelId="{054DE35A-8F3F-4114-9B88-E5CBD9177B12}" type="presOf" srcId="{8A847370-ED2E-444C-8BC9-D78DC6AA4688}" destId="{F18D8BD5-A7F0-44C1-BEBB-53162EFDBE66}" srcOrd="0" destOrd="0" presId="urn:microsoft.com/office/officeart/2005/8/layout/vList2"/>
+    <dgm:cxn modelId="{CF4DEC54-6836-4D14-88C4-B187CF7EA84E}" srcId="{8A847370-ED2E-444C-8BC9-D78DC6AA4688}" destId="{31F26296-763E-40D9-ADD4-F6F71CA549C4}" srcOrd="2" destOrd="0" parTransId="{792E1E10-F973-4DFC-A2E0-225662E3E111}" sibTransId="{C1B64CA1-9BD1-47ED-A498-F733818FA54C}"/>
+    <dgm:cxn modelId="{E11EAD06-B904-49E5-A8B0-EA9CBC78A809}" type="presOf" srcId="{FE22013F-DCAC-42AB-A045-158D6A8376E5}" destId="{D76C8511-7656-4292-9CFA-8FCEBC34EF78}" srcOrd="0" destOrd="0" presId="urn:microsoft.com/office/officeart/2005/8/layout/vList2"/>
+    <dgm:cxn modelId="{69504B94-1F2B-44E0-9213-19152738F568}" srcId="{8A847370-ED2E-444C-8BC9-D78DC6AA4688}" destId="{3AEAA1A7-E8C2-403E-BEB2-E7ADCD686C7F}" srcOrd="1" destOrd="0" parTransId="{AD0B15B2-1BB7-475E-A809-2D27BDB77A01}" sibTransId="{4F0D00FD-1B3C-48CB-B3E2-F5B0D73039BD}"/>
+    <dgm:cxn modelId="{A16457D9-3F7E-4744-972C-17371A1EAF01}" srcId="{8A847370-ED2E-444C-8BC9-D78DC6AA4688}" destId="{B9464372-A978-44D1-8B6A-CCF49A698821}" srcOrd="3" destOrd="0" parTransId="{3F69254A-C548-4F0A-855A-A022B3C3AB80}" sibTransId="{5AEE5769-A9FD-4D78-A49A-B67F8789C47D}"/>
+    <dgm:cxn modelId="{360F403C-9AF6-4B0C-93C2-ED413C0163AD}" type="presParOf" srcId="{F18D8BD5-A7F0-44C1-BEBB-53162EFDBE66}" destId="{D76C8511-7656-4292-9CFA-8FCEBC34EF78}" srcOrd="0" destOrd="0" presId="urn:microsoft.com/office/officeart/2005/8/layout/vList2"/>
+    <dgm:cxn modelId="{7F34EBB9-080D-48E8-89A2-2F2F0FE9D49E}" type="presParOf" srcId="{F18D8BD5-A7F0-44C1-BEBB-53162EFDBE66}" destId="{8908A2EC-D5BD-42F5-BC48-3363C7E432B1}" srcOrd="1" destOrd="0" presId="urn:microsoft.com/office/officeart/2005/8/layout/vList2"/>
+    <dgm:cxn modelId="{67EB0ECB-C50F-4E1A-BFDD-B3D24DB1997D}" type="presParOf" srcId="{F18D8BD5-A7F0-44C1-BEBB-53162EFDBE66}" destId="{421DFB2D-2997-48E2-A64E-17ABF726D33C}" srcOrd="2" destOrd="0" presId="urn:microsoft.com/office/officeart/2005/8/layout/vList2"/>
+    <dgm:cxn modelId="{D3592F4D-BB8A-4FC4-8013-A545EC8DD8E6}" type="presParOf" srcId="{F18D8BD5-A7F0-44C1-BEBB-53162EFDBE66}" destId="{F7CE8EB7-FB2B-4A4F-8384-836A9555CE87}" srcOrd="3" destOrd="0" presId="urn:microsoft.com/office/officeart/2005/8/layout/vList2"/>
+    <dgm:cxn modelId="{2320C34C-5F6C-4416-A002-EDB714DF38F0}" type="presParOf" srcId="{F18D8BD5-A7F0-44C1-BEBB-53162EFDBE66}" destId="{9A27162F-642D-4307-93E6-254EA0185804}" srcOrd="4" destOrd="0" presId="urn:microsoft.com/office/officeart/2005/8/layout/vList2"/>
+    <dgm:cxn modelId="{261800B4-EB9A-4112-A09E-946925A9721D}" type="presParOf" srcId="{F18D8BD5-A7F0-44C1-BEBB-53162EFDBE66}" destId="{06258C85-2BA9-4377-8D5F-72B6BE5E2AEF}" srcOrd="5" destOrd="0" presId="urn:microsoft.com/office/officeart/2005/8/layout/vList2"/>
+    <dgm:cxn modelId="{84AA0322-86F5-4806-AA8F-5C147B190F79}" type="presParOf" srcId="{F18D8BD5-A7F0-44C1-BEBB-53162EFDBE66}" destId="{24F56C77-C37F-47F0-9480-ABB847ECAA5A}" srcOrd="6" destOrd="0" presId="urn:microsoft.com/office/officeart/2005/8/layout/vList2"/>
   </dgm:cxnLst>
   <dgm:bg/>
   <dgm:whole/>
@@ -10569,8 +11568,8 @@
   </dgm:ptLst>
   <dgm:cxnLst>
     <dgm:cxn modelId="{2DC1FEC4-BEA4-42BE-AE52-52DF6CD770E3}" type="presOf" srcId="{A40F8762-30DB-4142-BDD3-FB6170A71FE1}" destId="{F2E29DEE-BECA-4981-B620-7C6DF346E374}" srcOrd="0" destOrd="0" presId="urn:microsoft.com/office/officeart/2005/8/layout/chevron2"/>
+    <dgm:cxn modelId="{8898B88A-9B14-4310-B621-5C06BA069D03}" srcId="{093524FE-E3B3-4865-983C-400BCE47D5E5}" destId="{3DF59592-B2BD-47ED-9D24-83AE4C294756}" srcOrd="0" destOrd="0" parTransId="{06D92DF6-1E8D-414F-8538-6CBB64B2F50F}" sibTransId="{29796FF1-27A4-4ED4-9A3C-DBCCEFEA5E67}"/>
     <dgm:cxn modelId="{17CDA29C-9267-44EE-8817-1675CD7BE8F9}" srcId="{3DF59592-B2BD-47ED-9D24-83AE4C294756}" destId="{AA1D61FA-B4B2-434C-B436-AAE286F81238}" srcOrd="1" destOrd="0" parTransId="{AE91A3F4-4CC6-44C2-AAC7-9DA3C37F8B67}" sibTransId="{0AFFBE19-38CB-4770-BA05-16F72F9BF1C0}"/>
-    <dgm:cxn modelId="{8898B88A-9B14-4310-B621-5C06BA069D03}" srcId="{093524FE-E3B3-4865-983C-400BCE47D5E5}" destId="{3DF59592-B2BD-47ED-9D24-83AE4C294756}" srcOrd="0" destOrd="0" parTransId="{06D92DF6-1E8D-414F-8538-6CBB64B2F50F}" sibTransId="{29796FF1-27A4-4ED4-9A3C-DBCCEFEA5E67}"/>
     <dgm:cxn modelId="{B548823B-A8E6-4335-A1BB-625E57BC9CE6}" type="presOf" srcId="{AA1D61FA-B4B2-434C-B436-AAE286F81238}" destId="{F2E29DEE-BECA-4981-B620-7C6DF346E374}" srcOrd="0" destOrd="1" presId="urn:microsoft.com/office/officeart/2005/8/layout/chevron2"/>
     <dgm:cxn modelId="{A5850683-8241-444B-84F2-A4743511C89D}" type="presOf" srcId="{E6A6324E-F564-4DFF-A956-6D2255C6F589}" destId="{F2E29DEE-BECA-4981-B620-7C6DF346E374}" srcOrd="0" destOrd="2" presId="urn:microsoft.com/office/officeart/2005/8/layout/chevron2"/>
     <dgm:cxn modelId="{28E5A7D5-F73B-473F-94C5-D7C00C77E353}" srcId="{3DF59592-B2BD-47ED-9D24-83AE4C294756}" destId="{A40F8762-30DB-4142-BDD3-FB6170A71FE1}" srcOrd="0" destOrd="0" parTransId="{41C80F1A-04F2-49F7-99DF-D9DEA69743C7}" sibTransId="{8B11C269-0019-4D08-96D5-B30C7587CFA5}"/>
@@ -11643,8 +12642,8 @@
     </dgm:pt>
   </dgm:ptLst>
   <dgm:cxnLst>
+    <dgm:cxn modelId="{450622D3-A783-43D3-A304-152DB8675835}" srcId="{50DB4B39-BE6C-461F-84FB-27D61EF8A551}" destId="{C84195DB-62FE-4F50-905C-42E815CFFEA2}" srcOrd="0" destOrd="0" parTransId="{E847E821-77C6-45C2-8B02-234EE8856263}" sibTransId="{EA2F152B-F450-44AD-9C2F-BCEBA15F80E5}"/>
     <dgm:cxn modelId="{93F82146-EDB5-4526-B57A-C4FD17E1535E}" type="presOf" srcId="{EA2F152B-F450-44AD-9C2F-BCEBA15F80E5}" destId="{34C20B9A-B85F-47CA-9551-8C29889EF3D6}" srcOrd="1" destOrd="0" presId="urn:microsoft.com/office/officeart/2005/8/layout/cycle2"/>
-    <dgm:cxn modelId="{450622D3-A783-43D3-A304-152DB8675835}" srcId="{50DB4B39-BE6C-461F-84FB-27D61EF8A551}" destId="{C84195DB-62FE-4F50-905C-42E815CFFEA2}" srcOrd="0" destOrd="0" parTransId="{E847E821-77C6-45C2-8B02-234EE8856263}" sibTransId="{EA2F152B-F450-44AD-9C2F-BCEBA15F80E5}"/>
     <dgm:cxn modelId="{F610CAEC-38FF-42F8-B309-EDFB420E4069}" type="presOf" srcId="{B08F5B9A-EA08-463E-884F-D052F0C59D03}" destId="{A309B455-1C31-4131-AE8A-6143EDCD3EDA}" srcOrd="1" destOrd="0" presId="urn:microsoft.com/office/officeart/2005/8/layout/cycle2"/>
     <dgm:cxn modelId="{030E7601-1A7A-4787-9C38-B2B5584A0602}" type="presOf" srcId="{CDD37ECA-7EED-4D91-B612-A85A13217813}" destId="{15D65290-97A2-4DED-8BBB-7F23771450A2}" srcOrd="0" destOrd="0" presId="urn:microsoft.com/office/officeart/2005/8/layout/cycle2"/>
     <dgm:cxn modelId="{7405E789-9278-4B70-A5ED-DF51D4A784CD}" srcId="{50DB4B39-BE6C-461F-84FB-27D61EF8A551}" destId="{2D1A4ADB-668A-434A-A533-E925B9E93A6F}" srcOrd="1" destOrd="0" parTransId="{5B799D6E-F596-4C94-A2AA-D3CC897FAB6A}" sibTransId="{B08F5B9A-EA08-463E-884F-D052F0C59D03}"/>
@@ -12858,6 +13857,326 @@
       <dsp:txXfrm>
         <a:off x="3775352" y="2865632"/>
         <a:ext cx="2941875" cy="1071380"/>
+      </dsp:txXfrm>
+    </dsp:sp>
+  </dsp:spTree>
+</dsp:drawing>
+</file>
+
+<file path=ppt/diagrams/drawing12.xml><?xml version="1.0" encoding="utf-8"?>
+<dsp:drawing xmlns:dgm="http://schemas.openxmlformats.org/drawingml/2006/diagram" xmlns:a="http://schemas.openxmlformats.org/drawingml/2006/main" xmlns:dsp="http://schemas.microsoft.com/office/drawing/2008/diagram">
+  <dsp:spTree>
+    <dsp:nvGrpSpPr>
+      <dsp:cNvPr id="0" name=""/>
+      <dsp:cNvGrpSpPr/>
+    </dsp:nvGrpSpPr>
+    <dsp:grpSpPr/>
+    <dsp:sp modelId="{D76C8511-7656-4292-9CFA-8FCEBC34EF78}">
+      <dsp:nvSpPr>
+        <dsp:cNvPr id="0" name=""/>
+        <dsp:cNvSpPr/>
+      </dsp:nvSpPr>
+      <dsp:spPr>
+        <a:xfrm>
+          <a:off x="0" y="358041"/>
+          <a:ext cx="8229600" cy="911430"/>
+        </a:xfrm>
+        <a:prstGeom prst="roundRect">
+          <a:avLst/>
+        </a:prstGeom>
+        <a:solidFill>
+          <a:schemeClr val="accent1">
+            <a:hueOff val="0"/>
+            <a:satOff val="0"/>
+            <a:lumOff val="0"/>
+            <a:alphaOff val="0"/>
+          </a:schemeClr>
+        </a:solidFill>
+        <a:ln w="55000" cap="flat" cmpd="thickThin" algn="ctr">
+          <a:solidFill>
+            <a:schemeClr val="lt1">
+              <a:hueOff val="0"/>
+              <a:satOff val="0"/>
+              <a:lumOff val="0"/>
+              <a:alphaOff val="0"/>
+            </a:schemeClr>
+          </a:solidFill>
+          <a:prstDash val="solid"/>
+        </a:ln>
+        <a:effectLst/>
+      </dsp:spPr>
+      <dsp:style>
+        <a:lnRef idx="2">
+          <a:scrgbClr r="0" g="0" b="0"/>
+        </a:lnRef>
+        <a:fillRef idx="1">
+          <a:scrgbClr r="0" g="0" b="0"/>
+        </a:fillRef>
+        <a:effectRef idx="0">
+          <a:scrgbClr r="0" g="0" b="0"/>
+        </a:effectRef>
+        <a:fontRef idx="minor">
+          <a:schemeClr val="lt1"/>
+        </a:fontRef>
+      </dsp:style>
+      <dsp:txBody>
+        <a:bodyPr spcFirstLastPara="0" vert="horz" wrap="square" lIns="72390" tIns="72390" rIns="72390" bIns="72390" numCol="1" spcCol="1270" anchor="ctr" anchorCtr="0">
+          <a:noAutofit/>
+        </a:bodyPr>
+        <a:lstStyle/>
+        <a:p>
+          <a:pPr lvl="0" algn="l" defTabSz="844550" rtl="0">
+            <a:lnSpc>
+              <a:spcPct val="90000"/>
+            </a:lnSpc>
+            <a:spcBef>
+              <a:spcPct val="0"/>
+            </a:spcBef>
+            <a:spcAft>
+              <a:spcPct val="35000"/>
+            </a:spcAft>
+          </a:pPr>
+          <a:r>
+            <a:rPr lang="es-ES_tradnl" sz="1900" kern="1200" dirty="0" smtClean="0"/>
+            <a:t>El producto provee un subconjunto mínimo funcional del producto final</a:t>
+          </a:r>
+          <a:endParaRPr lang="es-CO" sz="1900" kern="1200" dirty="0"/>
+        </a:p>
+      </dsp:txBody>
+      <dsp:txXfrm>
+        <a:off x="0" y="358041"/>
+        <a:ext cx="8229600" cy="911430"/>
+      </dsp:txXfrm>
+    </dsp:sp>
+    <dsp:sp modelId="{421DFB2D-2997-48E2-A64E-17ABF726D33C}">
+      <dsp:nvSpPr>
+        <dsp:cNvPr id="0" name=""/>
+        <dsp:cNvSpPr/>
+      </dsp:nvSpPr>
+      <dsp:spPr>
+        <a:xfrm>
+          <a:off x="0" y="1324191"/>
+          <a:ext cx="8229600" cy="911430"/>
+        </a:xfrm>
+        <a:prstGeom prst="roundRect">
+          <a:avLst/>
+        </a:prstGeom>
+        <a:solidFill>
+          <a:schemeClr val="accent1">
+            <a:hueOff val="0"/>
+            <a:satOff val="0"/>
+            <a:lumOff val="0"/>
+            <a:alphaOff val="0"/>
+          </a:schemeClr>
+        </a:solidFill>
+        <a:ln w="55000" cap="flat" cmpd="thickThin" algn="ctr">
+          <a:solidFill>
+            <a:schemeClr val="lt1">
+              <a:hueOff val="0"/>
+              <a:satOff val="0"/>
+              <a:lumOff val="0"/>
+              <a:alphaOff val="0"/>
+            </a:schemeClr>
+          </a:solidFill>
+          <a:prstDash val="solid"/>
+        </a:ln>
+        <a:effectLst/>
+      </dsp:spPr>
+      <dsp:style>
+        <a:lnRef idx="2">
+          <a:scrgbClr r="0" g="0" b="0"/>
+        </a:lnRef>
+        <a:fillRef idx="1">
+          <a:scrgbClr r="0" g="0" b="0"/>
+        </a:fillRef>
+        <a:effectRef idx="0">
+          <a:scrgbClr r="0" g="0" b="0"/>
+        </a:effectRef>
+        <a:fontRef idx="minor">
+          <a:schemeClr val="lt1"/>
+        </a:fontRef>
+      </dsp:style>
+      <dsp:txBody>
+        <a:bodyPr spcFirstLastPara="0" vert="horz" wrap="square" lIns="72390" tIns="72390" rIns="72390" bIns="72390" numCol="1" spcCol="1270" anchor="ctr" anchorCtr="0">
+          <a:noAutofit/>
+        </a:bodyPr>
+        <a:lstStyle/>
+        <a:p>
+          <a:pPr lvl="0" algn="l" defTabSz="844550" rtl="0">
+            <a:lnSpc>
+              <a:spcPct val="90000"/>
+            </a:lnSpc>
+            <a:spcBef>
+              <a:spcPct val="0"/>
+            </a:spcBef>
+            <a:spcAft>
+              <a:spcPct val="35000"/>
+            </a:spcAft>
+          </a:pPr>
+          <a:r>
+            <a:rPr lang="es-ES_tradnl" sz="1900" kern="1200" dirty="0" smtClean="0"/>
+            <a:t>El producto provee una base que puede ser fácilmente mejorada</a:t>
+          </a:r>
+          <a:endParaRPr lang="es-CO" sz="1900" kern="1200" dirty="0"/>
+        </a:p>
+      </dsp:txBody>
+      <dsp:txXfrm>
+        <a:off x="0" y="1324191"/>
+        <a:ext cx="8229600" cy="911430"/>
+      </dsp:txXfrm>
+    </dsp:sp>
+    <dsp:sp modelId="{9A27162F-642D-4307-93E6-254EA0185804}">
+      <dsp:nvSpPr>
+        <dsp:cNvPr id="0" name=""/>
+        <dsp:cNvSpPr/>
+      </dsp:nvSpPr>
+      <dsp:spPr>
+        <a:xfrm>
+          <a:off x="0" y="2290341"/>
+          <a:ext cx="8229600" cy="911430"/>
+        </a:xfrm>
+        <a:prstGeom prst="roundRect">
+          <a:avLst/>
+        </a:prstGeom>
+        <a:solidFill>
+          <a:schemeClr val="accent1">
+            <a:hueOff val="0"/>
+            <a:satOff val="0"/>
+            <a:lumOff val="0"/>
+            <a:alphaOff val="0"/>
+          </a:schemeClr>
+        </a:solidFill>
+        <a:ln w="55000" cap="flat" cmpd="thickThin" algn="ctr">
+          <a:solidFill>
+            <a:schemeClr val="lt1">
+              <a:hueOff val="0"/>
+              <a:satOff val="0"/>
+              <a:lumOff val="0"/>
+              <a:alphaOff val="0"/>
+            </a:schemeClr>
+          </a:solidFill>
+          <a:prstDash val="solid"/>
+        </a:ln>
+        <a:effectLst/>
+      </dsp:spPr>
+      <dsp:style>
+        <a:lnRef idx="2">
+          <a:scrgbClr r="0" g="0" b="0"/>
+        </a:lnRef>
+        <a:fillRef idx="1">
+          <a:scrgbClr r="0" g="0" b="0"/>
+        </a:fillRef>
+        <a:effectRef idx="0">
+          <a:scrgbClr r="0" g="0" b="0"/>
+        </a:effectRef>
+        <a:fontRef idx="minor">
+          <a:schemeClr val="lt1"/>
+        </a:fontRef>
+      </dsp:style>
+      <dsp:txBody>
+        <a:bodyPr spcFirstLastPara="0" vert="horz" wrap="square" lIns="72390" tIns="72390" rIns="72390" bIns="72390" numCol="1" spcCol="1270" anchor="ctr" anchorCtr="0">
+          <a:noAutofit/>
+        </a:bodyPr>
+        <a:lstStyle/>
+        <a:p>
+          <a:pPr lvl="0" algn="l" defTabSz="844550" rtl="0">
+            <a:lnSpc>
+              <a:spcPct val="90000"/>
+            </a:lnSpc>
+            <a:spcBef>
+              <a:spcPct val="0"/>
+            </a:spcBef>
+            <a:spcAft>
+              <a:spcPct val="35000"/>
+            </a:spcAft>
+          </a:pPr>
+          <a:r>
+            <a:rPr lang="es-ES_tradnl" sz="1900" kern="1200" dirty="0" smtClean="0"/>
+            <a:t>Todos los ciclos del producto son de alta calidad y pueden ser fácilmente probados.</a:t>
+          </a:r>
+          <a:endParaRPr lang="es-CO" sz="1900" kern="1200" dirty="0"/>
+        </a:p>
+      </dsp:txBody>
+      <dsp:txXfrm>
+        <a:off x="0" y="2290341"/>
+        <a:ext cx="8229600" cy="911430"/>
+      </dsp:txXfrm>
+    </dsp:sp>
+    <dsp:sp modelId="{24F56C77-C37F-47F0-9480-ABB847ECAA5A}">
+      <dsp:nvSpPr>
+        <dsp:cNvPr id="0" name=""/>
+        <dsp:cNvSpPr/>
+      </dsp:nvSpPr>
+      <dsp:spPr>
+        <a:xfrm>
+          <a:off x="0" y="3256491"/>
+          <a:ext cx="8229600" cy="911430"/>
+        </a:xfrm>
+        <a:prstGeom prst="roundRect">
+          <a:avLst/>
+        </a:prstGeom>
+        <a:solidFill>
+          <a:schemeClr val="accent1">
+            <a:hueOff val="0"/>
+            <a:satOff val="0"/>
+            <a:lumOff val="0"/>
+            <a:alphaOff val="0"/>
+          </a:schemeClr>
+        </a:solidFill>
+        <a:ln w="55000" cap="flat" cmpd="thickThin" algn="ctr">
+          <a:solidFill>
+            <a:schemeClr val="lt1">
+              <a:hueOff val="0"/>
+              <a:satOff val="0"/>
+              <a:lumOff val="0"/>
+              <a:alphaOff val="0"/>
+            </a:schemeClr>
+          </a:solidFill>
+          <a:prstDash val="solid"/>
+        </a:ln>
+        <a:effectLst/>
+      </dsp:spPr>
+      <dsp:style>
+        <a:lnRef idx="2">
+          <a:scrgbClr r="0" g="0" b="0"/>
+        </a:lnRef>
+        <a:fillRef idx="1">
+          <a:scrgbClr r="0" g="0" b="0"/>
+        </a:fillRef>
+        <a:effectRef idx="0">
+          <a:scrgbClr r="0" g="0" b="0"/>
+        </a:effectRef>
+        <a:fontRef idx="minor">
+          <a:schemeClr val="lt1"/>
+        </a:fontRef>
+      </dsp:style>
+      <dsp:txBody>
+        <a:bodyPr spcFirstLastPara="0" vert="horz" wrap="square" lIns="72390" tIns="72390" rIns="72390" bIns="72390" numCol="1" spcCol="1270" anchor="ctr" anchorCtr="0">
+          <a:noAutofit/>
+        </a:bodyPr>
+        <a:lstStyle/>
+        <a:p>
+          <a:pPr lvl="0" algn="l" defTabSz="844550" rtl="0">
+            <a:lnSpc>
+              <a:spcPct val="90000"/>
+            </a:lnSpc>
+            <a:spcBef>
+              <a:spcPct val="0"/>
+            </a:spcBef>
+            <a:spcAft>
+              <a:spcPct val="35000"/>
+            </a:spcAft>
+          </a:pPr>
+          <a:r>
+            <a:rPr lang="es-ES_tradnl" sz="1900" kern="1200" dirty="0" smtClean="0"/>
+            <a:t>El diseño del producto tiene una estructura modular que permite a los miembros del equipo trabajar de manera independiente.</a:t>
+          </a:r>
+          <a:endParaRPr lang="es-CO" sz="1900" kern="1200" dirty="0"/>
+        </a:p>
+      </dsp:txBody>
+      <dsp:txXfrm>
+        <a:off x="0" y="3256491"/>
+        <a:ext cx="8229600" cy="911430"/>
       </dsp:txXfrm>
     </dsp:sp>
   </dsp:spTree>
@@ -17023,6 +18342,173 @@
 </dgm:layoutDef>
 </file>
 
+<file path=ppt/diagrams/layout12.xml><?xml version="1.0" encoding="utf-8"?>
+<dgm:layoutDef xmlns:dgm="http://schemas.openxmlformats.org/drawingml/2006/diagram" xmlns:a="http://schemas.openxmlformats.org/drawingml/2006/main" uniqueId="urn:microsoft.com/office/officeart/2005/8/layout/vList2">
+  <dgm:title val=""/>
+  <dgm:desc val=""/>
+  <dgm:catLst>
+    <dgm:cat type="list" pri="3000"/>
+    <dgm:cat type="convert" pri="1000"/>
+  </dgm:catLst>
+  <dgm:sampData>
+    <dgm:dataModel>
+      <dgm:ptLst>
+        <dgm:pt modelId="0" type="doc"/>
+        <dgm:pt modelId="1">
+          <dgm:prSet phldr="1"/>
+        </dgm:pt>
+        <dgm:pt modelId="11">
+          <dgm:prSet phldr="1"/>
+        </dgm:pt>
+        <dgm:pt modelId="2">
+          <dgm:prSet phldr="1"/>
+        </dgm:pt>
+        <dgm:pt modelId="21">
+          <dgm:prSet phldr="1"/>
+        </dgm:pt>
+      </dgm:ptLst>
+      <dgm:cxnLst>
+        <dgm:cxn modelId="4" srcId="0" destId="1" srcOrd="0" destOrd="0"/>
+        <dgm:cxn modelId="5" srcId="0" destId="2" srcOrd="1" destOrd="0"/>
+        <dgm:cxn modelId="12" srcId="1" destId="11" srcOrd="0" destOrd="0"/>
+        <dgm:cxn modelId="23" srcId="2" destId="21" srcOrd="0" destOrd="0"/>
+      </dgm:cxnLst>
+      <dgm:bg/>
+      <dgm:whole/>
+    </dgm:dataModel>
+  </dgm:sampData>
+  <dgm:styleData>
+    <dgm:dataModel>
+      <dgm:ptLst>
+        <dgm:pt modelId="0" type="doc"/>
+        <dgm:pt modelId="1"/>
+        <dgm:pt modelId="2"/>
+      </dgm:ptLst>
+      <dgm:cxnLst>
+        <dgm:cxn modelId="3" srcId="0" destId="1" srcOrd="0" destOrd="0"/>
+        <dgm:cxn modelId="4" srcId="0" destId="2" srcOrd="1" destOrd="0"/>
+      </dgm:cxnLst>
+      <dgm:bg/>
+      <dgm:whole/>
+    </dgm:dataModel>
+  </dgm:styleData>
+  <dgm:clrData>
+    <dgm:dataModel>
+      <dgm:ptLst>
+        <dgm:pt modelId="0" type="doc"/>
+        <dgm:pt modelId="1"/>
+        <dgm:pt modelId="2"/>
+        <dgm:pt modelId="3"/>
+        <dgm:pt modelId="4"/>
+      </dgm:ptLst>
+      <dgm:cxnLst>
+        <dgm:cxn modelId="5" srcId="0" destId="1" srcOrd="0" destOrd="0"/>
+        <dgm:cxn modelId="6" srcId="0" destId="2" srcOrd="1" destOrd="0"/>
+        <dgm:cxn modelId="7" srcId="0" destId="3" srcOrd="2" destOrd="0"/>
+        <dgm:cxn modelId="8" srcId="0" destId="4" srcOrd="3" destOrd="0"/>
+      </dgm:cxnLst>
+      <dgm:bg/>
+      <dgm:whole/>
+    </dgm:dataModel>
+  </dgm:clrData>
+  <dgm:layoutNode name="linear">
+    <dgm:varLst>
+      <dgm:animLvl val="lvl"/>
+      <dgm:resizeHandles val="exact"/>
+    </dgm:varLst>
+    <dgm:alg type="lin">
+      <dgm:param type="linDir" val="fromT"/>
+      <dgm:param type="vertAlign" val="mid"/>
+    </dgm:alg>
+    <dgm:shape xmlns:r="http://schemas.openxmlformats.org/officeDocument/2006/relationships" r:blip="">
+      <dgm:adjLst/>
+    </dgm:shape>
+    <dgm:presOf/>
+    <dgm:constrLst>
+      <dgm:constr type="w" for="ch" forName="parentText" refType="w"/>
+      <dgm:constr type="h" for="ch" forName="parentText" refType="primFontSz" refFor="ch" refForName="parentText" fact="0.52"/>
+      <dgm:constr type="w" for="ch" forName="childText" refType="w"/>
+      <dgm:constr type="h" for="ch" forName="childText" refType="primFontSz" refFor="ch" refForName="parentText" fact="0.46"/>
+      <dgm:constr type="h" for="ch" forName="parentText" op="equ"/>
+      <dgm:constr type="primFontSz" for="ch" forName="parentText" op="equ" val="65"/>
+      <dgm:constr type="primFontSz" for="ch" forName="childText" refType="primFontSz" refFor="ch" refForName="parentText" op="equ"/>
+      <dgm:constr type="h" for="ch" forName="spacer" refType="primFontSz" refFor="ch" refForName="parentText" fact="0.08"/>
+    </dgm:constrLst>
+    <dgm:ruleLst>
+      <dgm:rule type="primFontSz" for="ch" forName="parentText" val="5" fact="NaN" max="NaN"/>
+    </dgm:ruleLst>
+    <dgm:forEach name="Name0" axis="ch" ptType="node">
+      <dgm:layoutNode name="parentText" styleLbl="node1">
+        <dgm:varLst>
+          <dgm:chMax val="0"/>
+          <dgm:bulletEnabled val="1"/>
+        </dgm:varLst>
+        <dgm:alg type="tx">
+          <dgm:param type="parTxLTRAlign" val="l"/>
+          <dgm:param type="parTxRTLAlign" val="r"/>
+        </dgm:alg>
+        <dgm:shape xmlns:r="http://schemas.openxmlformats.org/officeDocument/2006/relationships" type="roundRect" r:blip="">
+          <dgm:adjLst/>
+        </dgm:shape>
+        <dgm:presOf axis="self"/>
+        <dgm:constrLst>
+          <dgm:constr type="tMarg" refType="primFontSz" fact="0.3"/>
+          <dgm:constr type="bMarg" refType="primFontSz" fact="0.3"/>
+          <dgm:constr type="lMarg" refType="primFontSz" fact="0.3"/>
+          <dgm:constr type="rMarg" refType="primFontSz" fact="0.3"/>
+        </dgm:constrLst>
+        <dgm:ruleLst>
+          <dgm:rule type="h" val="INF" fact="NaN" max="NaN"/>
+        </dgm:ruleLst>
+      </dgm:layoutNode>
+      <dgm:choose name="Name1">
+        <dgm:if name="Name2" axis="ch" ptType="node" func="cnt" op="gte" val="1">
+          <dgm:layoutNode name="childText" styleLbl="revTx">
+            <dgm:varLst>
+              <dgm:bulletEnabled val="1"/>
+            </dgm:varLst>
+            <dgm:alg type="tx">
+              <dgm:param type="stBulletLvl" val="1"/>
+              <dgm:param type="lnSpAfChP" val="20"/>
+            </dgm:alg>
+            <dgm:shape xmlns:r="http://schemas.openxmlformats.org/officeDocument/2006/relationships" type="rect" r:blip="">
+              <dgm:adjLst/>
+            </dgm:shape>
+            <dgm:presOf axis="des" ptType="node"/>
+            <dgm:constrLst>
+              <dgm:constr type="tMarg" refType="primFontSz" fact="0.1"/>
+              <dgm:constr type="bMarg" refType="primFontSz" fact="0.1"/>
+              <dgm:constr type="lMarg" refType="w" fact="0.09"/>
+            </dgm:constrLst>
+            <dgm:ruleLst>
+              <dgm:rule type="h" val="INF" fact="NaN" max="NaN"/>
+            </dgm:ruleLst>
+          </dgm:layoutNode>
+        </dgm:if>
+        <dgm:else name="Name3">
+          <dgm:choose name="Name4">
+            <dgm:if name="Name5" axis="par ch" ptType="doc node" func="cnt" op="gte" val="2">
+              <dgm:forEach name="Name6" axis="followSib" ptType="sibTrans" cnt="1">
+                <dgm:layoutNode name="spacer">
+                  <dgm:alg type="sp"/>
+                  <dgm:shape xmlns:r="http://schemas.openxmlformats.org/officeDocument/2006/relationships" r:blip="">
+                    <dgm:adjLst/>
+                  </dgm:shape>
+                  <dgm:presOf/>
+                  <dgm:constrLst/>
+                  <dgm:ruleLst/>
+                </dgm:layoutNode>
+              </dgm:forEach>
+            </dgm:if>
+            <dgm:else name="Name7"/>
+          </dgm:choose>
+        </dgm:else>
+      </dgm:choose>
+    </dgm:forEach>
+  </dgm:layoutNode>
+</dgm:layoutDef>
+</file>
+
 <file path=ppt/diagrams/layout2.xml><?xml version="1.0" encoding="utf-8"?>
 <dgm:layoutDef xmlns:dgm="http://schemas.openxmlformats.org/drawingml/2006/diagram" xmlns:a="http://schemas.openxmlformats.org/drawingml/2006/main" uniqueId="urn:microsoft.com/office/officeart/2005/8/layout/vList3">
   <dgm:title val=""/>
@@ -20911,6 +22397,1040 @@
 </file>
 
 <file path=ppt/diagrams/quickStyle11.xml><?xml version="1.0" encoding="utf-8"?>
+<dgm:styleDef xmlns:dgm="http://schemas.openxmlformats.org/drawingml/2006/diagram" xmlns:a="http://schemas.openxmlformats.org/drawingml/2006/main" uniqueId="urn:microsoft.com/office/officeart/2005/8/quickstyle/simple1">
+  <dgm:title val=""/>
+  <dgm:desc val=""/>
+  <dgm:catLst>
+    <dgm:cat type="simple" pri="10100"/>
+  </dgm:catLst>
+  <dgm:scene3d>
+    <a:camera prst="orthographicFront"/>
+    <a:lightRig rig="threePt" dir="t"/>
+  </dgm:scene3d>
+  <dgm:styleLbl name="node0">
+    <dgm:scene3d>
+      <a:camera prst="orthographicFront"/>
+      <a:lightRig rig="threePt" dir="t"/>
+    </dgm:scene3d>
+    <dgm:sp3d/>
+    <dgm:txPr/>
+    <dgm:style>
+      <a:lnRef idx="2">
+        <a:scrgbClr r="0" g="0" b="0"/>
+      </a:lnRef>
+      <a:fillRef idx="1">
+        <a:scrgbClr r="0" g="0" b="0"/>
+      </a:fillRef>
+      <a:effectRef idx="0">
+        <a:scrgbClr r="0" g="0" b="0"/>
+      </a:effectRef>
+      <a:fontRef idx="minor">
+        <a:schemeClr val="lt1"/>
+      </a:fontRef>
+    </dgm:style>
+  </dgm:styleLbl>
+  <dgm:styleLbl name="lnNode1">
+    <dgm:scene3d>
+      <a:camera prst="orthographicFront"/>
+      <a:lightRig rig="threePt" dir="t"/>
+    </dgm:scene3d>
+    <dgm:sp3d/>
+    <dgm:txPr/>
+    <dgm:style>
+      <a:lnRef idx="2">
+        <a:scrgbClr r="0" g="0" b="0"/>
+      </a:lnRef>
+      <a:fillRef idx="1">
+        <a:scrgbClr r="0" g="0" b="0"/>
+      </a:fillRef>
+      <a:effectRef idx="0">
+        <a:scrgbClr r="0" g="0" b="0"/>
+      </a:effectRef>
+      <a:fontRef idx="minor">
+        <a:schemeClr val="lt1"/>
+      </a:fontRef>
+    </dgm:style>
+  </dgm:styleLbl>
+  <dgm:styleLbl name="vennNode1">
+    <dgm:scene3d>
+      <a:camera prst="orthographicFront"/>
+      <a:lightRig rig="threePt" dir="t"/>
+    </dgm:scene3d>
+    <dgm:sp3d/>
+    <dgm:txPr/>
+    <dgm:style>
+      <a:lnRef idx="2">
+        <a:scrgbClr r="0" g="0" b="0"/>
+      </a:lnRef>
+      <a:fillRef idx="1">
+        <a:scrgbClr r="0" g="0" b="0"/>
+      </a:fillRef>
+      <a:effectRef idx="0">
+        <a:scrgbClr r="0" g="0" b="0"/>
+      </a:effectRef>
+      <a:fontRef idx="minor">
+        <a:schemeClr val="tx1"/>
+      </a:fontRef>
+    </dgm:style>
+  </dgm:styleLbl>
+  <dgm:styleLbl name="alignNode1">
+    <dgm:scene3d>
+      <a:camera prst="orthographicFront"/>
+      <a:lightRig rig="threePt" dir="t"/>
+    </dgm:scene3d>
+    <dgm:sp3d/>
+    <dgm:txPr/>
+    <dgm:style>
+      <a:lnRef idx="2">
+        <a:scrgbClr r="0" g="0" b="0"/>
+      </a:lnRef>
+      <a:fillRef idx="1">
+        <a:scrgbClr r="0" g="0" b="0"/>
+      </a:fillRef>
+      <a:effectRef idx="0">
+        <a:scrgbClr r="0" g="0" b="0"/>
+      </a:effectRef>
+      <a:fontRef idx="minor">
+        <a:schemeClr val="lt1"/>
+      </a:fontRef>
+    </dgm:style>
+  </dgm:styleLbl>
+  <dgm:styleLbl name="node1">
+    <dgm:scene3d>
+      <a:camera prst="orthographicFront"/>
+      <a:lightRig rig="threePt" dir="t"/>
+    </dgm:scene3d>
+    <dgm:sp3d/>
+    <dgm:txPr/>
+    <dgm:style>
+      <a:lnRef idx="2">
+        <a:scrgbClr r="0" g="0" b="0"/>
+      </a:lnRef>
+      <a:fillRef idx="1">
+        <a:scrgbClr r="0" g="0" b="0"/>
+      </a:fillRef>
+      <a:effectRef idx="0">
+        <a:scrgbClr r="0" g="0" b="0"/>
+      </a:effectRef>
+      <a:fontRef idx="minor">
+        <a:schemeClr val="lt1"/>
+      </a:fontRef>
+    </dgm:style>
+  </dgm:styleLbl>
+  <dgm:styleLbl name="node2">
+    <dgm:scene3d>
+      <a:camera prst="orthographicFront"/>
+      <a:lightRig rig="threePt" dir="t"/>
+    </dgm:scene3d>
+    <dgm:sp3d/>
+    <dgm:txPr/>
+    <dgm:style>
+      <a:lnRef idx="2">
+        <a:scrgbClr r="0" g="0" b="0"/>
+      </a:lnRef>
+      <a:fillRef idx="1">
+        <a:scrgbClr r="0" g="0" b="0"/>
+      </a:fillRef>
+      <a:effectRef idx="0">
+        <a:scrgbClr r="0" g="0" b="0"/>
+      </a:effectRef>
+      <a:fontRef idx="minor">
+        <a:schemeClr val="lt1"/>
+      </a:fontRef>
+    </dgm:style>
+  </dgm:styleLbl>
+  <dgm:styleLbl name="node3">
+    <dgm:scene3d>
+      <a:camera prst="orthographicFront"/>
+      <a:lightRig rig="threePt" dir="t"/>
+    </dgm:scene3d>
+    <dgm:sp3d/>
+    <dgm:txPr/>
+    <dgm:style>
+      <a:lnRef idx="2">
+        <a:scrgbClr r="0" g="0" b="0"/>
+      </a:lnRef>
+      <a:fillRef idx="1">
+        <a:scrgbClr r="0" g="0" b="0"/>
+      </a:fillRef>
+      <a:effectRef idx="0">
+        <a:scrgbClr r="0" g="0" b="0"/>
+      </a:effectRef>
+      <a:fontRef idx="minor">
+        <a:schemeClr val="lt1"/>
+      </a:fontRef>
+    </dgm:style>
+  </dgm:styleLbl>
+  <dgm:styleLbl name="node4">
+    <dgm:scene3d>
+      <a:camera prst="orthographicFront"/>
+      <a:lightRig rig="threePt" dir="t"/>
+    </dgm:scene3d>
+    <dgm:sp3d/>
+    <dgm:txPr/>
+    <dgm:style>
+      <a:lnRef idx="2">
+        <a:scrgbClr r="0" g="0" b="0"/>
+      </a:lnRef>
+      <a:fillRef idx="1">
+        <a:scrgbClr r="0" g="0" b="0"/>
+      </a:fillRef>
+      <a:effectRef idx="0">
+        <a:scrgbClr r="0" g="0" b="0"/>
+      </a:effectRef>
+      <a:fontRef idx="minor">
+        <a:schemeClr val="lt1"/>
+      </a:fontRef>
+    </dgm:style>
+  </dgm:styleLbl>
+  <dgm:styleLbl name="fgImgPlace1">
+    <dgm:scene3d>
+      <a:camera prst="orthographicFront"/>
+      <a:lightRig rig="threePt" dir="t"/>
+    </dgm:scene3d>
+    <dgm:sp3d/>
+    <dgm:txPr/>
+    <dgm:style>
+      <a:lnRef idx="2">
+        <a:scrgbClr r="0" g="0" b="0"/>
+      </a:lnRef>
+      <a:fillRef idx="1">
+        <a:scrgbClr r="0" g="0" b="0"/>
+      </a:fillRef>
+      <a:effectRef idx="0">
+        <a:scrgbClr r="0" g="0" b="0"/>
+      </a:effectRef>
+      <a:fontRef idx="minor"/>
+    </dgm:style>
+  </dgm:styleLbl>
+  <dgm:styleLbl name="alignImgPlace1">
+    <dgm:scene3d>
+      <a:camera prst="orthographicFront"/>
+      <a:lightRig rig="threePt" dir="t"/>
+    </dgm:scene3d>
+    <dgm:sp3d/>
+    <dgm:txPr/>
+    <dgm:style>
+      <a:lnRef idx="2">
+        <a:scrgbClr r="0" g="0" b="0"/>
+      </a:lnRef>
+      <a:fillRef idx="1">
+        <a:scrgbClr r="0" g="0" b="0"/>
+      </a:fillRef>
+      <a:effectRef idx="0">
+        <a:scrgbClr r="0" g="0" b="0"/>
+      </a:effectRef>
+      <a:fontRef idx="minor"/>
+    </dgm:style>
+  </dgm:styleLbl>
+  <dgm:styleLbl name="bgImgPlace1">
+    <dgm:scene3d>
+      <a:camera prst="orthographicFront"/>
+      <a:lightRig rig="threePt" dir="t"/>
+    </dgm:scene3d>
+    <dgm:sp3d/>
+    <dgm:txPr/>
+    <dgm:style>
+      <a:lnRef idx="2">
+        <a:scrgbClr r="0" g="0" b="0"/>
+      </a:lnRef>
+      <a:fillRef idx="1">
+        <a:scrgbClr r="0" g="0" b="0"/>
+      </a:fillRef>
+      <a:effectRef idx="0">
+        <a:scrgbClr r="0" g="0" b="0"/>
+      </a:effectRef>
+      <a:fontRef idx="minor"/>
+    </dgm:style>
+  </dgm:styleLbl>
+  <dgm:styleLbl name="sibTrans2D1">
+    <dgm:scene3d>
+      <a:camera prst="orthographicFront"/>
+      <a:lightRig rig="threePt" dir="t"/>
+    </dgm:scene3d>
+    <dgm:sp3d/>
+    <dgm:txPr/>
+    <dgm:style>
+      <a:lnRef idx="0">
+        <a:scrgbClr r="0" g="0" b="0"/>
+      </a:lnRef>
+      <a:fillRef idx="1">
+        <a:scrgbClr r="0" g="0" b="0"/>
+      </a:fillRef>
+      <a:effectRef idx="0">
+        <a:scrgbClr r="0" g="0" b="0"/>
+      </a:effectRef>
+      <a:fontRef idx="minor">
+        <a:schemeClr val="lt1"/>
+      </a:fontRef>
+    </dgm:style>
+  </dgm:styleLbl>
+  <dgm:styleLbl name="fgSibTrans2D1">
+    <dgm:scene3d>
+      <a:camera prst="orthographicFront"/>
+      <a:lightRig rig="threePt" dir="t"/>
+    </dgm:scene3d>
+    <dgm:sp3d/>
+    <dgm:txPr/>
+    <dgm:style>
+      <a:lnRef idx="0">
+        <a:scrgbClr r="0" g="0" b="0"/>
+      </a:lnRef>
+      <a:fillRef idx="1">
+        <a:scrgbClr r="0" g="0" b="0"/>
+      </a:fillRef>
+      <a:effectRef idx="0">
+        <a:scrgbClr r="0" g="0" b="0"/>
+      </a:effectRef>
+      <a:fontRef idx="minor">
+        <a:schemeClr val="lt1"/>
+      </a:fontRef>
+    </dgm:style>
+  </dgm:styleLbl>
+  <dgm:styleLbl name="bgSibTrans2D1">
+    <dgm:scene3d>
+      <a:camera prst="orthographicFront"/>
+      <a:lightRig rig="threePt" dir="t"/>
+    </dgm:scene3d>
+    <dgm:sp3d/>
+    <dgm:txPr/>
+    <dgm:style>
+      <a:lnRef idx="0">
+        <a:scrgbClr r="0" g="0" b="0"/>
+      </a:lnRef>
+      <a:fillRef idx="1">
+        <a:scrgbClr r="0" g="0" b="0"/>
+      </a:fillRef>
+      <a:effectRef idx="0">
+        <a:scrgbClr r="0" g="0" b="0"/>
+      </a:effectRef>
+      <a:fontRef idx="minor">
+        <a:schemeClr val="lt1"/>
+      </a:fontRef>
+    </dgm:style>
+  </dgm:styleLbl>
+  <dgm:styleLbl name="sibTrans1D1">
+    <dgm:scene3d>
+      <a:camera prst="orthographicFront"/>
+      <a:lightRig rig="threePt" dir="t"/>
+    </dgm:scene3d>
+    <dgm:sp3d/>
+    <dgm:txPr/>
+    <dgm:style>
+      <a:lnRef idx="1">
+        <a:scrgbClr r="0" g="0" b="0"/>
+      </a:lnRef>
+      <a:fillRef idx="0">
+        <a:scrgbClr r="0" g="0" b="0"/>
+      </a:fillRef>
+      <a:effectRef idx="0">
+        <a:scrgbClr r="0" g="0" b="0"/>
+      </a:effectRef>
+      <a:fontRef idx="minor"/>
+    </dgm:style>
+  </dgm:styleLbl>
+  <dgm:styleLbl name="callout">
+    <dgm:scene3d>
+      <a:camera prst="orthographicFront"/>
+      <a:lightRig rig="threePt" dir="t"/>
+    </dgm:scene3d>
+    <dgm:sp3d/>
+    <dgm:txPr/>
+    <dgm:style>
+      <a:lnRef idx="2">
+        <a:scrgbClr r="0" g="0" b="0"/>
+      </a:lnRef>
+      <a:fillRef idx="1">
+        <a:scrgbClr r="0" g="0" b="0"/>
+      </a:fillRef>
+      <a:effectRef idx="0">
+        <a:scrgbClr r="0" g="0" b="0"/>
+      </a:effectRef>
+      <a:fontRef idx="minor"/>
+    </dgm:style>
+  </dgm:styleLbl>
+  <dgm:styleLbl name="asst0">
+    <dgm:scene3d>
+      <a:camera prst="orthographicFront"/>
+      <a:lightRig rig="threePt" dir="t"/>
+    </dgm:scene3d>
+    <dgm:sp3d/>
+    <dgm:txPr/>
+    <dgm:style>
+      <a:lnRef idx="2">
+        <a:scrgbClr r="0" g="0" b="0"/>
+      </a:lnRef>
+      <a:fillRef idx="1">
+        <a:scrgbClr r="0" g="0" b="0"/>
+      </a:fillRef>
+      <a:effectRef idx="0">
+        <a:scrgbClr r="0" g="0" b="0"/>
+      </a:effectRef>
+      <a:fontRef idx="minor">
+        <a:schemeClr val="lt1"/>
+      </a:fontRef>
+    </dgm:style>
+  </dgm:styleLbl>
+  <dgm:styleLbl name="asst1">
+    <dgm:scene3d>
+      <a:camera prst="orthographicFront"/>
+      <a:lightRig rig="threePt" dir="t"/>
+    </dgm:scene3d>
+    <dgm:sp3d/>
+    <dgm:txPr/>
+    <dgm:style>
+      <a:lnRef idx="2">
+        <a:scrgbClr r="0" g="0" b="0"/>
+      </a:lnRef>
+      <a:fillRef idx="1">
+        <a:scrgbClr r="0" g="0" b="0"/>
+      </a:fillRef>
+      <a:effectRef idx="0">
+        <a:scrgbClr r="0" g="0" b="0"/>
+      </a:effectRef>
+      <a:fontRef idx="minor">
+        <a:schemeClr val="lt1"/>
+      </a:fontRef>
+    </dgm:style>
+  </dgm:styleLbl>
+  <dgm:styleLbl name="asst2">
+    <dgm:scene3d>
+      <a:camera prst="orthographicFront"/>
+      <a:lightRig rig="threePt" dir="t"/>
+    </dgm:scene3d>
+    <dgm:sp3d/>
+    <dgm:txPr/>
+    <dgm:style>
+      <a:lnRef idx="2">
+        <a:scrgbClr r="0" g="0" b="0"/>
+      </a:lnRef>
+      <a:fillRef idx="1">
+        <a:scrgbClr r="0" g="0" b="0"/>
+      </a:fillRef>
+      <a:effectRef idx="0">
+        <a:scrgbClr r="0" g="0" b="0"/>
+      </a:effectRef>
+      <a:fontRef idx="minor">
+        <a:schemeClr val="lt1"/>
+      </a:fontRef>
+    </dgm:style>
+  </dgm:styleLbl>
+  <dgm:styleLbl name="asst3">
+    <dgm:scene3d>
+      <a:camera prst="orthographicFront"/>
+      <a:lightRig rig="threePt" dir="t"/>
+    </dgm:scene3d>
+    <dgm:sp3d/>
+    <dgm:txPr/>
+    <dgm:style>
+      <a:lnRef idx="2">
+        <a:scrgbClr r="0" g="0" b="0"/>
+      </a:lnRef>
+      <a:fillRef idx="1">
+        <a:scrgbClr r="0" g="0" b="0"/>
+      </a:fillRef>
+      <a:effectRef idx="0">
+        <a:scrgbClr r="0" g="0" b="0"/>
+      </a:effectRef>
+      <a:fontRef idx="minor">
+        <a:schemeClr val="lt1"/>
+      </a:fontRef>
+    </dgm:style>
+  </dgm:styleLbl>
+  <dgm:styleLbl name="asst4">
+    <dgm:scene3d>
+      <a:camera prst="orthographicFront"/>
+      <a:lightRig rig="threePt" dir="t"/>
+    </dgm:scene3d>
+    <dgm:sp3d/>
+    <dgm:txPr/>
+    <dgm:style>
+      <a:lnRef idx="2">
+        <a:scrgbClr r="0" g="0" b="0"/>
+      </a:lnRef>
+      <a:fillRef idx="1">
+        <a:scrgbClr r="0" g="0" b="0"/>
+      </a:fillRef>
+      <a:effectRef idx="0">
+        <a:scrgbClr r="0" g="0" b="0"/>
+      </a:effectRef>
+      <a:fontRef idx="minor">
+        <a:schemeClr val="lt1"/>
+      </a:fontRef>
+    </dgm:style>
+  </dgm:styleLbl>
+  <dgm:styleLbl name="parChTrans2D1">
+    <dgm:scene3d>
+      <a:camera prst="orthographicFront"/>
+      <a:lightRig rig="threePt" dir="t"/>
+    </dgm:scene3d>
+    <dgm:sp3d/>
+    <dgm:txPr/>
+    <dgm:style>
+      <a:lnRef idx="2">
+        <a:scrgbClr r="0" g="0" b="0"/>
+      </a:lnRef>
+      <a:fillRef idx="1">
+        <a:scrgbClr r="0" g="0" b="0"/>
+      </a:fillRef>
+      <a:effectRef idx="0">
+        <a:scrgbClr r="0" g="0" b="0"/>
+      </a:effectRef>
+      <a:fontRef idx="minor">
+        <a:schemeClr val="lt1"/>
+      </a:fontRef>
+    </dgm:style>
+  </dgm:styleLbl>
+  <dgm:styleLbl name="parChTrans2D2">
+    <dgm:scene3d>
+      <a:camera prst="orthographicFront"/>
+      <a:lightRig rig="threePt" dir="t"/>
+    </dgm:scene3d>
+    <dgm:sp3d/>
+    <dgm:txPr/>
+    <dgm:style>
+      <a:lnRef idx="2">
+        <a:scrgbClr r="0" g="0" b="0"/>
+      </a:lnRef>
+      <a:fillRef idx="1">
+        <a:scrgbClr r="0" g="0" b="0"/>
+      </a:fillRef>
+      <a:effectRef idx="0">
+        <a:scrgbClr r="0" g="0" b="0"/>
+      </a:effectRef>
+      <a:fontRef idx="minor">
+        <a:schemeClr val="lt1"/>
+      </a:fontRef>
+    </dgm:style>
+  </dgm:styleLbl>
+  <dgm:styleLbl name="parChTrans2D3">
+    <dgm:scene3d>
+      <a:camera prst="orthographicFront"/>
+      <a:lightRig rig="threePt" dir="t"/>
+    </dgm:scene3d>
+    <dgm:sp3d/>
+    <dgm:txPr/>
+    <dgm:style>
+      <a:lnRef idx="2">
+        <a:scrgbClr r="0" g="0" b="0"/>
+      </a:lnRef>
+      <a:fillRef idx="1">
+        <a:scrgbClr r="0" g="0" b="0"/>
+      </a:fillRef>
+      <a:effectRef idx="0">
+        <a:scrgbClr r="0" g="0" b="0"/>
+      </a:effectRef>
+      <a:fontRef idx="minor">
+        <a:schemeClr val="lt1"/>
+      </a:fontRef>
+    </dgm:style>
+  </dgm:styleLbl>
+  <dgm:styleLbl name="parChTrans2D4">
+    <dgm:scene3d>
+      <a:camera prst="orthographicFront"/>
+      <a:lightRig rig="threePt" dir="t"/>
+    </dgm:scene3d>
+    <dgm:sp3d/>
+    <dgm:txPr/>
+    <dgm:style>
+      <a:lnRef idx="2">
+        <a:scrgbClr r="0" g="0" b="0"/>
+      </a:lnRef>
+      <a:fillRef idx="1">
+        <a:scrgbClr r="0" g="0" b="0"/>
+      </a:fillRef>
+      <a:effectRef idx="0">
+        <a:scrgbClr r="0" g="0" b="0"/>
+      </a:effectRef>
+      <a:fontRef idx="minor">
+        <a:schemeClr val="lt1"/>
+      </a:fontRef>
+    </dgm:style>
+  </dgm:styleLbl>
+  <dgm:styleLbl name="parChTrans1D1">
+    <dgm:scene3d>
+      <a:camera prst="orthographicFront"/>
+      <a:lightRig rig="threePt" dir="t"/>
+    </dgm:scene3d>
+    <dgm:sp3d/>
+    <dgm:txPr/>
+    <dgm:style>
+      <a:lnRef idx="2">
+        <a:scrgbClr r="0" g="0" b="0"/>
+      </a:lnRef>
+      <a:fillRef idx="0">
+        <a:scrgbClr r="0" g="0" b="0"/>
+      </a:fillRef>
+      <a:effectRef idx="0">
+        <a:scrgbClr r="0" g="0" b="0"/>
+      </a:effectRef>
+      <a:fontRef idx="minor"/>
+    </dgm:style>
+  </dgm:styleLbl>
+  <dgm:styleLbl name="parChTrans1D2">
+    <dgm:scene3d>
+      <a:camera prst="orthographicFront"/>
+      <a:lightRig rig="threePt" dir="t"/>
+    </dgm:scene3d>
+    <dgm:sp3d/>
+    <dgm:txPr/>
+    <dgm:style>
+      <a:lnRef idx="2">
+        <a:scrgbClr r="0" g="0" b="0"/>
+      </a:lnRef>
+      <a:fillRef idx="0">
+        <a:scrgbClr r="0" g="0" b="0"/>
+      </a:fillRef>
+      <a:effectRef idx="0">
+        <a:scrgbClr r="0" g="0" b="0"/>
+      </a:effectRef>
+      <a:fontRef idx="minor"/>
+    </dgm:style>
+  </dgm:styleLbl>
+  <dgm:styleLbl name="parChTrans1D3">
+    <dgm:scene3d>
+      <a:camera prst="orthographicFront"/>
+      <a:lightRig rig="threePt" dir="t"/>
+    </dgm:scene3d>
+    <dgm:sp3d/>
+    <dgm:txPr/>
+    <dgm:style>
+      <a:lnRef idx="2">
+        <a:scrgbClr r="0" g="0" b="0"/>
+      </a:lnRef>
+      <a:fillRef idx="0">
+        <a:scrgbClr r="0" g="0" b="0"/>
+      </a:fillRef>
+      <a:effectRef idx="0">
+        <a:scrgbClr r="0" g="0" b="0"/>
+      </a:effectRef>
+      <a:fontRef idx="minor"/>
+    </dgm:style>
+  </dgm:styleLbl>
+  <dgm:styleLbl name="parChTrans1D4">
+    <dgm:scene3d>
+      <a:camera prst="orthographicFront"/>
+      <a:lightRig rig="threePt" dir="t"/>
+    </dgm:scene3d>
+    <dgm:sp3d/>
+    <dgm:txPr/>
+    <dgm:style>
+      <a:lnRef idx="2">
+        <a:scrgbClr r="0" g="0" b="0"/>
+      </a:lnRef>
+      <a:fillRef idx="0">
+        <a:scrgbClr r="0" g="0" b="0"/>
+      </a:fillRef>
+      <a:effectRef idx="0">
+        <a:scrgbClr r="0" g="0" b="0"/>
+      </a:effectRef>
+      <a:fontRef idx="minor"/>
+    </dgm:style>
+  </dgm:styleLbl>
+  <dgm:styleLbl name="fgAcc1">
+    <dgm:scene3d>
+      <a:camera prst="orthographicFront"/>
+      <a:lightRig rig="threePt" dir="t"/>
+    </dgm:scene3d>
+    <dgm:sp3d/>
+    <dgm:txPr/>
+    <dgm:style>
+      <a:lnRef idx="2">
+        <a:scrgbClr r="0" g="0" b="0"/>
+      </a:lnRef>
+      <a:fillRef idx="1">
+        <a:scrgbClr r="0" g="0" b="0"/>
+      </a:fillRef>
+      <a:effectRef idx="0">
+        <a:scrgbClr r="0" g="0" b="0"/>
+      </a:effectRef>
+      <a:fontRef idx="minor"/>
+    </dgm:style>
+  </dgm:styleLbl>
+  <dgm:styleLbl name="conFgAcc1">
+    <dgm:scene3d>
+      <a:camera prst="orthographicFront"/>
+      <a:lightRig rig="threePt" dir="t"/>
+    </dgm:scene3d>
+    <dgm:sp3d/>
+    <dgm:txPr/>
+    <dgm:style>
+      <a:lnRef idx="2">
+        <a:scrgbClr r="0" g="0" b="0"/>
+      </a:lnRef>
+      <a:fillRef idx="1">
+        <a:scrgbClr r="0" g="0" b="0"/>
+      </a:fillRef>
+      <a:effectRef idx="0">
+        <a:scrgbClr r="0" g="0" b="0"/>
+      </a:effectRef>
+      <a:fontRef idx="minor"/>
+    </dgm:style>
+  </dgm:styleLbl>
+  <dgm:styleLbl name="alignAcc1">
+    <dgm:scene3d>
+      <a:camera prst="orthographicFront"/>
+      <a:lightRig rig="threePt" dir="t"/>
+    </dgm:scene3d>
+    <dgm:sp3d/>
+    <dgm:txPr/>
+    <dgm:style>
+      <a:lnRef idx="2">
+        <a:scrgbClr r="0" g="0" b="0"/>
+      </a:lnRef>
+      <a:fillRef idx="1">
+        <a:scrgbClr r="0" g="0" b="0"/>
+      </a:fillRef>
+      <a:effectRef idx="0">
+        <a:scrgbClr r="0" g="0" b="0"/>
+      </a:effectRef>
+      <a:fontRef idx="minor"/>
+    </dgm:style>
+  </dgm:styleLbl>
+  <dgm:styleLbl name="trAlignAcc1">
+    <dgm:scene3d>
+      <a:camera prst="orthographicFront"/>
+      <a:lightRig rig="threePt" dir="t"/>
+    </dgm:scene3d>
+    <dgm:sp3d/>
+    <dgm:txPr/>
+    <dgm:style>
+      <a:lnRef idx="1">
+        <a:scrgbClr r="0" g="0" b="0"/>
+      </a:lnRef>
+      <a:fillRef idx="1">
+        <a:scrgbClr r="0" g="0" b="0"/>
+      </a:fillRef>
+      <a:effectRef idx="0">
+        <a:scrgbClr r="0" g="0" b="0"/>
+      </a:effectRef>
+      <a:fontRef idx="minor"/>
+    </dgm:style>
+  </dgm:styleLbl>
+  <dgm:styleLbl name="bgAcc1">
+    <dgm:scene3d>
+      <a:camera prst="orthographicFront"/>
+      <a:lightRig rig="threePt" dir="t"/>
+    </dgm:scene3d>
+    <dgm:sp3d/>
+    <dgm:txPr/>
+    <dgm:style>
+      <a:lnRef idx="2">
+        <a:scrgbClr r="0" g="0" b="0"/>
+      </a:lnRef>
+      <a:fillRef idx="1">
+        <a:scrgbClr r="0" g="0" b="0"/>
+      </a:fillRef>
+      <a:effectRef idx="0">
+        <a:scrgbClr r="0" g="0" b="0"/>
+      </a:effectRef>
+      <a:fontRef idx="minor"/>
+    </dgm:style>
+  </dgm:styleLbl>
+  <dgm:styleLbl name="solidFgAcc1">
+    <dgm:scene3d>
+      <a:camera prst="orthographicFront"/>
+      <a:lightRig rig="threePt" dir="t"/>
+    </dgm:scene3d>
+    <dgm:sp3d/>
+    <dgm:txPr/>
+    <dgm:style>
+      <a:lnRef idx="2">
+        <a:scrgbClr r="0" g="0" b="0"/>
+      </a:lnRef>
+      <a:fillRef idx="1">
+        <a:scrgbClr r="0" g="0" b="0"/>
+      </a:fillRef>
+      <a:effectRef idx="0">
+        <a:scrgbClr r="0" g="0" b="0"/>
+      </a:effectRef>
+      <a:fontRef idx="minor"/>
+    </dgm:style>
+  </dgm:styleLbl>
+  <dgm:styleLbl name="solidAlignAcc1">
+    <dgm:scene3d>
+      <a:camera prst="orthographicFront"/>
+      <a:lightRig rig="threePt" dir="t"/>
+    </dgm:scene3d>
+    <dgm:sp3d/>
+    <dgm:txPr/>
+    <dgm:style>
+      <a:lnRef idx="2">
+        <a:scrgbClr r="0" g="0" b="0"/>
+      </a:lnRef>
+      <a:fillRef idx="1">
+        <a:scrgbClr r="0" g="0" b="0"/>
+      </a:fillRef>
+      <a:effectRef idx="0">
+        <a:scrgbClr r="0" g="0" b="0"/>
+      </a:effectRef>
+      <a:fontRef idx="minor"/>
+    </dgm:style>
+  </dgm:styleLbl>
+  <dgm:styleLbl name="solidBgAcc1">
+    <dgm:scene3d>
+      <a:camera prst="orthographicFront"/>
+      <a:lightRig rig="threePt" dir="t"/>
+    </dgm:scene3d>
+    <dgm:sp3d/>
+    <dgm:txPr/>
+    <dgm:style>
+      <a:lnRef idx="2">
+        <a:scrgbClr r="0" g="0" b="0"/>
+      </a:lnRef>
+      <a:fillRef idx="1">
+        <a:scrgbClr r="0" g="0" b="0"/>
+      </a:fillRef>
+      <a:effectRef idx="0">
+        <a:scrgbClr r="0" g="0" b="0"/>
+      </a:effectRef>
+      <a:fontRef idx="minor"/>
+    </dgm:style>
+  </dgm:styleLbl>
+  <dgm:styleLbl name="fgAccFollowNode1">
+    <dgm:scene3d>
+      <a:camera prst="orthographicFront"/>
+      <a:lightRig rig="threePt" dir="t"/>
+    </dgm:scene3d>
+    <dgm:sp3d/>
+    <dgm:txPr/>
+    <dgm:style>
+      <a:lnRef idx="2">
+        <a:scrgbClr r="0" g="0" b="0"/>
+      </a:lnRef>
+      <a:fillRef idx="1">
+        <a:scrgbClr r="0" g="0" b="0"/>
+      </a:fillRef>
+      <a:effectRef idx="0">
+        <a:scrgbClr r="0" g="0" b="0"/>
+      </a:effectRef>
+      <a:fontRef idx="minor"/>
+    </dgm:style>
+  </dgm:styleLbl>
+  <dgm:styleLbl name="alignAccFollowNode1">
+    <dgm:scene3d>
+      <a:camera prst="orthographicFront"/>
+      <a:lightRig rig="threePt" dir="t"/>
+    </dgm:scene3d>
+    <dgm:sp3d/>
+    <dgm:txPr/>
+    <dgm:style>
+      <a:lnRef idx="2">
+        <a:scrgbClr r="0" g="0" b="0"/>
+      </a:lnRef>
+      <a:fillRef idx="1">
+        <a:scrgbClr r="0" g="0" b="0"/>
+      </a:fillRef>
+      <a:effectRef idx="0">
+        <a:scrgbClr r="0" g="0" b="0"/>
+      </a:effectRef>
+      <a:fontRef idx="minor"/>
+    </dgm:style>
+  </dgm:styleLbl>
+  <dgm:styleLbl name="bgAccFollowNode1">
+    <dgm:scene3d>
+      <a:camera prst="orthographicFront"/>
+      <a:lightRig rig="threePt" dir="t"/>
+    </dgm:scene3d>
+    <dgm:sp3d/>
+    <dgm:txPr/>
+    <dgm:style>
+      <a:lnRef idx="2">
+        <a:scrgbClr r="0" g="0" b="0"/>
+      </a:lnRef>
+      <a:fillRef idx="1">
+        <a:scrgbClr r="0" g="0" b="0"/>
+      </a:fillRef>
+      <a:effectRef idx="0">
+        <a:scrgbClr r="0" g="0" b="0"/>
+      </a:effectRef>
+      <a:fontRef idx="minor"/>
+    </dgm:style>
+  </dgm:styleLbl>
+  <dgm:styleLbl name="fgAcc0">
+    <dgm:scene3d>
+      <a:camera prst="orthographicFront"/>
+      <a:lightRig rig="threePt" dir="t"/>
+    </dgm:scene3d>
+    <dgm:sp3d/>
+    <dgm:txPr/>
+    <dgm:style>
+      <a:lnRef idx="2">
+        <a:scrgbClr r="0" g="0" b="0"/>
+      </a:lnRef>
+      <a:fillRef idx="1">
+        <a:scrgbClr r="0" g="0" b="0"/>
+      </a:fillRef>
+      <a:effectRef idx="0">
+        <a:scrgbClr r="0" g="0" b="0"/>
+      </a:effectRef>
+      <a:fontRef idx="minor"/>
+    </dgm:style>
+  </dgm:styleLbl>
+  <dgm:styleLbl name="fgAcc2">
+    <dgm:scene3d>
+      <a:camera prst="orthographicFront"/>
+      <a:lightRig rig="threePt" dir="t"/>
+    </dgm:scene3d>
+    <dgm:sp3d/>
+    <dgm:txPr/>
+    <dgm:style>
+      <a:lnRef idx="2">
+        <a:scrgbClr r="0" g="0" b="0"/>
+      </a:lnRef>
+      <a:fillRef idx="1">
+        <a:scrgbClr r="0" g="0" b="0"/>
+      </a:fillRef>
+      <a:effectRef idx="0">
+        <a:scrgbClr r="0" g="0" b="0"/>
+      </a:effectRef>
+      <a:fontRef idx="minor"/>
+    </dgm:style>
+  </dgm:styleLbl>
+  <dgm:styleLbl name="fgAcc3">
+    <dgm:scene3d>
+      <a:camera prst="orthographicFront"/>
+      <a:lightRig rig="threePt" dir="t"/>
+    </dgm:scene3d>
+    <dgm:sp3d/>
+    <dgm:txPr/>
+    <dgm:style>
+      <a:lnRef idx="2">
+        <a:scrgbClr r="0" g="0" b="0"/>
+      </a:lnRef>
+      <a:fillRef idx="1">
+        <a:scrgbClr r="0" g="0" b="0"/>
+      </a:fillRef>
+      <a:effectRef idx="0">
+        <a:scrgbClr r="0" g="0" b="0"/>
+      </a:effectRef>
+      <a:fontRef idx="minor"/>
+    </dgm:style>
+  </dgm:styleLbl>
+  <dgm:styleLbl name="fgAcc4">
+    <dgm:scene3d>
+      <a:camera prst="orthographicFront"/>
+      <a:lightRig rig="threePt" dir="t"/>
+    </dgm:scene3d>
+    <dgm:sp3d/>
+    <dgm:txPr/>
+    <dgm:style>
+      <a:lnRef idx="2">
+        <a:scrgbClr r="0" g="0" b="0"/>
+      </a:lnRef>
+      <a:fillRef idx="1">
+        <a:scrgbClr r="0" g="0" b="0"/>
+      </a:fillRef>
+      <a:effectRef idx="0">
+        <a:scrgbClr r="0" g="0" b="0"/>
+      </a:effectRef>
+      <a:fontRef idx="minor"/>
+    </dgm:style>
+  </dgm:styleLbl>
+  <dgm:styleLbl name="bgShp">
+    <dgm:scene3d>
+      <a:camera prst="orthographicFront"/>
+      <a:lightRig rig="threePt" dir="t"/>
+    </dgm:scene3d>
+    <dgm:sp3d/>
+    <dgm:txPr/>
+    <dgm:style>
+      <a:lnRef idx="0">
+        <a:scrgbClr r="0" g="0" b="0"/>
+      </a:lnRef>
+      <a:fillRef idx="1">
+        <a:scrgbClr r="0" g="0" b="0"/>
+      </a:fillRef>
+      <a:effectRef idx="0">
+        <a:scrgbClr r="0" g="0" b="0"/>
+      </a:effectRef>
+      <a:fontRef idx="minor"/>
+    </dgm:style>
+  </dgm:styleLbl>
+  <dgm:styleLbl name="dkBgShp">
+    <dgm:scene3d>
+      <a:camera prst="orthographicFront"/>
+      <a:lightRig rig="threePt" dir="t"/>
+    </dgm:scene3d>
+    <dgm:sp3d/>
+    <dgm:txPr/>
+    <dgm:style>
+      <a:lnRef idx="0">
+        <a:scrgbClr r="0" g="0" b="0"/>
+      </a:lnRef>
+      <a:fillRef idx="1">
+        <a:scrgbClr r="0" g="0" b="0"/>
+      </a:fillRef>
+      <a:effectRef idx="0">
+        <a:scrgbClr r="0" g="0" b="0"/>
+      </a:effectRef>
+      <a:fontRef idx="minor"/>
+    </dgm:style>
+  </dgm:styleLbl>
+  <dgm:styleLbl name="trBgShp">
+    <dgm:scene3d>
+      <a:camera prst="orthographicFront"/>
+      <a:lightRig rig="threePt" dir="t"/>
+    </dgm:scene3d>
+    <dgm:sp3d/>
+    <dgm:txPr/>
+    <dgm:style>
+      <a:lnRef idx="0">
+        <a:scrgbClr r="0" g="0" b="0"/>
+      </a:lnRef>
+      <a:fillRef idx="1">
+        <a:scrgbClr r="0" g="0" b="0"/>
+      </a:fillRef>
+      <a:effectRef idx="0">
+        <a:scrgbClr r="0" g="0" b="0"/>
+      </a:effectRef>
+      <a:fontRef idx="minor"/>
+    </dgm:style>
+  </dgm:styleLbl>
+  <dgm:styleLbl name="fgShp">
+    <dgm:scene3d>
+      <a:camera prst="orthographicFront"/>
+      <a:lightRig rig="threePt" dir="t"/>
+    </dgm:scene3d>
+    <dgm:sp3d/>
+    <dgm:txPr/>
+    <dgm:style>
+      <a:lnRef idx="2">
+        <a:scrgbClr r="0" g="0" b="0"/>
+      </a:lnRef>
+      <a:fillRef idx="1">
+        <a:scrgbClr r="0" g="0" b="0"/>
+      </a:fillRef>
+      <a:effectRef idx="0">
+        <a:scrgbClr r="0" g="0" b="0"/>
+      </a:effectRef>
+      <a:fontRef idx="minor"/>
+    </dgm:style>
+  </dgm:styleLbl>
+  <dgm:styleLbl name="revTx">
+    <dgm:scene3d>
+      <a:camera prst="orthographicFront"/>
+      <a:lightRig rig="threePt" dir="t"/>
+    </dgm:scene3d>
+    <dgm:sp3d/>
+    <dgm:txPr/>
+    <dgm:style>
+      <a:lnRef idx="0">
+        <a:scrgbClr r="0" g="0" b="0"/>
+      </a:lnRef>
+      <a:fillRef idx="0">
+        <a:scrgbClr r="0" g="0" b="0"/>
+      </a:fillRef>
+      <a:effectRef idx="0">
+        <a:scrgbClr r="0" g="0" b="0"/>
+      </a:effectRef>
+      <a:fontRef idx="minor"/>
+    </dgm:style>
+  </dgm:styleLbl>
+</dgm:styleDef>
+</file>
+
+<file path=ppt/diagrams/quickStyle12.xml><?xml version="1.0" encoding="utf-8"?>
 <dgm:styleDef xmlns:dgm="http://schemas.openxmlformats.org/drawingml/2006/diagram" xmlns:a="http://schemas.openxmlformats.org/drawingml/2006/main" uniqueId="urn:microsoft.com/office/officeart/2005/8/quickstyle/simple1">
   <dgm:title val=""/>
   <dgm:desc val=""/>
@@ -35230,6 +37750,7 @@
                   <a:schemeClr val="tx1"/>
                 </a:solidFill>
               </a:rPr>
+              <a:pPr/>
               <a:t>30/04/2014</a:t>
             </a:fld>
             <a:endParaRPr lang="es-CO" sz="1800">
@@ -35240,6 +37761,30 @@
           </a:p>
         </p:txBody>
       </p:sp>
+      <p:pic>
+        <p:nvPicPr>
+          <p:cNvPr id="6" name="5 Imagen" descr="logo.png"/>
+          <p:cNvPicPr>
+            <a:picLocks noChangeAspect="1"/>
+          </p:cNvPicPr>
+          <p:nvPr/>
+        </p:nvPicPr>
+        <p:blipFill>
+          <a:blip r:embed="rId3" cstate="print"/>
+          <a:stretch>
+            <a:fillRect/>
+          </a:stretch>
+        </p:blipFill>
+        <p:spPr>
+          <a:xfrm>
+            <a:off x="611560" y="404664"/>
+            <a:ext cx="1761905" cy="761905"/>
+          </a:xfrm>
+          <a:prstGeom prst="rect">
+            <a:avLst/>
+          </a:prstGeom>
+        </p:spPr>
+      </p:pic>
     </p:spTree>
   </p:cSld>
   <p:clrMapOvr>
@@ -35672,25 +38217,26 @@
           <a:chExt cx="0" cy="0"/>
         </a:xfrm>
       </p:grpSpPr>
-      <p:sp>
-        <p:nvSpPr>
-          <p:cNvPr id="2" name="1 Marcador de contenido"/>
-          <p:cNvSpPr>
-            <a:spLocks noGrp="1"/>
-          </p:cNvSpPr>
+      <p:graphicFrame>
+        <p:nvGraphicFramePr>
+          <p:cNvPr id="4" name="3 Marcador de contenido"/>
+          <p:cNvGraphicFramePr>
+            <a:graphicFrameLocks noGrp="1"/>
+          </p:cNvGraphicFramePr>
           <p:nvPr>
             <p:ph idx="1"/>
           </p:nvPr>
-        </p:nvSpPr>
-        <p:spPr/>
-        <p:txBody>
-          <a:bodyPr/>
-          <a:lstStyle/>
-          <a:p>
-            <a:endParaRPr lang="es-CO"/>
-          </a:p>
-        </p:txBody>
-      </p:sp>
+        </p:nvGraphicFramePr>
+        <p:xfrm>
+          <a:off x="457200" y="1481328"/>
+          <a:ext cx="8229600" cy="4525963"/>
+        </p:xfrm>
+        <a:graphic>
+          <a:graphicData uri="http://schemas.openxmlformats.org/drawingml/2006/diagram">
+            <dgm:relIds xmlns:dgm="http://schemas.openxmlformats.org/drawingml/2006/diagram" xmlns:r="http://schemas.openxmlformats.org/officeDocument/2006/relationships" r:dm="rId2" r:lo="rId3" r:qs="rId4" r:cs="rId5"/>
+          </a:graphicData>
+        </a:graphic>
+      </p:graphicFrame>
       <p:sp>
         <p:nvSpPr>
           <p:cNvPr id="3" name="2 Título"/>
@@ -35706,7 +38252,11 @@
           <a:bodyPr/>
           <a:lstStyle/>
           <a:p>
-            <a:endParaRPr lang="es-CO"/>
+            <a:r>
+              <a:rPr lang="es-ES_tradnl" dirty="0" smtClean="0"/>
+              <a:t>Criterios de la estrategia</a:t>
+            </a:r>
+            <a:endParaRPr lang="es-CO" dirty="0"/>
           </a:p>
         </p:txBody>
       </p:sp>

--- a/docs/NoteBook/Project cycle reports/TSPi – Ciclo 1.pptx
+++ b/docs/NoteBook/Project cycle reports/TSPi – Ciclo 1.pptx
@@ -12118,11 +12118,15 @@
           <a:pPr algn="just" rtl="0"/>
           <a:r>
             <a:rPr lang="es-ES_tradnl" b="1" dirty="0" smtClean="0"/>
-            <a:t>Un contador de cambio es una herramienta de software para contar el tamaño de un programa. Cuando se modifican o desarrollan programas en varios ciclos, es importante conocer  cuantas líneas de código (LOC) fueron adicionadas, eliminadas, o modificadas entre las versiones del programa</a:t>
+            <a:t>Un contador de </a:t>
           </a:r>
           <a:r>
-            <a:rPr lang="es-ES_tradnl" b="1" smtClean="0"/>
-            <a:t>. </a:t>
+            <a:rPr lang="es-ES_tradnl" b="1" dirty="0" smtClean="0"/>
+            <a:t>cambio, </a:t>
+          </a:r>
+          <a:r>
+            <a:rPr lang="es-ES_tradnl" b="1" dirty="0" smtClean="0"/>
+            <a:t>es una herramienta de software para contar el tamaño de un programa. Cuando se modifican o desarrollan programas en varios ciclos, es importante conocer  cuantas líneas de código (LOC) fueron adicionadas, eliminadas, o modificadas entre las versiones del programa. </a:t>
           </a:r>
           <a:endParaRPr lang="es-CO" b="1" dirty="0"/>
         </a:p>
@@ -12193,7 +12197,7 @@
   <dgm:whole/>
   <dgm:extLst>
     <a:ext uri="http://schemas.microsoft.com/office/drawing/2008/diagram">
-      <dsp:dataModelExt xmlns:dsp="http://schemas.microsoft.com/office/drawing/2008/diagram" xmlns="" relId="rId6" minVer="http://schemas.openxmlformats.org/drawingml/2006/diagram"/>
+      <dsp:dataModelExt xmlns:dsp="http://schemas.microsoft.com/office/drawing/2008/diagram" relId="rId6" minVer="http://schemas.openxmlformats.org/drawingml/2006/diagram"/>
     </a:ext>
   </dgm:extLst>
 </dgm:dataModel>
@@ -12203,7 +12207,7 @@
 <dgm:dataModel xmlns:dgm="http://schemas.openxmlformats.org/drawingml/2006/diagram" xmlns:a="http://schemas.openxmlformats.org/drawingml/2006/main">
   <dgm:ptLst>
     <dgm:pt modelId="{D1C3DBC7-E807-476A-8E51-0F3FD7284BE7}" type="doc">
-      <dgm:prSet loTypeId="urn:microsoft.com/office/officeart/2005/8/layout/venn1" loCatId="relationship" qsTypeId="urn:microsoft.com/office/officeart/2005/8/quickstyle/simple2" qsCatId="simple" csTypeId="urn:microsoft.com/office/officeart/2005/8/colors/accent1_2" csCatId="accent1"/>
+      <dgm:prSet loTypeId="urn:microsoft.com/office/officeart/2005/8/layout/venn1" loCatId="relationship" qsTypeId="urn:microsoft.com/office/officeart/2005/8/quickstyle/simple2" qsCatId="simple" csTypeId="urn:microsoft.com/office/officeart/2005/8/colors/accent1_2" csCatId="accent1" phldr="1"/>
       <dgm:spPr/>
       <dgm:t>
         <a:bodyPr/>
@@ -12299,7 +12303,15 @@
           <a:pPr rtl="0"/>
           <a:r>
             <a:rPr lang="es-ES" sz="1600" b="1" dirty="0" smtClean="0"/>
-            <a:t>Identificar los LOC adicionadas y eliminadas en el programa</a:t>
+            <a:t>Identificar </a:t>
+          </a:r>
+          <a:r>
+            <a:rPr lang="es-ES" sz="1600" b="1" dirty="0" smtClean="0"/>
+            <a:t>LOC </a:t>
+          </a:r>
+          <a:r>
+            <a:rPr lang="es-ES" sz="1600" b="1" dirty="0" smtClean="0"/>
+            <a:t>adicionadas y eliminadas en el programa</a:t>
           </a:r>
           <a:endParaRPr lang="es-CO" sz="1600" b="1" dirty="0"/>
         </a:p>
@@ -12375,7 +12387,15 @@
           <a:pPr rtl="0"/>
           <a:r>
             <a:rPr lang="es-CO" sz="1600" b="1" dirty="0" smtClean="0"/>
-            <a:t>Contar el LOC total en el programa modificado</a:t>
+            <a:t>Contar </a:t>
+          </a:r>
+          <a:r>
+            <a:rPr lang="es-CO" sz="1600" b="1" dirty="0" smtClean="0"/>
+            <a:t>LOC </a:t>
+          </a:r>
+          <a:r>
+            <a:rPr lang="es-CO" sz="1600" b="1" dirty="0" smtClean="0"/>
+            <a:t>total en el programa modificado</a:t>
           </a:r>
           <a:endParaRPr lang="es-CO" sz="1600" b="1" dirty="0"/>
         </a:p>
@@ -12641,21 +12661,21 @@
     </dgm:pt>
   </dgm:ptLst>
   <dgm:cxnLst>
-    <dgm:cxn modelId="{432637C3-BCBB-4C1E-BDC6-5D74D453C0B1}" type="presOf" srcId="{9FB41F3B-1627-4D85-B165-62493A457C99}" destId="{F162A977-68E0-4ACC-8649-6BA13CAEAF89}" srcOrd="0" destOrd="0" presId="urn:microsoft.com/office/officeart/2005/8/layout/venn1"/>
-    <dgm:cxn modelId="{14449C0D-0804-47A2-861A-F7047440E4A0}" srcId="{D1C3DBC7-E807-476A-8E51-0F3FD7284BE7}" destId="{3552D70B-2F7E-4037-8686-7BC22E3454FD}" srcOrd="0" destOrd="0" parTransId="{4CE42C25-5C0C-4CB1-AEE3-7BE9214729E9}" sibTransId="{0F3681F7-EE1B-47EE-9DE0-00EF52ED2D86}"/>
-    <dgm:cxn modelId="{EE1BEF2E-C9E3-41D1-8199-9CCCA9C3094E}" type="presOf" srcId="{F87D8735-2349-463D-8C1B-B98E2E459B8B}" destId="{354EA11E-389D-4401-854C-154FD3B05E31}" srcOrd="0" destOrd="0" presId="urn:microsoft.com/office/officeart/2005/8/layout/venn1"/>
+    <dgm:cxn modelId="{F32DFCB5-E501-4502-BA05-BB2724492F98}" type="presOf" srcId="{B04BEC8D-68B0-4720-A809-265CFB212553}" destId="{13552973-B1A2-4D1B-A5A0-96B64E8B0310}" srcOrd="0" destOrd="0" presId="urn:microsoft.com/office/officeart/2005/8/layout/venn1"/>
+    <dgm:cxn modelId="{3D95753F-5742-4980-905D-4BC19A4D85E0}" srcId="{D1C3DBC7-E807-476A-8E51-0F3FD7284BE7}" destId="{8A579869-55A5-4176-984A-6E4CB84EC3A8}" srcOrd="6" destOrd="0" parTransId="{A9ABE10C-4009-43C2-9CB2-797F0BDCB416}" sibTransId="{E7D74602-AAA1-46C5-8F9E-0D27C7C22EBB}"/>
+    <dgm:cxn modelId="{181B2E8F-E28A-446D-9357-6A08088204DE}" srcId="{D1C3DBC7-E807-476A-8E51-0F3FD7284BE7}" destId="{308B1BC3-5E52-4E2D-B22E-820904433D63}" srcOrd="3" destOrd="0" parTransId="{F2207B9D-9AF9-4D73-9E00-AC88C0682266}" sibTransId="{692E1B04-4FD9-4067-B76B-BCDFDC92373D}"/>
     <dgm:cxn modelId="{1217A19A-9C8B-4424-AF9A-3889667E6544}" srcId="{D1C3DBC7-E807-476A-8E51-0F3FD7284BE7}" destId="{B04BEC8D-68B0-4720-A809-265CFB212553}" srcOrd="1" destOrd="0" parTransId="{0EB68900-AF40-4493-982F-97C33CAEA3DA}" sibTransId="{4F52E6DC-11FC-4371-8F0F-54243A4DFABB}"/>
     <dgm:cxn modelId="{9790BABF-0B28-43F8-B536-685010EDB781}" type="presOf" srcId="{C541B3C7-8E65-4C5D-87F1-72E03F3AC930}" destId="{63FE3F4E-1949-450E-B0EB-D2394090792B}" srcOrd="0" destOrd="0" presId="urn:microsoft.com/office/officeart/2005/8/layout/venn1"/>
+    <dgm:cxn modelId="{D44B67D5-08AF-4BD2-B184-E7FC5565FEDA}" srcId="{D1C3DBC7-E807-476A-8E51-0F3FD7284BE7}" destId="{F87D8735-2349-463D-8C1B-B98E2E459B8B}" srcOrd="2" destOrd="0" parTransId="{5C8A4722-71F2-4226-80BC-E8D4BB2FBA04}" sibTransId="{BEE300D8-9BE2-4591-9D97-890A003E0A07}"/>
+    <dgm:cxn modelId="{698D794E-7707-4783-B744-87E005835CD4}" type="presOf" srcId="{D1C3DBC7-E807-476A-8E51-0F3FD7284BE7}" destId="{8EC93C10-C3F2-4CB3-9260-CDD27FAD6025}" srcOrd="0" destOrd="0" presId="urn:microsoft.com/office/officeart/2005/8/layout/venn1"/>
     <dgm:cxn modelId="{16C9A31D-B6CC-4334-A8BE-9F7577E3D54D}" type="presOf" srcId="{3552D70B-2F7E-4037-8686-7BC22E3454FD}" destId="{A902EC5C-E579-4036-B0DC-CAB94FEBA397}" srcOrd="0" destOrd="0" presId="urn:microsoft.com/office/officeart/2005/8/layout/venn1"/>
-    <dgm:cxn modelId="{3D95753F-5742-4980-905D-4BC19A4D85E0}" srcId="{D1C3DBC7-E807-476A-8E51-0F3FD7284BE7}" destId="{8A579869-55A5-4176-984A-6E4CB84EC3A8}" srcOrd="6" destOrd="0" parTransId="{A9ABE10C-4009-43C2-9CB2-797F0BDCB416}" sibTransId="{E7D74602-AAA1-46C5-8F9E-0D27C7C22EBB}"/>
-    <dgm:cxn modelId="{698D794E-7707-4783-B744-87E005835CD4}" type="presOf" srcId="{D1C3DBC7-E807-476A-8E51-0F3FD7284BE7}" destId="{8EC93C10-C3F2-4CB3-9260-CDD27FAD6025}" srcOrd="0" destOrd="0" presId="urn:microsoft.com/office/officeart/2005/8/layout/venn1"/>
+    <dgm:cxn modelId="{ADEE22A8-B663-4BA5-91EB-255B2D6F0A60}" srcId="{D1C3DBC7-E807-476A-8E51-0F3FD7284BE7}" destId="{9FB41F3B-1627-4D85-B165-62493A457C99}" srcOrd="5" destOrd="0" parTransId="{B9E03769-6688-4E1A-B562-A27FAC609E81}" sibTransId="{C654A7ED-21DE-4D5C-A72D-37362B942E3C}"/>
+    <dgm:cxn modelId="{14449C0D-0804-47A2-861A-F7047440E4A0}" srcId="{D1C3DBC7-E807-476A-8E51-0F3FD7284BE7}" destId="{3552D70B-2F7E-4037-8686-7BC22E3454FD}" srcOrd="0" destOrd="0" parTransId="{4CE42C25-5C0C-4CB1-AEE3-7BE9214729E9}" sibTransId="{0F3681F7-EE1B-47EE-9DE0-00EF52ED2D86}"/>
+    <dgm:cxn modelId="{5BB02317-4D0F-40A3-A88F-4944942E54C9}" srcId="{D1C3DBC7-E807-476A-8E51-0F3FD7284BE7}" destId="{C541B3C7-8E65-4C5D-87F1-72E03F3AC930}" srcOrd="4" destOrd="0" parTransId="{FF364DDE-9D30-4231-9579-A9ABDCA3765A}" sibTransId="{918250D9-E052-4854-8CA3-270BD713BA2E}"/>
+    <dgm:cxn modelId="{432637C3-BCBB-4C1E-BDC6-5D74D453C0B1}" type="presOf" srcId="{9FB41F3B-1627-4D85-B165-62493A457C99}" destId="{F162A977-68E0-4ACC-8649-6BA13CAEAF89}" srcOrd="0" destOrd="0" presId="urn:microsoft.com/office/officeart/2005/8/layout/venn1"/>
+    <dgm:cxn modelId="{3A3204D0-8992-4D56-A1D0-765AC1E4CD06}" type="presOf" srcId="{308B1BC3-5E52-4E2D-B22E-820904433D63}" destId="{7375EE5F-F785-4FF6-A61C-D2FD74D39E63}" srcOrd="0" destOrd="0" presId="urn:microsoft.com/office/officeart/2005/8/layout/venn1"/>
     <dgm:cxn modelId="{B89D228A-62BB-43AB-ABE7-4FB2139D2898}" type="presOf" srcId="{8A579869-55A5-4176-984A-6E4CB84EC3A8}" destId="{4F965ADC-1D54-447F-8AEC-06C72C6D1ED6}" srcOrd="0" destOrd="0" presId="urn:microsoft.com/office/officeart/2005/8/layout/venn1"/>
-    <dgm:cxn modelId="{ADEE22A8-B663-4BA5-91EB-255B2D6F0A60}" srcId="{D1C3DBC7-E807-476A-8E51-0F3FD7284BE7}" destId="{9FB41F3B-1627-4D85-B165-62493A457C99}" srcOrd="5" destOrd="0" parTransId="{B9E03769-6688-4E1A-B562-A27FAC609E81}" sibTransId="{C654A7ED-21DE-4D5C-A72D-37362B942E3C}"/>
-    <dgm:cxn modelId="{F32DFCB5-E501-4502-BA05-BB2724492F98}" type="presOf" srcId="{B04BEC8D-68B0-4720-A809-265CFB212553}" destId="{13552973-B1A2-4D1B-A5A0-96B64E8B0310}" srcOrd="0" destOrd="0" presId="urn:microsoft.com/office/officeart/2005/8/layout/venn1"/>
-    <dgm:cxn modelId="{3A3204D0-8992-4D56-A1D0-765AC1E4CD06}" type="presOf" srcId="{308B1BC3-5E52-4E2D-B22E-820904433D63}" destId="{7375EE5F-F785-4FF6-A61C-D2FD74D39E63}" srcOrd="0" destOrd="0" presId="urn:microsoft.com/office/officeart/2005/8/layout/venn1"/>
-    <dgm:cxn modelId="{5BB02317-4D0F-40A3-A88F-4944942E54C9}" srcId="{D1C3DBC7-E807-476A-8E51-0F3FD7284BE7}" destId="{C541B3C7-8E65-4C5D-87F1-72E03F3AC930}" srcOrd="4" destOrd="0" parTransId="{FF364DDE-9D30-4231-9579-A9ABDCA3765A}" sibTransId="{918250D9-E052-4854-8CA3-270BD713BA2E}"/>
-    <dgm:cxn modelId="{181B2E8F-E28A-446D-9357-6A08088204DE}" srcId="{D1C3DBC7-E807-476A-8E51-0F3FD7284BE7}" destId="{308B1BC3-5E52-4E2D-B22E-820904433D63}" srcOrd="3" destOrd="0" parTransId="{F2207B9D-9AF9-4D73-9E00-AC88C0682266}" sibTransId="{692E1B04-4FD9-4067-B76B-BCDFDC92373D}"/>
-    <dgm:cxn modelId="{D44B67D5-08AF-4BD2-B184-E7FC5565FEDA}" srcId="{D1C3DBC7-E807-476A-8E51-0F3FD7284BE7}" destId="{F87D8735-2349-463D-8C1B-B98E2E459B8B}" srcOrd="2" destOrd="0" parTransId="{5C8A4722-71F2-4226-80BC-E8D4BB2FBA04}" sibTransId="{BEE300D8-9BE2-4591-9D97-890A003E0A07}"/>
+    <dgm:cxn modelId="{EE1BEF2E-C9E3-41D1-8199-9CCCA9C3094E}" type="presOf" srcId="{F87D8735-2349-463D-8C1B-B98E2E459B8B}" destId="{354EA11E-389D-4401-854C-154FD3B05E31}" srcOrd="0" destOrd="0" presId="urn:microsoft.com/office/officeart/2005/8/layout/venn1"/>
     <dgm:cxn modelId="{950BA4F6-6EF3-499A-84DF-D588F3E75DBF}" type="presParOf" srcId="{8EC93C10-C3F2-4CB3-9260-CDD27FAD6025}" destId="{50F38B13-843B-4179-9738-77EB1F9C770F}" srcOrd="0" destOrd="0" presId="urn:microsoft.com/office/officeart/2005/8/layout/venn1"/>
     <dgm:cxn modelId="{37A9DAB1-5C6B-4197-9E52-87037F6DC0C5}" type="presParOf" srcId="{8EC93C10-C3F2-4CB3-9260-CDD27FAD6025}" destId="{A902EC5C-E579-4036-B0DC-CAB94FEBA397}" srcOrd="1" destOrd="0" presId="urn:microsoft.com/office/officeart/2005/8/layout/venn1"/>
     <dgm:cxn modelId="{14902810-53F9-4EED-8760-67BAB1A51FBC}" type="presParOf" srcId="{8EC93C10-C3F2-4CB3-9260-CDD27FAD6025}" destId="{F152F15A-7FB7-4A66-A183-1B39CDE2CBA9}" srcOrd="2" destOrd="0" presId="urn:microsoft.com/office/officeart/2005/8/layout/venn1"/>
@@ -12675,7 +12695,7 @@
   <dgm:whole/>
   <dgm:extLst>
     <a:ext uri="http://schemas.microsoft.com/office/drawing/2008/diagram">
-      <dsp:dataModelExt xmlns:dsp="http://schemas.microsoft.com/office/drawing/2008/diagram" xmlns="" relId="rId6" minVer="http://schemas.openxmlformats.org/drawingml/2006/diagram"/>
+      <dsp:dataModelExt xmlns:dsp="http://schemas.microsoft.com/office/drawing/2008/diagram" relId="rId6" minVer="http://schemas.openxmlformats.org/drawingml/2006/diagram"/>
     </a:ext>
   </dgm:extLst>
 </dgm:dataModel>
@@ -12697,7 +12717,15 @@
         <a:p>
           <a:r>
             <a:rPr lang="es-ES" b="1" dirty="0" smtClean="0"/>
-            <a:t>Identificar los LOC adicionadas y eliminadas en el programa</a:t>
+            <a:t>Identificar </a:t>
+          </a:r>
+          <a:r>
+            <a:rPr lang="es-ES" b="1" dirty="0" smtClean="0"/>
+            <a:t>LOC </a:t>
+          </a:r>
+          <a:r>
+            <a:rPr lang="es-ES" b="1" dirty="0" smtClean="0"/>
+            <a:t>adicionadas y eliminadas en el programa</a:t>
           </a:r>
           <a:endParaRPr lang="es-CO" b="1" dirty="0"/>
         </a:p>
@@ -12875,13 +12903,13 @@
     </dgm:pt>
   </dgm:ptLst>
   <dgm:cxnLst>
-    <dgm:cxn modelId="{DA46E2ED-E600-4F97-8B78-11A3DA7D9EE8}" type="presOf" srcId="{F4A50855-0D77-417B-AF30-F36F68E3C1AD}" destId="{A427D1FB-1510-4195-85E5-CB5C0B407471}" srcOrd="0" destOrd="0" presId="urn:microsoft.com/office/officeart/2005/8/layout/pyramid2"/>
-    <dgm:cxn modelId="{F446AA49-25B4-417A-A5A1-76F0329D45EC}" srcId="{EC67CB2D-A742-43C4-8AD6-180E5C80F63A}" destId="{F4A50855-0D77-417B-AF30-F36F68E3C1AD}" srcOrd="1" destOrd="0" parTransId="{FEE28C9D-5E83-4AB2-B533-9FCAACC4279B}" sibTransId="{18E02786-388F-455A-A1B9-24D624E9DC7E}"/>
+    <dgm:cxn modelId="{4B1528A9-22D2-4528-A720-F7BE3FBD2788}" type="presOf" srcId="{EC67CB2D-A742-43C4-8AD6-180E5C80F63A}" destId="{36CD2BC4-1E62-4E45-9564-89F048EA740C}" srcOrd="0" destOrd="0" presId="urn:microsoft.com/office/officeart/2005/8/layout/pyramid2"/>
+    <dgm:cxn modelId="{7C9E7938-A193-4E83-BE7D-9B6B26FA85A8}" type="presOf" srcId="{7F734A69-7684-4EF3-AC29-04AA3A5AF283}" destId="{FF2145F5-6F5C-41F1-8EB0-29148E104AD9}" srcOrd="0" destOrd="0" presId="urn:microsoft.com/office/officeart/2005/8/layout/pyramid2"/>
     <dgm:cxn modelId="{62AB5AB1-A517-42AA-A6F3-925AE83DA3CE}" srcId="{EC67CB2D-A742-43C4-8AD6-180E5C80F63A}" destId="{907B5B50-4396-4DC6-9C5B-B4B7CDDEFC78}" srcOrd="0" destOrd="0" parTransId="{E093431B-B7EF-450E-B433-A8227CF9A210}" sibTransId="{953382A6-DF59-4B44-851E-521EA6325292}"/>
     <dgm:cxn modelId="{035309D7-FE63-4514-8A3D-BB6CDCF63E9B}" srcId="{EC67CB2D-A742-43C4-8AD6-180E5C80F63A}" destId="{7F734A69-7684-4EF3-AC29-04AA3A5AF283}" srcOrd="2" destOrd="0" parTransId="{F7705AAB-1F9A-403E-9E92-30312AF50E4D}" sibTransId="{BE9B2F6D-5587-40D4-8077-69D5747E4C12}"/>
-    <dgm:cxn modelId="{7C9E7938-A193-4E83-BE7D-9B6B26FA85A8}" type="presOf" srcId="{7F734A69-7684-4EF3-AC29-04AA3A5AF283}" destId="{FF2145F5-6F5C-41F1-8EB0-29148E104AD9}" srcOrd="0" destOrd="0" presId="urn:microsoft.com/office/officeart/2005/8/layout/pyramid2"/>
-    <dgm:cxn modelId="{4B1528A9-22D2-4528-A720-F7BE3FBD2788}" type="presOf" srcId="{EC67CB2D-A742-43C4-8AD6-180E5C80F63A}" destId="{36CD2BC4-1E62-4E45-9564-89F048EA740C}" srcOrd="0" destOrd="0" presId="urn:microsoft.com/office/officeart/2005/8/layout/pyramid2"/>
     <dgm:cxn modelId="{176FC3A2-E838-4AAE-AE11-F48C00B4E938}" type="presOf" srcId="{907B5B50-4396-4DC6-9C5B-B4B7CDDEFC78}" destId="{B466C615-34C7-4A04-AA39-564B3D46B337}" srcOrd="0" destOrd="0" presId="urn:microsoft.com/office/officeart/2005/8/layout/pyramid2"/>
+    <dgm:cxn modelId="{F446AA49-25B4-417A-A5A1-76F0329D45EC}" srcId="{EC67CB2D-A742-43C4-8AD6-180E5C80F63A}" destId="{F4A50855-0D77-417B-AF30-F36F68E3C1AD}" srcOrd="1" destOrd="0" parTransId="{FEE28C9D-5E83-4AB2-B533-9FCAACC4279B}" sibTransId="{18E02786-388F-455A-A1B9-24D624E9DC7E}"/>
+    <dgm:cxn modelId="{DA46E2ED-E600-4F97-8B78-11A3DA7D9EE8}" type="presOf" srcId="{F4A50855-0D77-417B-AF30-F36F68E3C1AD}" destId="{A427D1FB-1510-4195-85E5-CB5C0B407471}" srcOrd="0" destOrd="0" presId="urn:microsoft.com/office/officeart/2005/8/layout/pyramid2"/>
     <dgm:cxn modelId="{F81C2FCE-0BC7-4C4E-9786-C9569D164817}" type="presParOf" srcId="{36CD2BC4-1E62-4E45-9564-89F048EA740C}" destId="{F48A9189-1CD6-4C1F-A898-09418AAD609F}" srcOrd="0" destOrd="0" presId="urn:microsoft.com/office/officeart/2005/8/layout/pyramid2"/>
     <dgm:cxn modelId="{4ED20C46-D5CD-4CF7-92E9-EF73B54E6327}" type="presParOf" srcId="{36CD2BC4-1E62-4E45-9564-89F048EA740C}" destId="{7E3F9CB6-C73B-4A3F-A426-1EE07762E3DE}" srcOrd="1" destOrd="0" presId="urn:microsoft.com/office/officeart/2005/8/layout/pyramid2"/>
     <dgm:cxn modelId="{225EFD51-3907-40C1-BA7D-03CD3BF8D9C2}" type="presParOf" srcId="{7E3F9CB6-C73B-4A3F-A426-1EE07762E3DE}" destId="{B466C615-34C7-4A04-AA39-564B3D46B337}" srcOrd="0" destOrd="0" presId="urn:microsoft.com/office/officeart/2005/8/layout/pyramid2"/>
@@ -12895,7 +12923,7 @@
   <dgm:whole/>
   <dgm:extLst>
     <a:ext uri="http://schemas.microsoft.com/office/drawing/2008/diagram">
-      <dsp:dataModelExt xmlns:dsp="http://schemas.microsoft.com/office/drawing/2008/diagram" xmlns="" relId="rId6" minVer="http://schemas.openxmlformats.org/drawingml/2006/diagram"/>
+      <dsp:dataModelExt xmlns:dsp="http://schemas.microsoft.com/office/drawing/2008/diagram" relId="rId6" minVer="http://schemas.openxmlformats.org/drawingml/2006/diagram"/>
     </a:ext>
   </dgm:extLst>
 </dgm:dataModel>
@@ -13161,15 +13189,15 @@
     </dgm:pt>
   </dgm:ptLst>
   <dgm:cxnLst>
-    <dgm:cxn modelId="{61F8D171-6C71-4884-9DA7-8BF27436D39A}" type="presOf" srcId="{31F26296-763E-40D9-ADD4-F6F71CA549C4}" destId="{9A27162F-642D-4307-93E6-254EA0185804}" srcOrd="0" destOrd="0" presId="urn:microsoft.com/office/officeart/2005/8/layout/vList2"/>
     <dgm:cxn modelId="{BF140E4D-7DD9-42FE-95F0-584F1E2265F0}" type="presOf" srcId="{B9464372-A978-44D1-8B6A-CCF49A698821}" destId="{24F56C77-C37F-47F0-9480-ABB847ECAA5A}" srcOrd="0" destOrd="0" presId="urn:microsoft.com/office/officeart/2005/8/layout/vList2"/>
     <dgm:cxn modelId="{7A6CD27B-3B72-4DFB-BDDB-0EF5A815428D}" srcId="{8A847370-ED2E-444C-8BC9-D78DC6AA4688}" destId="{FE22013F-DCAC-42AB-A045-158D6A8376E5}" srcOrd="0" destOrd="0" parTransId="{6D117155-4CFC-44F8-BFBC-74DFD3372BA3}" sibTransId="{12A13D47-8ED6-4A19-9690-530CB98D6B9B}"/>
     <dgm:cxn modelId="{657BF4DF-BBA0-4A42-81F8-1DB55EA0852A}" type="presOf" srcId="{3AEAA1A7-E8C2-403E-BEB2-E7ADCD686C7F}" destId="{421DFB2D-2997-48E2-A64E-17ABF726D33C}" srcOrd="0" destOrd="0" presId="urn:microsoft.com/office/officeart/2005/8/layout/vList2"/>
-    <dgm:cxn modelId="{054DE35A-8F3F-4114-9B88-E5CBD9177B12}" type="presOf" srcId="{8A847370-ED2E-444C-8BC9-D78DC6AA4688}" destId="{F18D8BD5-A7F0-44C1-BEBB-53162EFDBE66}" srcOrd="0" destOrd="0" presId="urn:microsoft.com/office/officeart/2005/8/layout/vList2"/>
     <dgm:cxn modelId="{CF4DEC54-6836-4D14-88C4-B187CF7EA84E}" srcId="{8A847370-ED2E-444C-8BC9-D78DC6AA4688}" destId="{31F26296-763E-40D9-ADD4-F6F71CA549C4}" srcOrd="2" destOrd="0" parTransId="{792E1E10-F973-4DFC-A2E0-225662E3E111}" sibTransId="{C1B64CA1-9BD1-47ED-A498-F733818FA54C}"/>
     <dgm:cxn modelId="{E11EAD06-B904-49E5-A8B0-EA9CBC78A809}" type="presOf" srcId="{FE22013F-DCAC-42AB-A045-158D6A8376E5}" destId="{D76C8511-7656-4292-9CFA-8FCEBC34EF78}" srcOrd="0" destOrd="0" presId="urn:microsoft.com/office/officeart/2005/8/layout/vList2"/>
+    <dgm:cxn modelId="{61F8D171-6C71-4884-9DA7-8BF27436D39A}" type="presOf" srcId="{31F26296-763E-40D9-ADD4-F6F71CA549C4}" destId="{9A27162F-642D-4307-93E6-254EA0185804}" srcOrd="0" destOrd="0" presId="urn:microsoft.com/office/officeart/2005/8/layout/vList2"/>
     <dgm:cxn modelId="{69504B94-1F2B-44E0-9213-19152738F568}" srcId="{8A847370-ED2E-444C-8BC9-D78DC6AA4688}" destId="{3AEAA1A7-E8C2-403E-BEB2-E7ADCD686C7F}" srcOrd="1" destOrd="0" parTransId="{AD0B15B2-1BB7-475E-A809-2D27BDB77A01}" sibTransId="{4F0D00FD-1B3C-48CB-B3E2-F5B0D73039BD}"/>
     <dgm:cxn modelId="{A16457D9-3F7E-4744-972C-17371A1EAF01}" srcId="{8A847370-ED2E-444C-8BC9-D78DC6AA4688}" destId="{B9464372-A978-44D1-8B6A-CCF49A698821}" srcOrd="3" destOrd="0" parTransId="{3F69254A-C548-4F0A-855A-A022B3C3AB80}" sibTransId="{5AEE5769-A9FD-4D78-A49A-B67F8789C47D}"/>
+    <dgm:cxn modelId="{054DE35A-8F3F-4114-9B88-E5CBD9177B12}" type="presOf" srcId="{8A847370-ED2E-444C-8BC9-D78DC6AA4688}" destId="{F18D8BD5-A7F0-44C1-BEBB-53162EFDBE66}" srcOrd="0" destOrd="0" presId="urn:microsoft.com/office/officeart/2005/8/layout/vList2"/>
     <dgm:cxn modelId="{360F403C-9AF6-4B0C-93C2-ED413C0163AD}" type="presParOf" srcId="{F18D8BD5-A7F0-44C1-BEBB-53162EFDBE66}" destId="{D76C8511-7656-4292-9CFA-8FCEBC34EF78}" srcOrd="0" destOrd="0" presId="urn:microsoft.com/office/officeart/2005/8/layout/vList2"/>
     <dgm:cxn modelId="{7F34EBB9-080D-48E8-89A2-2F2F0FE9D49E}" type="presParOf" srcId="{F18D8BD5-A7F0-44C1-BEBB-53162EFDBE66}" destId="{8908A2EC-D5BD-42F5-BC48-3363C7E432B1}" srcOrd="1" destOrd="0" presId="urn:microsoft.com/office/officeart/2005/8/layout/vList2"/>
     <dgm:cxn modelId="{67EB0ECB-C50F-4E1A-BFDD-B3D24DB1997D}" type="presParOf" srcId="{F18D8BD5-A7F0-44C1-BEBB-53162EFDBE66}" destId="{421DFB2D-2997-48E2-A64E-17ABF726D33C}" srcOrd="2" destOrd="0" presId="urn:microsoft.com/office/officeart/2005/8/layout/vList2"/>
@@ -13182,7 +13210,7 @@
   <dgm:whole/>
   <dgm:extLst>
     <a:ext uri="http://schemas.microsoft.com/office/drawing/2008/diagram">
-      <dsp:dataModelExt xmlns:dsp="http://schemas.microsoft.com/office/drawing/2008/diagram" xmlns="" relId="rId6" minVer="http://schemas.openxmlformats.org/drawingml/2006/diagram"/>
+      <dsp:dataModelExt xmlns:dsp="http://schemas.microsoft.com/office/drawing/2008/diagram" relId="rId6" minVer="http://schemas.openxmlformats.org/drawingml/2006/diagram"/>
     </a:ext>
   </dgm:extLst>
 </dgm:dataModel>
@@ -13400,6 +13428,13 @@
         </dgm:presLayoutVars>
       </dgm:prSet>
       <dgm:spPr/>
+      <dgm:t>
+        <a:bodyPr/>
+        <a:lstStyle/>
+        <a:p>
+          <a:endParaRPr lang="es-CO"/>
+        </a:p>
+      </dgm:t>
     </dgm:pt>
     <dgm:pt modelId="{47F92A5B-474B-452B-B1A2-E88511B9CEFF}" type="pres">
       <dgm:prSet presAssocID="{23A99FC4-4D11-4F00-80C8-6FC09B25145B}" presName="parentText" presStyleLbl="node1" presStyleIdx="0" presStyleCnt="5">
@@ -13409,6 +13444,13 @@
         </dgm:presLayoutVars>
       </dgm:prSet>
       <dgm:spPr/>
+      <dgm:t>
+        <a:bodyPr/>
+        <a:lstStyle/>
+        <a:p>
+          <a:endParaRPr lang="es-CO"/>
+        </a:p>
+      </dgm:t>
     </dgm:pt>
     <dgm:pt modelId="{EC722D34-5615-4D18-90A9-07AD35F2D699}" type="pres">
       <dgm:prSet presAssocID="{26986C2B-1C34-48D9-85CD-6B8B05367DF3}" presName="spacer" presStyleCnt="0"/>
@@ -13422,6 +13464,13 @@
         </dgm:presLayoutVars>
       </dgm:prSet>
       <dgm:spPr/>
+      <dgm:t>
+        <a:bodyPr/>
+        <a:lstStyle/>
+        <a:p>
+          <a:endParaRPr lang="es-CO"/>
+        </a:p>
+      </dgm:t>
     </dgm:pt>
     <dgm:pt modelId="{B4BB7B0B-41B5-4473-B16B-E02CB3FE41FE}" type="pres">
       <dgm:prSet presAssocID="{F3B2603E-9040-4753-BE79-DDA5DAA9B14F}" presName="spacer" presStyleCnt="0"/>
@@ -13435,6 +13484,13 @@
         </dgm:presLayoutVars>
       </dgm:prSet>
       <dgm:spPr/>
+      <dgm:t>
+        <a:bodyPr/>
+        <a:lstStyle/>
+        <a:p>
+          <a:endParaRPr lang="es-CO"/>
+        </a:p>
+      </dgm:t>
     </dgm:pt>
     <dgm:pt modelId="{11B2B1A4-B133-4CC6-989E-8253E576EA2D}" type="pres">
       <dgm:prSet presAssocID="{BCCEE211-BB83-4073-BD17-0350CB4B6264}" presName="spacer" presStyleCnt="0"/>
@@ -13448,6 +13504,13 @@
         </dgm:presLayoutVars>
       </dgm:prSet>
       <dgm:spPr/>
+      <dgm:t>
+        <a:bodyPr/>
+        <a:lstStyle/>
+        <a:p>
+          <a:endParaRPr lang="es-CO"/>
+        </a:p>
+      </dgm:t>
     </dgm:pt>
     <dgm:pt modelId="{2FFB4041-3257-471C-B235-849AF2DD2041}" type="pres">
       <dgm:prSet presAssocID="{B97AADF2-AFE4-4CA8-8CAA-10E5B7E05F02}" presName="spacer" presStyleCnt="0"/>
@@ -13461,20 +13524,27 @@
         </dgm:presLayoutVars>
       </dgm:prSet>
       <dgm:spPr/>
+      <dgm:t>
+        <a:bodyPr/>
+        <a:lstStyle/>
+        <a:p>
+          <a:endParaRPr lang="es-CO"/>
+        </a:p>
+      </dgm:t>
     </dgm:pt>
   </dgm:ptLst>
   <dgm:cxnLst>
-    <dgm:cxn modelId="{F52927F2-2551-401E-9271-479E5A306BFE}" type="presOf" srcId="{23A99FC4-4D11-4F00-80C8-6FC09B25145B}" destId="{47F92A5B-474B-452B-B1A2-E88511B9CEFF}" srcOrd="0" destOrd="0" presId="urn:microsoft.com/office/officeart/2005/8/layout/vList2"/>
+    <dgm:cxn modelId="{6F218538-5A59-46E0-AC84-5B91287958B3}" type="presOf" srcId="{792BD21B-5200-4A0C-9E5B-4FBC1588C75D}" destId="{37401F51-B4B2-41EC-A7EE-2AF7CFF3DAD3}" srcOrd="0" destOrd="0" presId="urn:microsoft.com/office/officeart/2005/8/layout/vList2"/>
+    <dgm:cxn modelId="{AA4E6F4F-0E88-4D32-9EA7-59F5069414C2}" type="presOf" srcId="{63A11C92-CE54-4C34-86BF-37CC50E67673}" destId="{1F166563-75B5-40F3-8B0A-C3272D63B1B6}" srcOrd="0" destOrd="0" presId="urn:microsoft.com/office/officeart/2005/8/layout/vList2"/>
+    <dgm:cxn modelId="{B786A3C3-F3EB-401E-B9F8-F1B8AF37C859}" srcId="{5E62CBE3-66D9-4BE9-846E-E87F8A12CCEF}" destId="{792BD21B-5200-4A0C-9E5B-4FBC1588C75D}" srcOrd="3" destOrd="0" parTransId="{107F64B1-447D-4297-A7FE-A328A4251E93}" sibTransId="{B97AADF2-AFE4-4CA8-8CAA-10E5B7E05F02}"/>
+    <dgm:cxn modelId="{0682E5DD-4529-414C-B9B6-F066C7872121}" type="presOf" srcId="{5E62CBE3-66D9-4BE9-846E-E87F8A12CCEF}" destId="{FAFE98AE-71E5-4584-9200-EFDAA679765B}" srcOrd="0" destOrd="0" presId="urn:microsoft.com/office/officeart/2005/8/layout/vList2"/>
     <dgm:cxn modelId="{73B1B841-988F-457C-90EF-41D7610C912C}" type="presOf" srcId="{C68252B5-01B1-462F-9DF7-8FCA877A9958}" destId="{6413C111-274C-48B3-B196-40B97D8A0844}" srcOrd="0" destOrd="0" presId="urn:microsoft.com/office/officeart/2005/8/layout/vList2"/>
     <dgm:cxn modelId="{D7A08166-CDC5-4F93-B3BB-32BC7D087CA5}" type="presOf" srcId="{D6C7B62C-EB29-4CDE-9170-5BFBD7F648FC}" destId="{F2F5CCBA-F965-43B8-AE1B-AD3A9081F75C}" srcOrd="0" destOrd="0" presId="urn:microsoft.com/office/officeart/2005/8/layout/vList2"/>
+    <dgm:cxn modelId="{0ADFBE94-9BCC-46F1-8410-B2ACAE321DC4}" srcId="{5E62CBE3-66D9-4BE9-846E-E87F8A12CCEF}" destId="{23A99FC4-4D11-4F00-80C8-6FC09B25145B}" srcOrd="0" destOrd="0" parTransId="{3E14D7C1-C1F4-48B2-B918-4CF41E5FDE43}" sibTransId="{26986C2B-1C34-48D9-85CD-6B8B05367DF3}"/>
     <dgm:cxn modelId="{62027379-5C7F-4028-B3A2-55A01D4C75A8}" srcId="{5E62CBE3-66D9-4BE9-846E-E87F8A12CCEF}" destId="{C68252B5-01B1-462F-9DF7-8FCA877A9958}" srcOrd="4" destOrd="0" parTransId="{282A6058-B525-488A-A969-F3A93F817E7F}" sibTransId="{0132A6B6-C81D-492B-B0A9-DD191393FC04}"/>
-    <dgm:cxn modelId="{AA4E6F4F-0E88-4D32-9EA7-59F5069414C2}" type="presOf" srcId="{63A11C92-CE54-4C34-86BF-37CC50E67673}" destId="{1F166563-75B5-40F3-8B0A-C3272D63B1B6}" srcOrd="0" destOrd="0" presId="urn:microsoft.com/office/officeart/2005/8/layout/vList2"/>
-    <dgm:cxn modelId="{6F218538-5A59-46E0-AC84-5B91287958B3}" type="presOf" srcId="{792BD21B-5200-4A0C-9E5B-4FBC1588C75D}" destId="{37401F51-B4B2-41EC-A7EE-2AF7CFF3DAD3}" srcOrd="0" destOrd="0" presId="urn:microsoft.com/office/officeart/2005/8/layout/vList2"/>
     <dgm:cxn modelId="{712E036A-C0E7-4D24-953A-B18CFF3E5D7A}" srcId="{5E62CBE3-66D9-4BE9-846E-E87F8A12CCEF}" destId="{D6C7B62C-EB29-4CDE-9170-5BFBD7F648FC}" srcOrd="2" destOrd="0" parTransId="{464109F2-DAEF-4272-8589-8E8353E3500C}" sibTransId="{BCCEE211-BB83-4073-BD17-0350CB4B6264}"/>
-    <dgm:cxn modelId="{0682E5DD-4529-414C-B9B6-F066C7872121}" type="presOf" srcId="{5E62CBE3-66D9-4BE9-846E-E87F8A12CCEF}" destId="{FAFE98AE-71E5-4584-9200-EFDAA679765B}" srcOrd="0" destOrd="0" presId="urn:microsoft.com/office/officeart/2005/8/layout/vList2"/>
     <dgm:cxn modelId="{0ED2889F-A9D9-4EC6-A61B-E433DC214CA5}" srcId="{5E62CBE3-66D9-4BE9-846E-E87F8A12CCEF}" destId="{63A11C92-CE54-4C34-86BF-37CC50E67673}" srcOrd="1" destOrd="0" parTransId="{381C50F2-3B22-4411-8B0B-4CF9E55E035F}" sibTransId="{F3B2603E-9040-4753-BE79-DDA5DAA9B14F}"/>
-    <dgm:cxn modelId="{B786A3C3-F3EB-401E-B9F8-F1B8AF37C859}" srcId="{5E62CBE3-66D9-4BE9-846E-E87F8A12CCEF}" destId="{792BD21B-5200-4A0C-9E5B-4FBC1588C75D}" srcOrd="3" destOrd="0" parTransId="{107F64B1-447D-4297-A7FE-A328A4251E93}" sibTransId="{B97AADF2-AFE4-4CA8-8CAA-10E5B7E05F02}"/>
-    <dgm:cxn modelId="{0ADFBE94-9BCC-46F1-8410-B2ACAE321DC4}" srcId="{5E62CBE3-66D9-4BE9-846E-E87F8A12CCEF}" destId="{23A99FC4-4D11-4F00-80C8-6FC09B25145B}" srcOrd="0" destOrd="0" parTransId="{3E14D7C1-C1F4-48B2-B918-4CF41E5FDE43}" sibTransId="{26986C2B-1C34-48D9-85CD-6B8B05367DF3}"/>
+    <dgm:cxn modelId="{F52927F2-2551-401E-9271-479E5A306BFE}" type="presOf" srcId="{23A99FC4-4D11-4F00-80C8-6FC09B25145B}" destId="{47F92A5B-474B-452B-B1A2-E88511B9CEFF}" srcOrd="0" destOrd="0" presId="urn:microsoft.com/office/officeart/2005/8/layout/vList2"/>
     <dgm:cxn modelId="{2E5157C7-859F-43F6-B22E-CECB3B30E939}" type="presParOf" srcId="{FAFE98AE-71E5-4584-9200-EFDAA679765B}" destId="{47F92A5B-474B-452B-B1A2-E88511B9CEFF}" srcOrd="0" destOrd="0" presId="urn:microsoft.com/office/officeart/2005/8/layout/vList2"/>
     <dgm:cxn modelId="{766B108F-35F6-4810-AA71-309575962184}" type="presParOf" srcId="{FAFE98AE-71E5-4584-9200-EFDAA679765B}" destId="{EC722D34-5615-4D18-90A9-07AD35F2D699}" srcOrd="1" destOrd="0" presId="urn:microsoft.com/office/officeart/2005/8/layout/vList2"/>
     <dgm:cxn modelId="{E1E4B1D4-5F09-48ED-9C7D-B65CAA1A19E5}" type="presParOf" srcId="{FAFE98AE-71E5-4584-9200-EFDAA679765B}" destId="{1F166563-75B5-40F3-8B0A-C3272D63B1B6}" srcOrd="2" destOrd="0" presId="urn:microsoft.com/office/officeart/2005/8/layout/vList2"/>
@@ -13489,7 +13559,7 @@
   <dgm:whole/>
   <dgm:extLst>
     <a:ext uri="http://schemas.microsoft.com/office/drawing/2008/diagram">
-      <dsp:dataModelExt xmlns:dsp="http://schemas.microsoft.com/office/drawing/2008/diagram" xmlns="" relId="rId6" minVer="http://schemas.openxmlformats.org/drawingml/2006/diagram"/>
+      <dsp:dataModelExt xmlns:dsp="http://schemas.microsoft.com/office/drawing/2008/diagram" relId="rId6" minVer="http://schemas.openxmlformats.org/drawingml/2006/diagram"/>
     </a:ext>
   </dgm:extLst>
 </dgm:dataModel>
@@ -13631,6 +13701,13 @@
         </dgm:presLayoutVars>
       </dgm:prSet>
       <dgm:spPr/>
+      <dgm:t>
+        <a:bodyPr/>
+        <a:lstStyle/>
+        <a:p>
+          <a:endParaRPr lang="es-CO"/>
+        </a:p>
+      </dgm:t>
     </dgm:pt>
     <dgm:pt modelId="{9205530A-0667-410C-B926-E86DCF518E1D}" type="pres">
       <dgm:prSet presAssocID="{191F16F8-C5AB-44A7-AC2E-3705F91AFAE7}" presName="parentText" presStyleLbl="node1" presStyleIdx="0" presStyleCnt="3">
@@ -13640,6 +13717,13 @@
         </dgm:presLayoutVars>
       </dgm:prSet>
       <dgm:spPr/>
+      <dgm:t>
+        <a:bodyPr/>
+        <a:lstStyle/>
+        <a:p>
+          <a:endParaRPr lang="es-CO"/>
+        </a:p>
+      </dgm:t>
     </dgm:pt>
     <dgm:pt modelId="{CF1F2B61-62A3-427C-B069-95E1CE99F3D4}" type="pres">
       <dgm:prSet presAssocID="{AD25651A-7D30-475B-B369-2D6C604ED577}" presName="spacer" presStyleCnt="0"/>
@@ -13653,6 +13737,13 @@
         </dgm:presLayoutVars>
       </dgm:prSet>
       <dgm:spPr/>
+      <dgm:t>
+        <a:bodyPr/>
+        <a:lstStyle/>
+        <a:p>
+          <a:endParaRPr lang="es-CO"/>
+        </a:p>
+      </dgm:t>
     </dgm:pt>
     <dgm:pt modelId="{2A761ECA-9455-4070-BDD4-9E813D988415}" type="pres">
       <dgm:prSet presAssocID="{6126A48D-75EB-4A16-8D4D-93D2EC29A609}" presName="spacer" presStyleCnt="0"/>
@@ -13666,14 +13757,21 @@
         </dgm:presLayoutVars>
       </dgm:prSet>
       <dgm:spPr/>
+      <dgm:t>
+        <a:bodyPr/>
+        <a:lstStyle/>
+        <a:p>
+          <a:endParaRPr lang="es-CO"/>
+        </a:p>
+      </dgm:t>
     </dgm:pt>
   </dgm:ptLst>
   <dgm:cxnLst>
+    <dgm:cxn modelId="{68DF57B2-53EF-4FF2-8358-157EA10D6B8B}" srcId="{5A896E61-8493-4ABE-B998-BABC3FF5AEE0}" destId="{3E824DF2-327E-4693-A987-0AB8A509B2E0}" srcOrd="2" destOrd="0" parTransId="{622B64F4-18FE-403E-BCC4-3677192498B1}" sibTransId="{00D41B90-A7CC-43D9-B171-2D79918176CB}"/>
+    <dgm:cxn modelId="{C80C1AD9-FCB7-4A6D-8973-86BF808F42E3}" type="presOf" srcId="{191F16F8-C5AB-44A7-AC2E-3705F91AFAE7}" destId="{9205530A-0667-410C-B926-E86DCF518E1D}" srcOrd="0" destOrd="0" presId="urn:microsoft.com/office/officeart/2005/8/layout/vList2"/>
+    <dgm:cxn modelId="{ACCAFFBD-4BCE-474A-9276-6E1432ECAAE9}" type="presOf" srcId="{CCCDB5C6-CCDA-4BA7-8D70-614C4696A9FA}" destId="{FFD379B3-AA11-4ECD-B1D8-49D4A6059AAC}" srcOrd="0" destOrd="0" presId="urn:microsoft.com/office/officeart/2005/8/layout/vList2"/>
     <dgm:cxn modelId="{03DBFF11-DA16-4466-9FA3-CDE552075A5D}" type="presOf" srcId="{3E824DF2-327E-4693-A987-0AB8A509B2E0}" destId="{D8D1DA01-5546-4E12-A17D-64E50191858E}" srcOrd="0" destOrd="0" presId="urn:microsoft.com/office/officeart/2005/8/layout/vList2"/>
-    <dgm:cxn modelId="{C80C1AD9-FCB7-4A6D-8973-86BF808F42E3}" type="presOf" srcId="{191F16F8-C5AB-44A7-AC2E-3705F91AFAE7}" destId="{9205530A-0667-410C-B926-E86DCF518E1D}" srcOrd="0" destOrd="0" presId="urn:microsoft.com/office/officeart/2005/8/layout/vList2"/>
     <dgm:cxn modelId="{1B64E133-CA3C-4C62-B679-858492989FAC}" srcId="{5A896E61-8493-4ABE-B998-BABC3FF5AEE0}" destId="{CCCDB5C6-CCDA-4BA7-8D70-614C4696A9FA}" srcOrd="1" destOrd="0" parTransId="{366BA91C-4F89-4B32-AE5D-75BF35905C87}" sibTransId="{6126A48D-75EB-4A16-8D4D-93D2EC29A609}"/>
-    <dgm:cxn modelId="{68DF57B2-53EF-4FF2-8358-157EA10D6B8B}" srcId="{5A896E61-8493-4ABE-B998-BABC3FF5AEE0}" destId="{3E824DF2-327E-4693-A987-0AB8A509B2E0}" srcOrd="2" destOrd="0" parTransId="{622B64F4-18FE-403E-BCC4-3677192498B1}" sibTransId="{00D41B90-A7CC-43D9-B171-2D79918176CB}"/>
-    <dgm:cxn modelId="{ACCAFFBD-4BCE-474A-9276-6E1432ECAAE9}" type="presOf" srcId="{CCCDB5C6-CCDA-4BA7-8D70-614C4696A9FA}" destId="{FFD379B3-AA11-4ECD-B1D8-49D4A6059AAC}" srcOrd="0" destOrd="0" presId="urn:microsoft.com/office/officeart/2005/8/layout/vList2"/>
     <dgm:cxn modelId="{1F10C4D7-6B90-423D-BEFB-E98788591CFD}" type="presOf" srcId="{5A896E61-8493-4ABE-B998-BABC3FF5AEE0}" destId="{609F39E9-2D27-44AF-8F90-12D20BCCCA37}" srcOrd="0" destOrd="0" presId="urn:microsoft.com/office/officeart/2005/8/layout/vList2"/>
     <dgm:cxn modelId="{2DD27E4C-837F-44E4-952B-D9AD65545882}" srcId="{5A896E61-8493-4ABE-B998-BABC3FF5AEE0}" destId="{191F16F8-C5AB-44A7-AC2E-3705F91AFAE7}" srcOrd="0" destOrd="0" parTransId="{E8075A4F-B3DF-42DD-A24A-03A820D15F32}" sibTransId="{AD25651A-7D30-475B-B369-2D6C604ED577}"/>
     <dgm:cxn modelId="{0497E8A5-A4CC-4006-B45B-62D24FEBD537}" type="presParOf" srcId="{609F39E9-2D27-44AF-8F90-12D20BCCCA37}" destId="{9205530A-0667-410C-B926-E86DCF518E1D}" srcOrd="0" destOrd="0" presId="urn:microsoft.com/office/officeart/2005/8/layout/vList2"/>
@@ -13686,7 +13784,7 @@
   <dgm:whole/>
   <dgm:extLst>
     <a:ext uri="http://schemas.microsoft.com/office/drawing/2008/diagram">
-      <dsp:dataModelExt xmlns:dsp="http://schemas.microsoft.com/office/drawing/2008/diagram" xmlns="" relId="rId6" minVer="http://schemas.openxmlformats.org/drawingml/2006/diagram"/>
+      <dsp:dataModelExt xmlns:dsp="http://schemas.microsoft.com/office/drawing/2008/diagram" relId="rId6" minVer="http://schemas.openxmlformats.org/drawingml/2006/diagram"/>
     </a:ext>
   </dgm:extLst>
 </dgm:dataModel>
@@ -13828,6 +13926,13 @@
         </dgm:presLayoutVars>
       </dgm:prSet>
       <dgm:spPr/>
+      <dgm:t>
+        <a:bodyPr/>
+        <a:lstStyle/>
+        <a:p>
+          <a:endParaRPr lang="es-CO"/>
+        </a:p>
+      </dgm:t>
     </dgm:pt>
     <dgm:pt modelId="{53B6E481-DC89-4968-9595-3E6245B5D1DF}" type="pres">
       <dgm:prSet presAssocID="{66EC8100-2EAD-4207-9314-B69B7980163D}" presName="parentText" presStyleLbl="node1" presStyleIdx="0" presStyleCnt="3">
@@ -13837,6 +13942,13 @@
         </dgm:presLayoutVars>
       </dgm:prSet>
       <dgm:spPr/>
+      <dgm:t>
+        <a:bodyPr/>
+        <a:lstStyle/>
+        <a:p>
+          <a:endParaRPr lang="es-CO"/>
+        </a:p>
+      </dgm:t>
     </dgm:pt>
     <dgm:pt modelId="{5F540805-C2A0-4870-AB9C-DD682B5B56CD}" type="pres">
       <dgm:prSet presAssocID="{1B630A8B-F33D-4E2A-A65A-DE8608FA2C98}" presName="spacer" presStyleCnt="0"/>
@@ -13850,6 +13962,13 @@
         </dgm:presLayoutVars>
       </dgm:prSet>
       <dgm:spPr/>
+      <dgm:t>
+        <a:bodyPr/>
+        <a:lstStyle/>
+        <a:p>
+          <a:endParaRPr lang="es-CO"/>
+        </a:p>
+      </dgm:t>
     </dgm:pt>
     <dgm:pt modelId="{62D233AD-7556-4EBA-B42E-28A7050EA75B}" type="pres">
       <dgm:prSet presAssocID="{FE780B8F-BA36-466D-B31F-6508225A21FA}" presName="spacer" presStyleCnt="0"/>
@@ -13863,16 +13982,23 @@
         </dgm:presLayoutVars>
       </dgm:prSet>
       <dgm:spPr/>
+      <dgm:t>
+        <a:bodyPr/>
+        <a:lstStyle/>
+        <a:p>
+          <a:endParaRPr lang="es-CO"/>
+        </a:p>
+      </dgm:t>
     </dgm:pt>
   </dgm:ptLst>
   <dgm:cxnLst>
+    <dgm:cxn modelId="{6550F42A-9FC1-4675-B1D3-6AF12160B6B3}" srcId="{675A6FC9-128B-4247-B53E-834499B2EE2F}" destId="{EB19AC9A-3A1E-4999-B91E-731C520694C1}" srcOrd="2" destOrd="0" parTransId="{0825BAFF-7314-48BE-A2CD-D39857E21AB8}" sibTransId="{4B185573-BE24-497D-859E-EED6542CD3C1}"/>
+    <dgm:cxn modelId="{37B91C0F-DA02-4DF5-BF50-107916A33F64}" type="presOf" srcId="{E7316E2D-B5D7-41F0-AAC8-F962D13F4385}" destId="{7D41616D-7DD1-4D2E-8B65-68F8ECF96A94}" srcOrd="0" destOrd="0" presId="urn:microsoft.com/office/officeart/2005/8/layout/vList2"/>
+    <dgm:cxn modelId="{BCFCED9B-375E-458B-865B-313C245D1ED7}" type="presOf" srcId="{675A6FC9-128B-4247-B53E-834499B2EE2F}" destId="{CD74BD3D-58D7-447E-8303-D88A577B9357}" srcOrd="0" destOrd="0" presId="urn:microsoft.com/office/officeart/2005/8/layout/vList2"/>
+    <dgm:cxn modelId="{71B6C0E1-3B35-4474-9850-8792F97B5B91}" type="presOf" srcId="{EB19AC9A-3A1E-4999-B91E-731C520694C1}" destId="{89CFC517-8B45-4D0A-BA54-675ECFEDEE1D}" srcOrd="0" destOrd="0" presId="urn:microsoft.com/office/officeart/2005/8/layout/vList2"/>
+    <dgm:cxn modelId="{825C69A4-8CB6-4FFD-91CB-08CBB92257A9}" srcId="{675A6FC9-128B-4247-B53E-834499B2EE2F}" destId="{E7316E2D-B5D7-41F0-AAC8-F962D13F4385}" srcOrd="1" destOrd="0" parTransId="{B1D8A5D5-EFEB-4399-8B05-14DCDD3CCAF5}" sibTransId="{FE780B8F-BA36-466D-B31F-6508225A21FA}"/>
     <dgm:cxn modelId="{0B53BB4E-23F0-4254-BF8E-7C2F1629E5A5}" type="presOf" srcId="{66EC8100-2EAD-4207-9314-B69B7980163D}" destId="{53B6E481-DC89-4968-9595-3E6245B5D1DF}" srcOrd="0" destOrd="0" presId="urn:microsoft.com/office/officeart/2005/8/layout/vList2"/>
-    <dgm:cxn modelId="{37B91C0F-DA02-4DF5-BF50-107916A33F64}" type="presOf" srcId="{E7316E2D-B5D7-41F0-AAC8-F962D13F4385}" destId="{7D41616D-7DD1-4D2E-8B65-68F8ECF96A94}" srcOrd="0" destOrd="0" presId="urn:microsoft.com/office/officeart/2005/8/layout/vList2"/>
-    <dgm:cxn modelId="{825C69A4-8CB6-4FFD-91CB-08CBB92257A9}" srcId="{675A6FC9-128B-4247-B53E-834499B2EE2F}" destId="{E7316E2D-B5D7-41F0-AAC8-F962D13F4385}" srcOrd="1" destOrd="0" parTransId="{B1D8A5D5-EFEB-4399-8B05-14DCDD3CCAF5}" sibTransId="{FE780B8F-BA36-466D-B31F-6508225A21FA}"/>
-    <dgm:cxn modelId="{6550F42A-9FC1-4675-B1D3-6AF12160B6B3}" srcId="{675A6FC9-128B-4247-B53E-834499B2EE2F}" destId="{EB19AC9A-3A1E-4999-B91E-731C520694C1}" srcOrd="2" destOrd="0" parTransId="{0825BAFF-7314-48BE-A2CD-D39857E21AB8}" sibTransId="{4B185573-BE24-497D-859E-EED6542CD3C1}"/>
     <dgm:cxn modelId="{ED9C181B-87FB-4E54-9F24-956D8FAEAA9F}" srcId="{675A6FC9-128B-4247-B53E-834499B2EE2F}" destId="{66EC8100-2EAD-4207-9314-B69B7980163D}" srcOrd="0" destOrd="0" parTransId="{66958D70-A2FB-4FE5-B602-BCDB7072AE0F}" sibTransId="{1B630A8B-F33D-4E2A-A65A-DE8608FA2C98}"/>
-    <dgm:cxn modelId="{71B6C0E1-3B35-4474-9850-8792F97B5B91}" type="presOf" srcId="{EB19AC9A-3A1E-4999-B91E-731C520694C1}" destId="{89CFC517-8B45-4D0A-BA54-675ECFEDEE1D}" srcOrd="0" destOrd="0" presId="urn:microsoft.com/office/officeart/2005/8/layout/vList2"/>
-    <dgm:cxn modelId="{BCFCED9B-375E-458B-865B-313C245D1ED7}" type="presOf" srcId="{675A6FC9-128B-4247-B53E-834499B2EE2F}" destId="{CD74BD3D-58D7-447E-8303-D88A577B9357}" srcOrd="0" destOrd="0" presId="urn:microsoft.com/office/officeart/2005/8/layout/vList2"/>
     <dgm:cxn modelId="{4374E1F1-B398-4FEA-8675-C8D68AF79487}" type="presParOf" srcId="{CD74BD3D-58D7-447E-8303-D88A577B9357}" destId="{53B6E481-DC89-4968-9595-3E6245B5D1DF}" srcOrd="0" destOrd="0" presId="urn:microsoft.com/office/officeart/2005/8/layout/vList2"/>
     <dgm:cxn modelId="{2C2F96E7-BBC3-4370-BF72-2717A08E1A22}" type="presParOf" srcId="{CD74BD3D-58D7-447E-8303-D88A577B9357}" destId="{5F540805-C2A0-4870-AB9C-DD682B5B56CD}" srcOrd="1" destOrd="0" presId="urn:microsoft.com/office/officeart/2005/8/layout/vList2"/>
     <dgm:cxn modelId="{FF1A2192-A410-4AE0-B5D8-B00B07E6554C}" type="presParOf" srcId="{CD74BD3D-58D7-447E-8303-D88A577B9357}" destId="{7D41616D-7DD1-4D2E-8B65-68F8ECF96A94}" srcOrd="2" destOrd="0" presId="urn:microsoft.com/office/officeart/2005/8/layout/vList2"/>
@@ -13883,7 +14009,7 @@
   <dgm:whole/>
   <dgm:extLst>
     <a:ext uri="http://schemas.microsoft.com/office/drawing/2008/diagram">
-      <dsp:dataModelExt xmlns:dsp="http://schemas.microsoft.com/office/drawing/2008/diagram" xmlns="" relId="rId6" minVer="http://schemas.openxmlformats.org/drawingml/2006/diagram"/>
+      <dsp:dataModelExt xmlns:dsp="http://schemas.microsoft.com/office/drawing/2008/diagram" relId="rId6" minVer="http://schemas.openxmlformats.org/drawingml/2006/diagram"/>
     </a:ext>
   </dgm:extLst>
 </dgm:dataModel>
@@ -14101,6 +14227,13 @@
         </dgm:presLayoutVars>
       </dgm:prSet>
       <dgm:spPr/>
+      <dgm:t>
+        <a:bodyPr/>
+        <a:lstStyle/>
+        <a:p>
+          <a:endParaRPr lang="es-CO"/>
+        </a:p>
+      </dgm:t>
     </dgm:pt>
     <dgm:pt modelId="{C216D550-A165-4C25-8849-A406BD1572DD}" type="pres">
       <dgm:prSet presAssocID="{F9F5A5F1-316C-4E2E-8F6B-14196550C0B2}" presName="parentText" presStyleLbl="node1" presStyleIdx="0" presStyleCnt="5">
@@ -14110,6 +14243,13 @@
         </dgm:presLayoutVars>
       </dgm:prSet>
       <dgm:spPr/>
+      <dgm:t>
+        <a:bodyPr/>
+        <a:lstStyle/>
+        <a:p>
+          <a:endParaRPr lang="es-CO"/>
+        </a:p>
+      </dgm:t>
     </dgm:pt>
     <dgm:pt modelId="{4A0DB670-69EB-4AF3-B35C-C9B9DF1021C7}" type="pres">
       <dgm:prSet presAssocID="{8B2C43DE-AEBB-4BD9-B074-995D2D17B782}" presName="spacer" presStyleCnt="0"/>
@@ -14123,6 +14263,13 @@
         </dgm:presLayoutVars>
       </dgm:prSet>
       <dgm:spPr/>
+      <dgm:t>
+        <a:bodyPr/>
+        <a:lstStyle/>
+        <a:p>
+          <a:endParaRPr lang="es-CO"/>
+        </a:p>
+      </dgm:t>
     </dgm:pt>
     <dgm:pt modelId="{B4DFC39E-33DC-4C1B-BCD6-78C391908B06}" type="pres">
       <dgm:prSet presAssocID="{61A6F9CD-18D0-49C5-9504-EA7637F46F7E}" presName="spacer" presStyleCnt="0"/>
@@ -14136,6 +14283,13 @@
         </dgm:presLayoutVars>
       </dgm:prSet>
       <dgm:spPr/>
+      <dgm:t>
+        <a:bodyPr/>
+        <a:lstStyle/>
+        <a:p>
+          <a:endParaRPr lang="es-CO"/>
+        </a:p>
+      </dgm:t>
     </dgm:pt>
     <dgm:pt modelId="{C83671FD-7237-42AD-A0FC-7972CB8C7A3A}" type="pres">
       <dgm:prSet presAssocID="{6273E7C6-E2EE-471C-BEBE-D95A837F083C}" presName="spacer" presStyleCnt="0"/>
@@ -14149,6 +14303,13 @@
         </dgm:presLayoutVars>
       </dgm:prSet>
       <dgm:spPr/>
+      <dgm:t>
+        <a:bodyPr/>
+        <a:lstStyle/>
+        <a:p>
+          <a:endParaRPr lang="es-CO"/>
+        </a:p>
+      </dgm:t>
     </dgm:pt>
     <dgm:pt modelId="{4503637A-E18F-4CA4-AA89-252B5EDAF63E}" type="pres">
       <dgm:prSet presAssocID="{DA53D0AF-FF39-4BE4-B36C-5CC4D05F0C60}" presName="spacer" presStyleCnt="0"/>
@@ -14162,20 +14323,27 @@
         </dgm:presLayoutVars>
       </dgm:prSet>
       <dgm:spPr/>
+      <dgm:t>
+        <a:bodyPr/>
+        <a:lstStyle/>
+        <a:p>
+          <a:endParaRPr lang="es-CO"/>
+        </a:p>
+      </dgm:t>
     </dgm:pt>
   </dgm:ptLst>
   <dgm:cxnLst>
+    <dgm:cxn modelId="{DE8CD203-8E4B-4FA8-8F8C-8E70F27F3AC1}" type="presOf" srcId="{3EA46E82-5E2E-4634-B9FB-92C46B6F7C17}" destId="{9731D2EA-1FB8-48C7-96F2-6680A3A3D145}" srcOrd="0" destOrd="0" presId="urn:microsoft.com/office/officeart/2005/8/layout/vList2"/>
+    <dgm:cxn modelId="{66197F6F-6ED4-434E-B270-3C97D82EE3DC}" srcId="{C94A2E98-D2A6-4181-A476-7FBDB531F060}" destId="{7952ED7C-10CE-4CC8-A4F9-944548A2FA5B}" srcOrd="2" destOrd="0" parTransId="{497CE887-BC73-4EF1-802B-FF81AE553EFD}" sibTransId="{6273E7C6-E2EE-471C-BEBE-D95A837F083C}"/>
+    <dgm:cxn modelId="{EFFA3320-9362-4139-A663-C0AA8650F922}" srcId="{C94A2E98-D2A6-4181-A476-7FBDB531F060}" destId="{3EA46E82-5E2E-4634-B9FB-92C46B6F7C17}" srcOrd="4" destOrd="0" parTransId="{C91ABA1B-0D80-4254-BAAC-DFCAC0810A15}" sibTransId="{5C83FC31-6CB2-485F-9596-468762A7B14F}"/>
     <dgm:cxn modelId="{BE65B067-4D91-4199-AB99-CCC342A3F327}" type="presOf" srcId="{4F7F7461-B8D8-4FE8-B963-E6CAB2287F05}" destId="{2B6FB7E3-9797-4D2F-9E0A-17C93A8EA62A}" srcOrd="0" destOrd="0" presId="urn:microsoft.com/office/officeart/2005/8/layout/vList2"/>
     <dgm:cxn modelId="{D8DA91D6-7AC6-48C1-8956-C75809630C4F}" srcId="{C94A2E98-D2A6-4181-A476-7FBDB531F060}" destId="{4F7F7461-B8D8-4FE8-B963-E6CAB2287F05}" srcOrd="3" destOrd="0" parTransId="{C1F74E6C-27EB-4284-83AC-F4B3D587D2E2}" sibTransId="{DA53D0AF-FF39-4BE4-B36C-5CC4D05F0C60}"/>
+    <dgm:cxn modelId="{216B6260-0261-4C10-A44A-2085E83EA335}" srcId="{C94A2E98-D2A6-4181-A476-7FBDB531F060}" destId="{F9F5A5F1-316C-4E2E-8F6B-14196550C0B2}" srcOrd="0" destOrd="0" parTransId="{AA1558C3-542E-4F08-B5B1-6B1F923F0B8A}" sibTransId="{8B2C43DE-AEBB-4BD9-B074-995D2D17B782}"/>
+    <dgm:cxn modelId="{702C8FD7-DAD8-43C4-9D1D-E3E084190F86}" type="presOf" srcId="{F9F5A5F1-316C-4E2E-8F6B-14196550C0B2}" destId="{C216D550-A165-4C25-8849-A406BD1572DD}" srcOrd="0" destOrd="0" presId="urn:microsoft.com/office/officeart/2005/8/layout/vList2"/>
+    <dgm:cxn modelId="{FAC52ACD-66AC-4D23-9B55-682E2669E718}" type="presOf" srcId="{7952ED7C-10CE-4CC8-A4F9-944548A2FA5B}" destId="{DA084F94-6672-4DC4-8DBD-F6AE985AAF73}" srcOrd="0" destOrd="0" presId="urn:microsoft.com/office/officeart/2005/8/layout/vList2"/>
+    <dgm:cxn modelId="{33C114B3-8516-4B40-944A-BEB0BEB00916}" type="presOf" srcId="{C94A2E98-D2A6-4181-A476-7FBDB531F060}" destId="{C975BEF9-FC43-4F03-A214-087E20812750}" srcOrd="0" destOrd="0" presId="urn:microsoft.com/office/officeart/2005/8/layout/vList2"/>
+    <dgm:cxn modelId="{D6FEA9FB-7735-4FA2-A2F7-70229B0F7112}" type="presOf" srcId="{307D27FE-7DAA-45C0-B692-2A1E31AFBE5E}" destId="{7D23C6AD-01AA-41E3-A702-A34E36B6CC93}" srcOrd="0" destOrd="0" presId="urn:microsoft.com/office/officeart/2005/8/layout/vList2"/>
     <dgm:cxn modelId="{87E0D9B3-F9A8-47EE-9522-784E86F4945F}" srcId="{C94A2E98-D2A6-4181-A476-7FBDB531F060}" destId="{307D27FE-7DAA-45C0-B692-2A1E31AFBE5E}" srcOrd="1" destOrd="0" parTransId="{05942B15-EB40-465C-BABB-572862C02798}" sibTransId="{61A6F9CD-18D0-49C5-9504-EA7637F46F7E}"/>
-    <dgm:cxn modelId="{EFFA3320-9362-4139-A663-C0AA8650F922}" srcId="{C94A2E98-D2A6-4181-A476-7FBDB531F060}" destId="{3EA46E82-5E2E-4634-B9FB-92C46B6F7C17}" srcOrd="4" destOrd="0" parTransId="{C91ABA1B-0D80-4254-BAAC-DFCAC0810A15}" sibTransId="{5C83FC31-6CB2-485F-9596-468762A7B14F}"/>
-    <dgm:cxn modelId="{216B6260-0261-4C10-A44A-2085E83EA335}" srcId="{C94A2E98-D2A6-4181-A476-7FBDB531F060}" destId="{F9F5A5F1-316C-4E2E-8F6B-14196550C0B2}" srcOrd="0" destOrd="0" parTransId="{AA1558C3-542E-4F08-B5B1-6B1F923F0B8A}" sibTransId="{8B2C43DE-AEBB-4BD9-B074-995D2D17B782}"/>
-    <dgm:cxn modelId="{D6FEA9FB-7735-4FA2-A2F7-70229B0F7112}" type="presOf" srcId="{307D27FE-7DAA-45C0-B692-2A1E31AFBE5E}" destId="{7D23C6AD-01AA-41E3-A702-A34E36B6CC93}" srcOrd="0" destOrd="0" presId="urn:microsoft.com/office/officeart/2005/8/layout/vList2"/>
-    <dgm:cxn modelId="{702C8FD7-DAD8-43C4-9D1D-E3E084190F86}" type="presOf" srcId="{F9F5A5F1-316C-4E2E-8F6B-14196550C0B2}" destId="{C216D550-A165-4C25-8849-A406BD1572DD}" srcOrd="0" destOrd="0" presId="urn:microsoft.com/office/officeart/2005/8/layout/vList2"/>
-    <dgm:cxn modelId="{33C114B3-8516-4B40-944A-BEB0BEB00916}" type="presOf" srcId="{C94A2E98-D2A6-4181-A476-7FBDB531F060}" destId="{C975BEF9-FC43-4F03-A214-087E20812750}" srcOrd="0" destOrd="0" presId="urn:microsoft.com/office/officeart/2005/8/layout/vList2"/>
-    <dgm:cxn modelId="{66197F6F-6ED4-434E-B270-3C97D82EE3DC}" srcId="{C94A2E98-D2A6-4181-A476-7FBDB531F060}" destId="{7952ED7C-10CE-4CC8-A4F9-944548A2FA5B}" srcOrd="2" destOrd="0" parTransId="{497CE887-BC73-4EF1-802B-FF81AE553EFD}" sibTransId="{6273E7C6-E2EE-471C-BEBE-D95A837F083C}"/>
-    <dgm:cxn modelId="{DE8CD203-8E4B-4FA8-8F8C-8E70F27F3AC1}" type="presOf" srcId="{3EA46E82-5E2E-4634-B9FB-92C46B6F7C17}" destId="{9731D2EA-1FB8-48C7-96F2-6680A3A3D145}" srcOrd="0" destOrd="0" presId="urn:microsoft.com/office/officeart/2005/8/layout/vList2"/>
-    <dgm:cxn modelId="{FAC52ACD-66AC-4D23-9B55-682E2669E718}" type="presOf" srcId="{7952ED7C-10CE-4CC8-A4F9-944548A2FA5B}" destId="{DA084F94-6672-4DC4-8DBD-F6AE985AAF73}" srcOrd="0" destOrd="0" presId="urn:microsoft.com/office/officeart/2005/8/layout/vList2"/>
     <dgm:cxn modelId="{7E87CFD6-6DC2-4397-AEA5-CA37644DF17B}" type="presParOf" srcId="{C975BEF9-FC43-4F03-A214-087E20812750}" destId="{C216D550-A165-4C25-8849-A406BD1572DD}" srcOrd="0" destOrd="0" presId="urn:microsoft.com/office/officeart/2005/8/layout/vList2"/>
     <dgm:cxn modelId="{DA447747-7553-49DE-84EA-BD0FAC8E4078}" type="presParOf" srcId="{C975BEF9-FC43-4F03-A214-087E20812750}" destId="{4A0DB670-69EB-4AF3-B35C-C9B9DF1021C7}" srcOrd="1" destOrd="0" presId="urn:microsoft.com/office/officeart/2005/8/layout/vList2"/>
     <dgm:cxn modelId="{FC1EE80E-5A93-4A3C-9C3A-2E255C1A0E2E}" type="presParOf" srcId="{C975BEF9-FC43-4F03-A214-087E20812750}" destId="{7D23C6AD-01AA-41E3-A702-A34E36B6CC93}" srcOrd="2" destOrd="0" presId="urn:microsoft.com/office/officeart/2005/8/layout/vList2"/>
@@ -14190,7 +14358,7 @@
   <dgm:whole/>
   <dgm:extLst>
     <a:ext uri="http://schemas.microsoft.com/office/drawing/2008/diagram">
-      <dsp:dataModelExt xmlns:dsp="http://schemas.microsoft.com/office/drawing/2008/diagram" xmlns="" relId="rId6" minVer="http://schemas.openxmlformats.org/drawingml/2006/diagram"/>
+      <dsp:dataModelExt xmlns:dsp="http://schemas.microsoft.com/office/drawing/2008/diagram" relId="rId6" minVer="http://schemas.openxmlformats.org/drawingml/2006/diagram"/>
     </a:ext>
   </dgm:extLst>
 </dgm:dataModel>
@@ -14200,7 +14368,7 @@
 <dgm:dataModel xmlns:dgm="http://schemas.openxmlformats.org/drawingml/2006/diagram" xmlns:a="http://schemas.openxmlformats.org/drawingml/2006/main">
   <dgm:ptLst>
     <dgm:pt modelId="{DCEB9104-8F0E-46A4-BCDE-9B7B4FC4DF90}" type="doc">
-      <dgm:prSet loTypeId="urn:microsoft.com/office/officeart/2005/8/layout/vList3" loCatId="list" qsTypeId="urn:microsoft.com/office/officeart/2005/8/quickstyle/simple1" qsCatId="simple" csTypeId="urn:microsoft.com/office/officeart/2005/8/colors/accent1_2" csCatId="accent1" phldr="1"/>
+      <dgm:prSet loTypeId="urn:microsoft.com/office/officeart/2005/8/layout/vList3#2" loCatId="list" qsTypeId="urn:microsoft.com/office/officeart/2005/8/quickstyle/simple1" qsCatId="simple" csTypeId="urn:microsoft.com/office/officeart/2005/8/colors/accent1_2" csCatId="accent1" phldr="1"/>
       <dgm:spPr/>
       <dgm:t>
         <a:bodyPr/>
@@ -14211,7 +14379,7 @@
       </dgm:t>
     </dgm:pt>
     <dgm:pt modelId="{E4CB45D1-72A4-4C7F-ABD5-6A986AB39ADE}">
-      <dgm:prSet/>
+      <dgm:prSet custT="1"/>
       <dgm:spPr/>
       <dgm:t>
         <a:bodyPr/>
@@ -14219,10 +14387,10 @@
         <a:p>
           <a:pPr algn="l" rtl="0"/>
           <a:r>
-            <a:rPr lang="es-ES_tradnl" b="1" dirty="0" smtClean="0"/>
+            <a:rPr lang="es-ES_tradnl" sz="1500" b="1" dirty="0" smtClean="0"/>
             <a:t>Conteo, consiste en contar las LOC totales, modificadas, adicionadas y eliminadas de un programa. </a:t>
           </a:r>
-          <a:endParaRPr lang="es-CO" b="1" dirty="0"/>
+          <a:endParaRPr lang="es-CO" sz="1500" b="1" dirty="0"/>
         </a:p>
       </dgm:t>
     </dgm:pt>
@@ -14251,7 +14419,7 @@
       </dgm:t>
     </dgm:pt>
     <dgm:pt modelId="{563512FF-3E58-46C5-A381-95C357D994D0}">
-      <dgm:prSet/>
+      <dgm:prSet custT="1"/>
       <dgm:spPr/>
       <dgm:t>
         <a:bodyPr/>
@@ -14259,10 +14427,10 @@
         <a:p>
           <a:pPr algn="l" rtl="0"/>
           <a:r>
-            <a:rPr lang="es-ES_tradnl" b="1" dirty="0" smtClean="0"/>
+            <a:rPr lang="es-ES_tradnl" sz="1500" b="1" dirty="0" smtClean="0"/>
             <a:t>Etiquetado de encabezado, consiste en insertar comentarios en el encabezado de cada programa o clase donde resume la lista de cambios realizados en cada versión.</a:t>
           </a:r>
-          <a:endParaRPr lang="es-CO" b="1" dirty="0"/>
+          <a:endParaRPr lang="es-CO" sz="1500" b="1" dirty="0"/>
         </a:p>
       </dgm:t>
     </dgm:pt>
@@ -14492,36 +14660,36 @@
     </dgm:pt>
   </dgm:ptLst>
   <dgm:cxnLst>
-    <dgm:cxn modelId="{EDCAB884-3F8B-4C61-99B0-56286BC97022}" type="presOf" srcId="{23813B1E-9049-4BD5-9B65-953BE7B233BB}" destId="{48EF9373-F930-413C-A387-2AB191BCA2E1}" srcOrd="0" destOrd="0" presId="urn:microsoft.com/office/officeart/2005/8/layout/vList3"/>
+    <dgm:cxn modelId="{AEAD7A01-0A5D-4F90-9C7E-B44ABB8C32B9}" srcId="{DCEB9104-8F0E-46A4-BCDE-9B7B4FC4DF90}" destId="{E4CB45D1-72A4-4C7F-ABD5-6A986AB39ADE}" srcOrd="0" destOrd="0" parTransId="{B9E90391-7D76-4BE9-8A58-28A5215FE4B1}" sibTransId="{31AAC2DB-C01F-44F0-878A-548B8A0491A5}"/>
+    <dgm:cxn modelId="{EDCAB884-3F8B-4C61-99B0-56286BC97022}" type="presOf" srcId="{23813B1E-9049-4BD5-9B65-953BE7B233BB}" destId="{48EF9373-F930-413C-A387-2AB191BCA2E1}" srcOrd="0" destOrd="0" presId="urn:microsoft.com/office/officeart/2005/8/layout/vList3#2"/>
+    <dgm:cxn modelId="{9EDDD359-F6A1-4E4E-97AD-FBE668459346}" type="presOf" srcId="{458ABEE9-D9ED-4125-9F76-426B615A77BD}" destId="{84A38E24-9BB3-41D8-BCA7-03CACF6E638A}" srcOrd="0" destOrd="0" presId="urn:microsoft.com/office/officeart/2005/8/layout/vList3#2"/>
+    <dgm:cxn modelId="{9AEED175-FCEE-4CE5-B626-F92C6CE6B76B}" type="presOf" srcId="{E4CB45D1-72A4-4C7F-ABD5-6A986AB39ADE}" destId="{24D99944-371D-422F-B81D-9E16245E6A2B}" srcOrd="0" destOrd="0" presId="urn:microsoft.com/office/officeart/2005/8/layout/vList3#2"/>
     <dgm:cxn modelId="{3592763A-F0D0-4AA4-8572-DCF79BF22C5F}" srcId="{DCEB9104-8F0E-46A4-BCDE-9B7B4FC4DF90}" destId="{23813B1E-9049-4BD5-9B65-953BE7B233BB}" srcOrd="3" destOrd="0" parTransId="{DDCDDB0F-62FE-4693-82ED-F13229704551}" sibTransId="{ADE00663-35CC-4210-9C8B-9D0D1EC405C3}"/>
-    <dgm:cxn modelId="{9AEED175-FCEE-4CE5-B626-F92C6CE6B76B}" type="presOf" srcId="{E4CB45D1-72A4-4C7F-ABD5-6A986AB39ADE}" destId="{24D99944-371D-422F-B81D-9E16245E6A2B}" srcOrd="0" destOrd="0" presId="urn:microsoft.com/office/officeart/2005/8/layout/vList3"/>
+    <dgm:cxn modelId="{8803BBBD-92D3-43DB-BA3A-79893FEA71B6}" type="presOf" srcId="{DCEB9104-8F0E-46A4-BCDE-9B7B4FC4DF90}" destId="{51B11696-4822-482B-87C0-5CDF3FE15F43}" srcOrd="0" destOrd="0" presId="urn:microsoft.com/office/officeart/2005/8/layout/vList3#2"/>
     <dgm:cxn modelId="{67634E67-548B-4632-AF6D-BF4A17EE353C}" srcId="{DCEB9104-8F0E-46A4-BCDE-9B7B4FC4DF90}" destId="{563512FF-3E58-46C5-A381-95C357D994D0}" srcOrd="1" destOrd="0" parTransId="{4BEB42AE-B6A3-4D49-AF20-49F08EA6B1FD}" sibTransId="{492C0A16-50F4-442E-B955-D0DBB01B244B}"/>
-    <dgm:cxn modelId="{9EDDD359-F6A1-4E4E-97AD-FBE668459346}" type="presOf" srcId="{458ABEE9-D9ED-4125-9F76-426B615A77BD}" destId="{84A38E24-9BB3-41D8-BCA7-03CACF6E638A}" srcOrd="0" destOrd="0" presId="urn:microsoft.com/office/officeart/2005/8/layout/vList3"/>
-    <dgm:cxn modelId="{C64A3AF0-FEEE-4D45-837C-C21E81E09754}" type="presOf" srcId="{563512FF-3E58-46C5-A381-95C357D994D0}" destId="{C188C277-3C6E-4DC8-A8BA-FE80F2A2EB79}" srcOrd="0" destOrd="0" presId="urn:microsoft.com/office/officeart/2005/8/layout/vList3"/>
-    <dgm:cxn modelId="{8803BBBD-92D3-43DB-BA3A-79893FEA71B6}" type="presOf" srcId="{DCEB9104-8F0E-46A4-BCDE-9B7B4FC4DF90}" destId="{51B11696-4822-482B-87C0-5CDF3FE15F43}" srcOrd="0" destOrd="0" presId="urn:microsoft.com/office/officeart/2005/8/layout/vList3"/>
+    <dgm:cxn modelId="{C64A3AF0-FEEE-4D45-837C-C21E81E09754}" type="presOf" srcId="{563512FF-3E58-46C5-A381-95C357D994D0}" destId="{C188C277-3C6E-4DC8-A8BA-FE80F2A2EB79}" srcOrd="0" destOrd="0" presId="urn:microsoft.com/office/officeart/2005/8/layout/vList3#2"/>
     <dgm:cxn modelId="{782B51D9-CE61-443B-9829-3ED798DF0648}" srcId="{DCEB9104-8F0E-46A4-BCDE-9B7B4FC4DF90}" destId="{458ABEE9-D9ED-4125-9F76-426B615A77BD}" srcOrd="2" destOrd="0" parTransId="{B0E00959-BD18-4559-92CC-E6A087BD4D6E}" sibTransId="{20083163-4DA1-47A5-8C83-CEEFB5264FE5}"/>
-    <dgm:cxn modelId="{AEAD7A01-0A5D-4F90-9C7E-B44ABB8C32B9}" srcId="{DCEB9104-8F0E-46A4-BCDE-9B7B4FC4DF90}" destId="{E4CB45D1-72A4-4C7F-ABD5-6A986AB39ADE}" srcOrd="0" destOrd="0" parTransId="{B9E90391-7D76-4BE9-8A58-28A5215FE4B1}" sibTransId="{31AAC2DB-C01F-44F0-878A-548B8A0491A5}"/>
-    <dgm:cxn modelId="{E2D4FE41-215E-4185-8A14-3549BE4C9BF0}" type="presParOf" srcId="{51B11696-4822-482B-87C0-5CDF3FE15F43}" destId="{87125FA2-CD32-42C1-9842-9173C2FC6C22}" srcOrd="0" destOrd="0" presId="urn:microsoft.com/office/officeart/2005/8/layout/vList3"/>
-    <dgm:cxn modelId="{D9E8ABC8-12E5-4604-A5E0-CC24B57DC3EB}" type="presParOf" srcId="{87125FA2-CD32-42C1-9842-9173C2FC6C22}" destId="{8DC86FE3-BA62-49E4-867E-4F089E1F0257}" srcOrd="0" destOrd="0" presId="urn:microsoft.com/office/officeart/2005/8/layout/vList3"/>
-    <dgm:cxn modelId="{6C5B0A15-2E0E-40E3-9B77-89CB7C099931}" type="presParOf" srcId="{87125FA2-CD32-42C1-9842-9173C2FC6C22}" destId="{24D99944-371D-422F-B81D-9E16245E6A2B}" srcOrd="1" destOrd="0" presId="urn:microsoft.com/office/officeart/2005/8/layout/vList3"/>
-    <dgm:cxn modelId="{A094C4CC-1935-4BFA-A4D8-BCC157E24E9E}" type="presParOf" srcId="{51B11696-4822-482B-87C0-5CDF3FE15F43}" destId="{7A0906AD-6E5B-4F42-A519-713B79ADFCD9}" srcOrd="1" destOrd="0" presId="urn:microsoft.com/office/officeart/2005/8/layout/vList3"/>
-    <dgm:cxn modelId="{A46372DA-30DA-400A-9856-F6DFB0F3B0E4}" type="presParOf" srcId="{51B11696-4822-482B-87C0-5CDF3FE15F43}" destId="{4F16439C-0024-4E99-9E0F-76B3470236D6}" srcOrd="2" destOrd="0" presId="urn:microsoft.com/office/officeart/2005/8/layout/vList3"/>
-    <dgm:cxn modelId="{787E368E-D51C-42D2-9BA1-41E81D1D393E}" type="presParOf" srcId="{4F16439C-0024-4E99-9E0F-76B3470236D6}" destId="{BF2FFB63-F3FE-41C2-9B38-85F0310A91D4}" srcOrd="0" destOrd="0" presId="urn:microsoft.com/office/officeart/2005/8/layout/vList3"/>
-    <dgm:cxn modelId="{CE56751F-BB6B-47D1-8053-8541FD5DB75B}" type="presParOf" srcId="{4F16439C-0024-4E99-9E0F-76B3470236D6}" destId="{C188C277-3C6E-4DC8-A8BA-FE80F2A2EB79}" srcOrd="1" destOrd="0" presId="urn:microsoft.com/office/officeart/2005/8/layout/vList3"/>
-    <dgm:cxn modelId="{6081C1DB-8E1C-4B8E-AC47-268C9D5F4CC4}" type="presParOf" srcId="{51B11696-4822-482B-87C0-5CDF3FE15F43}" destId="{E30CBE76-9069-492B-8264-39772F146CC1}" srcOrd="3" destOrd="0" presId="urn:microsoft.com/office/officeart/2005/8/layout/vList3"/>
-    <dgm:cxn modelId="{881DA2C5-CCB2-4342-83E9-9D4AF8C19357}" type="presParOf" srcId="{51B11696-4822-482B-87C0-5CDF3FE15F43}" destId="{872DD14F-8483-401F-BCE1-30AA573DE56F}" srcOrd="4" destOrd="0" presId="urn:microsoft.com/office/officeart/2005/8/layout/vList3"/>
-    <dgm:cxn modelId="{7BDB026F-4111-4DD8-82BE-6CD722CEFFA8}" type="presParOf" srcId="{872DD14F-8483-401F-BCE1-30AA573DE56F}" destId="{40143572-A817-4390-A485-DD3D728FB48E}" srcOrd="0" destOrd="0" presId="urn:microsoft.com/office/officeart/2005/8/layout/vList3"/>
-    <dgm:cxn modelId="{B2AFE06B-688B-4259-AA78-C4BC341B90E9}" type="presParOf" srcId="{872DD14F-8483-401F-BCE1-30AA573DE56F}" destId="{84A38E24-9BB3-41D8-BCA7-03CACF6E638A}" srcOrd="1" destOrd="0" presId="urn:microsoft.com/office/officeart/2005/8/layout/vList3"/>
-    <dgm:cxn modelId="{4A5313AD-ABA3-4004-877D-96A2BEE1E5F8}" type="presParOf" srcId="{51B11696-4822-482B-87C0-5CDF3FE15F43}" destId="{064493C5-693C-4A0C-B642-C405E7203C1D}" srcOrd="5" destOrd="0" presId="urn:microsoft.com/office/officeart/2005/8/layout/vList3"/>
-    <dgm:cxn modelId="{AD911627-5B41-443E-AEC8-2F639B65D73B}" type="presParOf" srcId="{51B11696-4822-482B-87C0-5CDF3FE15F43}" destId="{404D24C6-E0AF-4111-8B92-034AA98440DE}" srcOrd="6" destOrd="0" presId="urn:microsoft.com/office/officeart/2005/8/layout/vList3"/>
-    <dgm:cxn modelId="{DF881717-8490-4CDA-B1D1-B6209A977830}" type="presParOf" srcId="{404D24C6-E0AF-4111-8B92-034AA98440DE}" destId="{11E59DAE-3025-4660-BCE6-50325F4E907E}" srcOrd="0" destOrd="0" presId="urn:microsoft.com/office/officeart/2005/8/layout/vList3"/>
-    <dgm:cxn modelId="{86391403-5EA0-481C-B564-C038443CD09E}" type="presParOf" srcId="{404D24C6-E0AF-4111-8B92-034AA98440DE}" destId="{48EF9373-F930-413C-A387-2AB191BCA2E1}" srcOrd="1" destOrd="0" presId="urn:microsoft.com/office/officeart/2005/8/layout/vList3"/>
+    <dgm:cxn modelId="{E2D4FE41-215E-4185-8A14-3549BE4C9BF0}" type="presParOf" srcId="{51B11696-4822-482B-87C0-5CDF3FE15F43}" destId="{87125FA2-CD32-42C1-9842-9173C2FC6C22}" srcOrd="0" destOrd="0" presId="urn:microsoft.com/office/officeart/2005/8/layout/vList3#2"/>
+    <dgm:cxn modelId="{D9E8ABC8-12E5-4604-A5E0-CC24B57DC3EB}" type="presParOf" srcId="{87125FA2-CD32-42C1-9842-9173C2FC6C22}" destId="{8DC86FE3-BA62-49E4-867E-4F089E1F0257}" srcOrd="0" destOrd="0" presId="urn:microsoft.com/office/officeart/2005/8/layout/vList3#2"/>
+    <dgm:cxn modelId="{6C5B0A15-2E0E-40E3-9B77-89CB7C099931}" type="presParOf" srcId="{87125FA2-CD32-42C1-9842-9173C2FC6C22}" destId="{24D99944-371D-422F-B81D-9E16245E6A2B}" srcOrd="1" destOrd="0" presId="urn:microsoft.com/office/officeart/2005/8/layout/vList3#2"/>
+    <dgm:cxn modelId="{A094C4CC-1935-4BFA-A4D8-BCC157E24E9E}" type="presParOf" srcId="{51B11696-4822-482B-87C0-5CDF3FE15F43}" destId="{7A0906AD-6E5B-4F42-A519-713B79ADFCD9}" srcOrd="1" destOrd="0" presId="urn:microsoft.com/office/officeart/2005/8/layout/vList3#2"/>
+    <dgm:cxn modelId="{A46372DA-30DA-400A-9856-F6DFB0F3B0E4}" type="presParOf" srcId="{51B11696-4822-482B-87C0-5CDF3FE15F43}" destId="{4F16439C-0024-4E99-9E0F-76B3470236D6}" srcOrd="2" destOrd="0" presId="urn:microsoft.com/office/officeart/2005/8/layout/vList3#2"/>
+    <dgm:cxn modelId="{787E368E-D51C-42D2-9BA1-41E81D1D393E}" type="presParOf" srcId="{4F16439C-0024-4E99-9E0F-76B3470236D6}" destId="{BF2FFB63-F3FE-41C2-9B38-85F0310A91D4}" srcOrd="0" destOrd="0" presId="urn:microsoft.com/office/officeart/2005/8/layout/vList3#2"/>
+    <dgm:cxn modelId="{CE56751F-BB6B-47D1-8053-8541FD5DB75B}" type="presParOf" srcId="{4F16439C-0024-4E99-9E0F-76B3470236D6}" destId="{C188C277-3C6E-4DC8-A8BA-FE80F2A2EB79}" srcOrd="1" destOrd="0" presId="urn:microsoft.com/office/officeart/2005/8/layout/vList3#2"/>
+    <dgm:cxn modelId="{6081C1DB-8E1C-4B8E-AC47-268C9D5F4CC4}" type="presParOf" srcId="{51B11696-4822-482B-87C0-5CDF3FE15F43}" destId="{E30CBE76-9069-492B-8264-39772F146CC1}" srcOrd="3" destOrd="0" presId="urn:microsoft.com/office/officeart/2005/8/layout/vList3#2"/>
+    <dgm:cxn modelId="{881DA2C5-CCB2-4342-83E9-9D4AF8C19357}" type="presParOf" srcId="{51B11696-4822-482B-87C0-5CDF3FE15F43}" destId="{872DD14F-8483-401F-BCE1-30AA573DE56F}" srcOrd="4" destOrd="0" presId="urn:microsoft.com/office/officeart/2005/8/layout/vList3#2"/>
+    <dgm:cxn modelId="{7BDB026F-4111-4DD8-82BE-6CD722CEFFA8}" type="presParOf" srcId="{872DD14F-8483-401F-BCE1-30AA573DE56F}" destId="{40143572-A817-4390-A485-DD3D728FB48E}" srcOrd="0" destOrd="0" presId="urn:microsoft.com/office/officeart/2005/8/layout/vList3#2"/>
+    <dgm:cxn modelId="{B2AFE06B-688B-4259-AA78-C4BC341B90E9}" type="presParOf" srcId="{872DD14F-8483-401F-BCE1-30AA573DE56F}" destId="{84A38E24-9BB3-41D8-BCA7-03CACF6E638A}" srcOrd="1" destOrd="0" presId="urn:microsoft.com/office/officeart/2005/8/layout/vList3#2"/>
+    <dgm:cxn modelId="{4A5313AD-ABA3-4004-877D-96A2BEE1E5F8}" type="presParOf" srcId="{51B11696-4822-482B-87C0-5CDF3FE15F43}" destId="{064493C5-693C-4A0C-B642-C405E7203C1D}" srcOrd="5" destOrd="0" presId="urn:microsoft.com/office/officeart/2005/8/layout/vList3#2"/>
+    <dgm:cxn modelId="{AD911627-5B41-443E-AEC8-2F639B65D73B}" type="presParOf" srcId="{51B11696-4822-482B-87C0-5CDF3FE15F43}" destId="{404D24C6-E0AF-4111-8B92-034AA98440DE}" srcOrd="6" destOrd="0" presId="urn:microsoft.com/office/officeart/2005/8/layout/vList3#2"/>
+    <dgm:cxn modelId="{DF881717-8490-4CDA-B1D1-B6209A977830}" type="presParOf" srcId="{404D24C6-E0AF-4111-8B92-034AA98440DE}" destId="{11E59DAE-3025-4660-BCE6-50325F4E907E}" srcOrd="0" destOrd="0" presId="urn:microsoft.com/office/officeart/2005/8/layout/vList3#2"/>
+    <dgm:cxn modelId="{86391403-5EA0-481C-B564-C038443CD09E}" type="presParOf" srcId="{404D24C6-E0AF-4111-8B92-034AA98440DE}" destId="{48EF9373-F930-413C-A387-2AB191BCA2E1}" srcOrd="1" destOrd="0" presId="urn:microsoft.com/office/officeart/2005/8/layout/vList3#2"/>
   </dgm:cxnLst>
   <dgm:bg/>
   <dgm:whole/>
   <dgm:extLst>
     <a:ext uri="http://schemas.microsoft.com/office/drawing/2008/diagram">
-      <dsp:dataModelExt xmlns:dsp="http://schemas.microsoft.com/office/drawing/2008/diagram" xmlns="" relId="rId6" minVer="http://schemas.openxmlformats.org/drawingml/2006/diagram"/>
+      <dsp:dataModelExt xmlns:dsp="http://schemas.microsoft.com/office/drawing/2008/diagram" relId="rId6" minVer="http://schemas.openxmlformats.org/drawingml/2006/diagram"/>
     </a:ext>
   </dgm:extLst>
 </dgm:dataModel>
@@ -15015,19 +15183,19 @@
     </dgm:pt>
   </dgm:ptLst>
   <dgm:cxnLst>
+    <dgm:cxn modelId="{7DF54DAF-4B93-4D7F-893A-EFDE7513F61F}" type="presOf" srcId="{40BFE491-AF50-41D4-8A23-05AB894FD4D2}" destId="{31FF6712-230E-48BE-9AE9-DD749067E66D}" srcOrd="0" destOrd="0" presId="urn:microsoft.com/office/officeart/2005/8/layout/vList2"/>
     <dgm:cxn modelId="{6D3EA534-3FA0-4680-B467-CB1BD75F347C}" type="presOf" srcId="{8ED4B1C7-5343-4D5F-9D6C-ABE37B2614BD}" destId="{5A0C5611-5B0E-4F88-80BA-61AF1E55BB8F}" srcOrd="0" destOrd="0" presId="urn:microsoft.com/office/officeart/2005/8/layout/vList2"/>
+    <dgm:cxn modelId="{82F14232-5818-453D-ACD2-B27D86A71A35}" type="presOf" srcId="{715673BC-234B-408B-A0A4-D8B0DE643B6C}" destId="{C33C5714-090E-4022-BF08-271418400D1A}" srcOrd="0" destOrd="0" presId="urn:microsoft.com/office/officeart/2005/8/layout/vList2"/>
+    <dgm:cxn modelId="{7B6725C0-AA4E-497F-AFC6-42BCC5475AF7}" srcId="{8ED4B1C7-5343-4D5F-9D6C-ABE37B2614BD}" destId="{6413E219-3B6E-46E5-B6C3-2B890EA9E288}" srcOrd="3" destOrd="0" parTransId="{D68E4B20-161F-4126-9173-0BDABC5FADA7}" sibTransId="{8C00672F-4231-48DC-9641-E8CD9F271EB2}"/>
+    <dgm:cxn modelId="{63B7888E-1C97-4748-B274-8EEDAEB726A1}" srcId="{8ED4B1C7-5343-4D5F-9D6C-ABE37B2614BD}" destId="{179A6C55-B415-4967-A45E-78C998AD59BF}" srcOrd="1" destOrd="0" parTransId="{26FB89DD-ADBC-4FB6-9831-CD9D17C40A3C}" sibTransId="{075786C7-A192-492A-92C1-D52ED338734D}"/>
+    <dgm:cxn modelId="{B9D0663D-07BB-4767-99C3-9E8D6E42F6C8}" srcId="{8ED4B1C7-5343-4D5F-9D6C-ABE37B2614BD}" destId="{40BFE491-AF50-41D4-8A23-05AB894FD4D2}" srcOrd="2" destOrd="0" parTransId="{1DC85254-3280-4BCC-84BB-D533AE48B815}" sibTransId="{A192DF1E-0640-4A90-8D00-8D84CED8A3AC}"/>
+    <dgm:cxn modelId="{696E422C-FE11-4A7E-9DA1-EBC64749416C}" srcId="{8ED4B1C7-5343-4D5F-9D6C-ABE37B2614BD}" destId="{5962BB70-357B-47DF-87B3-782A76C036FA}" srcOrd="0" destOrd="0" parTransId="{9444C8C3-9B7B-4D2A-83E3-3A374CD88A28}" sibTransId="{481E924B-07AA-4EB1-BB39-08F38F1BA4AC}"/>
     <dgm:cxn modelId="{5288C10C-9DCA-458A-A07E-CD527C6E961F}" srcId="{8ED4B1C7-5343-4D5F-9D6C-ABE37B2614BD}" destId="{DF24089E-8A27-4AC7-B2C7-D5B0E3378869}" srcOrd="5" destOrd="0" parTransId="{4C5DB7A9-DB7F-421A-939C-2EABC9C38A54}" sibTransId="{DDA51D88-18D2-4AD1-8378-0A9BE9B9D3D3}"/>
+    <dgm:cxn modelId="{C6B4A392-6E10-4596-9B70-7C377CF1A708}" type="presOf" srcId="{DF24089E-8A27-4AC7-B2C7-D5B0E3378869}" destId="{5BC5B591-859F-4288-B673-C48193BC84DE}" srcOrd="0" destOrd="0" presId="urn:microsoft.com/office/officeart/2005/8/layout/vList2"/>
     <dgm:cxn modelId="{8889DBC1-5D9F-491E-95A7-15B0F59B3D33}" srcId="{8ED4B1C7-5343-4D5F-9D6C-ABE37B2614BD}" destId="{715673BC-234B-408B-A0A4-D8B0DE643B6C}" srcOrd="4" destOrd="0" parTransId="{E028345B-387C-40C1-BB66-080C26AC13E8}" sibTransId="{C472A95E-C3FF-49C6-B9A6-7F8A8448BFA4}"/>
-    <dgm:cxn modelId="{7DF54DAF-4B93-4D7F-893A-EFDE7513F61F}" type="presOf" srcId="{40BFE491-AF50-41D4-8A23-05AB894FD4D2}" destId="{31FF6712-230E-48BE-9AE9-DD749067E66D}" srcOrd="0" destOrd="0" presId="urn:microsoft.com/office/officeart/2005/8/layout/vList2"/>
     <dgm:cxn modelId="{C8D77770-A616-429C-9267-DE18D3C21DA3}" type="presOf" srcId="{179A6C55-B415-4967-A45E-78C998AD59BF}" destId="{890E302F-6AB5-43D9-BC6F-202F061745EB}" srcOrd="0" destOrd="0" presId="urn:microsoft.com/office/officeart/2005/8/layout/vList2"/>
+    <dgm:cxn modelId="{2601557B-CD44-4AE5-938B-01B4BC0BDCA0}" type="presOf" srcId="{6413E219-3B6E-46E5-B6C3-2B890EA9E288}" destId="{7D744DFD-2E2D-4BEC-84AE-FB297EAD771A}" srcOrd="0" destOrd="0" presId="urn:microsoft.com/office/officeart/2005/8/layout/vList2"/>
     <dgm:cxn modelId="{C05B7E2D-6919-4D05-AC5C-565CD14E00AB}" type="presOf" srcId="{5962BB70-357B-47DF-87B3-782A76C036FA}" destId="{E47942C4-3B92-4554-8972-25DBD79EFC90}" srcOrd="0" destOrd="0" presId="urn:microsoft.com/office/officeart/2005/8/layout/vList2"/>
-    <dgm:cxn modelId="{2601557B-CD44-4AE5-938B-01B4BC0BDCA0}" type="presOf" srcId="{6413E219-3B6E-46E5-B6C3-2B890EA9E288}" destId="{7D744DFD-2E2D-4BEC-84AE-FB297EAD771A}" srcOrd="0" destOrd="0" presId="urn:microsoft.com/office/officeart/2005/8/layout/vList2"/>
-    <dgm:cxn modelId="{C6B4A392-6E10-4596-9B70-7C377CF1A708}" type="presOf" srcId="{DF24089E-8A27-4AC7-B2C7-D5B0E3378869}" destId="{5BC5B591-859F-4288-B673-C48193BC84DE}" srcOrd="0" destOrd="0" presId="urn:microsoft.com/office/officeart/2005/8/layout/vList2"/>
-    <dgm:cxn modelId="{B9D0663D-07BB-4767-99C3-9E8D6E42F6C8}" srcId="{8ED4B1C7-5343-4D5F-9D6C-ABE37B2614BD}" destId="{40BFE491-AF50-41D4-8A23-05AB894FD4D2}" srcOrd="2" destOrd="0" parTransId="{1DC85254-3280-4BCC-84BB-D533AE48B815}" sibTransId="{A192DF1E-0640-4A90-8D00-8D84CED8A3AC}"/>
-    <dgm:cxn modelId="{82F14232-5818-453D-ACD2-B27D86A71A35}" type="presOf" srcId="{715673BC-234B-408B-A0A4-D8B0DE643B6C}" destId="{C33C5714-090E-4022-BF08-271418400D1A}" srcOrd="0" destOrd="0" presId="urn:microsoft.com/office/officeart/2005/8/layout/vList2"/>
-    <dgm:cxn modelId="{63B7888E-1C97-4748-B274-8EEDAEB726A1}" srcId="{8ED4B1C7-5343-4D5F-9D6C-ABE37B2614BD}" destId="{179A6C55-B415-4967-A45E-78C998AD59BF}" srcOrd="1" destOrd="0" parTransId="{26FB89DD-ADBC-4FB6-9831-CD9D17C40A3C}" sibTransId="{075786C7-A192-492A-92C1-D52ED338734D}"/>
-    <dgm:cxn modelId="{696E422C-FE11-4A7E-9DA1-EBC64749416C}" srcId="{8ED4B1C7-5343-4D5F-9D6C-ABE37B2614BD}" destId="{5962BB70-357B-47DF-87B3-782A76C036FA}" srcOrd="0" destOrd="0" parTransId="{9444C8C3-9B7B-4D2A-83E3-3A374CD88A28}" sibTransId="{481E924B-07AA-4EB1-BB39-08F38F1BA4AC}"/>
-    <dgm:cxn modelId="{7B6725C0-AA4E-497F-AFC6-42BCC5475AF7}" srcId="{8ED4B1C7-5343-4D5F-9D6C-ABE37B2614BD}" destId="{6413E219-3B6E-46E5-B6C3-2B890EA9E288}" srcOrd="3" destOrd="0" parTransId="{D68E4B20-161F-4126-9173-0BDABC5FADA7}" sibTransId="{8C00672F-4231-48DC-9641-E8CD9F271EB2}"/>
     <dgm:cxn modelId="{36AD87E5-7EF1-4C67-872B-8CD4005FDC03}" type="presParOf" srcId="{5A0C5611-5B0E-4F88-80BA-61AF1E55BB8F}" destId="{E47942C4-3B92-4554-8972-25DBD79EFC90}" srcOrd="0" destOrd="0" presId="urn:microsoft.com/office/officeart/2005/8/layout/vList2"/>
     <dgm:cxn modelId="{1A262F72-02DD-4D18-ABC8-D847873D9CBA}" type="presParOf" srcId="{5A0C5611-5B0E-4F88-80BA-61AF1E55BB8F}" destId="{734DA7DF-F425-4A52-9AC4-7F75BFD46E0D}" srcOrd="1" destOrd="0" presId="urn:microsoft.com/office/officeart/2005/8/layout/vList2"/>
     <dgm:cxn modelId="{8A57FC9B-F03C-45D6-A508-A059F89D60AB}" type="presParOf" srcId="{5A0C5611-5B0E-4F88-80BA-61AF1E55BB8F}" destId="{890E302F-6AB5-43D9-BC6F-202F061745EB}" srcOrd="2" destOrd="0" presId="urn:microsoft.com/office/officeart/2005/8/layout/vList2"/>
@@ -15044,7 +15212,7 @@
   <dgm:whole/>
   <dgm:extLst>
     <a:ext uri="http://schemas.microsoft.com/office/drawing/2008/diagram">
-      <dsp:dataModelExt xmlns:dsp="http://schemas.microsoft.com/office/drawing/2008/diagram" xmlns="" relId="rId6" minVer="http://schemas.openxmlformats.org/drawingml/2006/diagram"/>
+      <dsp:dataModelExt xmlns:dsp="http://schemas.microsoft.com/office/drawing/2008/diagram" relId="rId6" minVer="http://schemas.openxmlformats.org/drawingml/2006/diagram"/>
     </a:ext>
   </dgm:extLst>
 </dgm:dataModel>
@@ -15316,17 +15484,17 @@
     </dgm:pt>
   </dgm:ptLst>
   <dgm:cxnLst>
-    <dgm:cxn modelId="{8898B88A-9B14-4310-B621-5C06BA069D03}" srcId="{093524FE-E3B3-4865-983C-400BCE47D5E5}" destId="{3DF59592-B2BD-47ED-9D24-83AE4C294756}" srcOrd="0" destOrd="0" parTransId="{06D92DF6-1E8D-414F-8538-6CBB64B2F50F}" sibTransId="{29796FF1-27A4-4ED4-9A3C-DBCCEFEA5E67}"/>
+    <dgm:cxn modelId="{8C83998E-4613-411D-8783-3F91ED066A6B}" type="presOf" srcId="{A40F8762-30DB-4142-BDD3-FB6170A71FE1}" destId="{F2E29DEE-BECA-4981-B620-7C6DF346E374}" srcOrd="0" destOrd="0" presId="urn:microsoft.com/office/officeart/2005/8/layout/chevron2"/>
     <dgm:cxn modelId="{E5FF6326-1EFB-43FA-8CB2-D54CE37BB7FB}" type="presOf" srcId="{1F4E4481-884A-48F1-9864-12698454B20A}" destId="{F2E29DEE-BECA-4981-B620-7C6DF346E374}" srcOrd="0" destOrd="2" presId="urn:microsoft.com/office/officeart/2005/8/layout/chevron2"/>
-    <dgm:cxn modelId="{5E2FE49C-E262-4778-BDEE-1AFB8458A128}" type="presOf" srcId="{803BF1C7-9E5C-4EF1-B249-A5FCE2F98CC4}" destId="{F2E29DEE-BECA-4981-B620-7C6DF346E374}" srcOrd="0" destOrd="1" presId="urn:microsoft.com/office/officeart/2005/8/layout/chevron2"/>
+    <dgm:cxn modelId="{9993BE2E-A205-4586-9D44-7BFCF1E1D65A}" type="presOf" srcId="{B364EF9E-F858-4D49-A62C-958229F29D1B}" destId="{F2E29DEE-BECA-4981-B620-7C6DF346E374}" srcOrd="0" destOrd="3" presId="urn:microsoft.com/office/officeart/2005/8/layout/chevron2"/>
     <dgm:cxn modelId="{1326C971-8A88-49E5-AC31-9FD377E76675}" srcId="{3DF59592-B2BD-47ED-9D24-83AE4C294756}" destId="{1F4E4481-884A-48F1-9864-12698454B20A}" srcOrd="2" destOrd="0" parTransId="{744B214C-1FD9-4FB6-89FE-863014D1D12B}" sibTransId="{D5B5545E-8C00-4956-AAD8-82FA5FFE0332}"/>
     <dgm:cxn modelId="{53DEEE17-D99E-47DF-B251-B33EFED6F8BB}" srcId="{3DF59592-B2BD-47ED-9D24-83AE4C294756}" destId="{803BF1C7-9E5C-4EF1-B249-A5FCE2F98CC4}" srcOrd="1" destOrd="0" parTransId="{D148422E-D02C-4DAE-9C8A-C756CCADC505}" sibTransId="{B2CE8038-C713-4FFD-834A-2FC26A5546FF}"/>
+    <dgm:cxn modelId="{5E2FE49C-E262-4778-BDEE-1AFB8458A128}" type="presOf" srcId="{803BF1C7-9E5C-4EF1-B249-A5FCE2F98CC4}" destId="{F2E29DEE-BECA-4981-B620-7C6DF346E374}" srcOrd="0" destOrd="1" presId="urn:microsoft.com/office/officeart/2005/8/layout/chevron2"/>
+    <dgm:cxn modelId="{28E5A7D5-F73B-473F-94C5-D7C00C77E353}" srcId="{3DF59592-B2BD-47ED-9D24-83AE4C294756}" destId="{A40F8762-30DB-4142-BDD3-FB6170A71FE1}" srcOrd="0" destOrd="0" parTransId="{41C80F1A-04F2-49F7-99DF-D9DEA69743C7}" sibTransId="{8B11C269-0019-4D08-96D5-B30C7587CFA5}"/>
     <dgm:cxn modelId="{6A98F8D4-2691-4CD2-9DAD-B70E59A4C796}" type="presOf" srcId="{093524FE-E3B3-4865-983C-400BCE47D5E5}" destId="{50D265E1-FEF5-4854-B8FB-3478B4333F44}" srcOrd="0" destOrd="0" presId="urn:microsoft.com/office/officeart/2005/8/layout/chevron2"/>
-    <dgm:cxn modelId="{28E5A7D5-F73B-473F-94C5-D7C00C77E353}" srcId="{3DF59592-B2BD-47ED-9D24-83AE4C294756}" destId="{A40F8762-30DB-4142-BDD3-FB6170A71FE1}" srcOrd="0" destOrd="0" parTransId="{41C80F1A-04F2-49F7-99DF-D9DEA69743C7}" sibTransId="{8B11C269-0019-4D08-96D5-B30C7587CFA5}"/>
     <dgm:cxn modelId="{F516B2BE-12E3-4778-BFF7-B37D81429475}" type="presOf" srcId="{3DF59592-B2BD-47ED-9D24-83AE4C294756}" destId="{6CF45A87-802D-4065-AF0E-7627B7938009}" srcOrd="0" destOrd="0" presId="urn:microsoft.com/office/officeart/2005/8/layout/chevron2"/>
+    <dgm:cxn modelId="{8898B88A-9B14-4310-B621-5C06BA069D03}" srcId="{093524FE-E3B3-4865-983C-400BCE47D5E5}" destId="{3DF59592-B2BD-47ED-9D24-83AE4C294756}" srcOrd="0" destOrd="0" parTransId="{06D92DF6-1E8D-414F-8538-6CBB64B2F50F}" sibTransId="{29796FF1-27A4-4ED4-9A3C-DBCCEFEA5E67}"/>
     <dgm:cxn modelId="{BAB4B7E8-8734-4150-9184-7F9DA44BE76C}" srcId="{3DF59592-B2BD-47ED-9D24-83AE4C294756}" destId="{B364EF9E-F858-4D49-A62C-958229F29D1B}" srcOrd="3" destOrd="0" parTransId="{183BC083-B12A-41A5-9B8C-C4B788DCBD03}" sibTransId="{EBE1D170-D055-491F-87CD-FFEA044E18C4}"/>
-    <dgm:cxn modelId="{8C83998E-4613-411D-8783-3F91ED066A6B}" type="presOf" srcId="{A40F8762-30DB-4142-BDD3-FB6170A71FE1}" destId="{F2E29DEE-BECA-4981-B620-7C6DF346E374}" srcOrd="0" destOrd="0" presId="urn:microsoft.com/office/officeart/2005/8/layout/chevron2"/>
-    <dgm:cxn modelId="{9993BE2E-A205-4586-9D44-7BFCF1E1D65A}" type="presOf" srcId="{B364EF9E-F858-4D49-A62C-958229F29D1B}" destId="{F2E29DEE-BECA-4981-B620-7C6DF346E374}" srcOrd="0" destOrd="3" presId="urn:microsoft.com/office/officeart/2005/8/layout/chevron2"/>
     <dgm:cxn modelId="{8B457B81-BD64-4F06-AA4F-D38970ECA7DF}" type="presParOf" srcId="{50D265E1-FEF5-4854-B8FB-3478B4333F44}" destId="{82A42BC6-745A-4845-9514-EF3287520BC8}" srcOrd="0" destOrd="0" presId="urn:microsoft.com/office/officeart/2005/8/layout/chevron2"/>
     <dgm:cxn modelId="{4760177D-77A2-4459-A199-7295F784DBFE}" type="presParOf" srcId="{82A42BC6-745A-4845-9514-EF3287520BC8}" destId="{6CF45A87-802D-4065-AF0E-7627B7938009}" srcOrd="0" destOrd="0" presId="urn:microsoft.com/office/officeart/2005/8/layout/chevron2"/>
     <dgm:cxn modelId="{C1C2BBD9-5122-40F9-85E2-0FE60336EBD0}" type="presParOf" srcId="{82A42BC6-745A-4845-9514-EF3287520BC8}" destId="{F2E29DEE-BECA-4981-B620-7C6DF346E374}" srcOrd="1" destOrd="0" presId="urn:microsoft.com/office/officeart/2005/8/layout/chevron2"/>
@@ -15335,7 +15503,7 @@
   <dgm:whole/>
   <dgm:extLst>
     <a:ext uri="http://schemas.microsoft.com/office/drawing/2008/diagram">
-      <dsp:dataModelExt xmlns:dsp="http://schemas.microsoft.com/office/drawing/2008/diagram" xmlns="" relId="rId6" minVer="http://schemas.openxmlformats.org/drawingml/2006/diagram"/>
+      <dsp:dataModelExt xmlns:dsp="http://schemas.microsoft.com/office/drawing/2008/diagram" relId="rId6" minVer="http://schemas.openxmlformats.org/drawingml/2006/diagram"/>
     </a:ext>
   </dgm:extLst>
 </dgm:dataModel>
@@ -15609,17 +15777,17 @@
     </dgm:pt>
   </dgm:ptLst>
   <dgm:cxnLst>
+    <dgm:cxn modelId="{94CE7770-D229-40FE-A284-EF60D251385A}" type="presOf" srcId="{B364EF9E-F858-4D49-A62C-958229F29D1B}" destId="{F2E29DEE-BECA-4981-B620-7C6DF346E374}" srcOrd="0" destOrd="3" presId="urn:microsoft.com/office/officeart/2005/8/layout/chevron2"/>
+    <dgm:cxn modelId="{17CDA29C-9267-44EE-8817-1675CD7BE8F9}" srcId="{3DF59592-B2BD-47ED-9D24-83AE4C294756}" destId="{AA1D61FA-B4B2-434C-B436-AAE286F81238}" srcOrd="1" destOrd="0" parTransId="{AE91A3F4-4CC6-44C2-AAC7-9DA3C37F8B67}" sibTransId="{0AFFBE19-38CB-4770-BA05-16F72F9BF1C0}"/>
+    <dgm:cxn modelId="{156FB8FA-122B-45ED-97E5-5B49A8171FDC}" srcId="{3DF59592-B2BD-47ED-9D24-83AE4C294756}" destId="{E6A6324E-F564-4DFF-A956-6D2255C6F589}" srcOrd="2" destOrd="0" parTransId="{769D9281-B1D8-4665-B1A7-32328DF3E092}" sibTransId="{7973DD35-6FCE-459A-8546-CD20B17F026D}"/>
     <dgm:cxn modelId="{2DC1FEC4-BEA4-42BE-AE52-52DF6CD770E3}" type="presOf" srcId="{A40F8762-30DB-4142-BDD3-FB6170A71FE1}" destId="{F2E29DEE-BECA-4981-B620-7C6DF346E374}" srcOrd="0" destOrd="0" presId="urn:microsoft.com/office/officeart/2005/8/layout/chevron2"/>
-    <dgm:cxn modelId="{17CDA29C-9267-44EE-8817-1675CD7BE8F9}" srcId="{3DF59592-B2BD-47ED-9D24-83AE4C294756}" destId="{AA1D61FA-B4B2-434C-B436-AAE286F81238}" srcOrd="1" destOrd="0" parTransId="{AE91A3F4-4CC6-44C2-AAC7-9DA3C37F8B67}" sibTransId="{0AFFBE19-38CB-4770-BA05-16F72F9BF1C0}"/>
+    <dgm:cxn modelId="{B548823B-A8E6-4335-A1BB-625E57BC9CE6}" type="presOf" srcId="{AA1D61FA-B4B2-434C-B436-AAE286F81238}" destId="{F2E29DEE-BECA-4981-B620-7C6DF346E374}" srcOrd="0" destOrd="1" presId="urn:microsoft.com/office/officeart/2005/8/layout/chevron2"/>
+    <dgm:cxn modelId="{28E5A7D5-F73B-473F-94C5-D7C00C77E353}" srcId="{3DF59592-B2BD-47ED-9D24-83AE4C294756}" destId="{A40F8762-30DB-4142-BDD3-FB6170A71FE1}" srcOrd="0" destOrd="0" parTransId="{41C80F1A-04F2-49F7-99DF-D9DEA69743C7}" sibTransId="{8B11C269-0019-4D08-96D5-B30C7587CFA5}"/>
+    <dgm:cxn modelId="{ECC3D906-418B-4E2C-A708-37591A2F5B22}" type="presOf" srcId="{093524FE-E3B3-4865-983C-400BCE47D5E5}" destId="{50D265E1-FEF5-4854-B8FB-3478B4333F44}" srcOrd="0" destOrd="0" presId="urn:microsoft.com/office/officeart/2005/8/layout/chevron2"/>
+    <dgm:cxn modelId="{8A263124-C366-4B0F-989E-8772BB84C7C5}" type="presOf" srcId="{3DF59592-B2BD-47ED-9D24-83AE4C294756}" destId="{6CF45A87-802D-4065-AF0E-7627B7938009}" srcOrd="0" destOrd="0" presId="urn:microsoft.com/office/officeart/2005/8/layout/chevron2"/>
     <dgm:cxn modelId="{8898B88A-9B14-4310-B621-5C06BA069D03}" srcId="{093524FE-E3B3-4865-983C-400BCE47D5E5}" destId="{3DF59592-B2BD-47ED-9D24-83AE4C294756}" srcOrd="0" destOrd="0" parTransId="{06D92DF6-1E8D-414F-8538-6CBB64B2F50F}" sibTransId="{29796FF1-27A4-4ED4-9A3C-DBCCEFEA5E67}"/>
-    <dgm:cxn modelId="{B548823B-A8E6-4335-A1BB-625E57BC9CE6}" type="presOf" srcId="{AA1D61FA-B4B2-434C-B436-AAE286F81238}" destId="{F2E29DEE-BECA-4981-B620-7C6DF346E374}" srcOrd="0" destOrd="1" presId="urn:microsoft.com/office/officeart/2005/8/layout/chevron2"/>
+    <dgm:cxn modelId="{BAB4B7E8-8734-4150-9184-7F9DA44BE76C}" srcId="{3DF59592-B2BD-47ED-9D24-83AE4C294756}" destId="{B364EF9E-F858-4D49-A62C-958229F29D1B}" srcOrd="3" destOrd="0" parTransId="{183BC083-B12A-41A5-9B8C-C4B788DCBD03}" sibTransId="{EBE1D170-D055-491F-87CD-FFEA044E18C4}"/>
     <dgm:cxn modelId="{A5850683-8241-444B-84F2-A4743511C89D}" type="presOf" srcId="{E6A6324E-F564-4DFF-A956-6D2255C6F589}" destId="{F2E29DEE-BECA-4981-B620-7C6DF346E374}" srcOrd="0" destOrd="2" presId="urn:microsoft.com/office/officeart/2005/8/layout/chevron2"/>
-    <dgm:cxn modelId="{28E5A7D5-F73B-473F-94C5-D7C00C77E353}" srcId="{3DF59592-B2BD-47ED-9D24-83AE4C294756}" destId="{A40F8762-30DB-4142-BDD3-FB6170A71FE1}" srcOrd="0" destOrd="0" parTransId="{41C80F1A-04F2-49F7-99DF-D9DEA69743C7}" sibTransId="{8B11C269-0019-4D08-96D5-B30C7587CFA5}"/>
-    <dgm:cxn modelId="{BAB4B7E8-8734-4150-9184-7F9DA44BE76C}" srcId="{3DF59592-B2BD-47ED-9D24-83AE4C294756}" destId="{B364EF9E-F858-4D49-A62C-958229F29D1B}" srcOrd="3" destOrd="0" parTransId="{183BC083-B12A-41A5-9B8C-C4B788DCBD03}" sibTransId="{EBE1D170-D055-491F-87CD-FFEA044E18C4}"/>
-    <dgm:cxn modelId="{94CE7770-D229-40FE-A284-EF60D251385A}" type="presOf" srcId="{B364EF9E-F858-4D49-A62C-958229F29D1B}" destId="{F2E29DEE-BECA-4981-B620-7C6DF346E374}" srcOrd="0" destOrd="3" presId="urn:microsoft.com/office/officeart/2005/8/layout/chevron2"/>
-    <dgm:cxn modelId="{8A263124-C366-4B0F-989E-8772BB84C7C5}" type="presOf" srcId="{3DF59592-B2BD-47ED-9D24-83AE4C294756}" destId="{6CF45A87-802D-4065-AF0E-7627B7938009}" srcOrd="0" destOrd="0" presId="urn:microsoft.com/office/officeart/2005/8/layout/chevron2"/>
-    <dgm:cxn modelId="{ECC3D906-418B-4E2C-A708-37591A2F5B22}" type="presOf" srcId="{093524FE-E3B3-4865-983C-400BCE47D5E5}" destId="{50D265E1-FEF5-4854-B8FB-3478B4333F44}" srcOrd="0" destOrd="0" presId="urn:microsoft.com/office/officeart/2005/8/layout/chevron2"/>
-    <dgm:cxn modelId="{156FB8FA-122B-45ED-97E5-5B49A8171FDC}" srcId="{3DF59592-B2BD-47ED-9D24-83AE4C294756}" destId="{E6A6324E-F564-4DFF-A956-6D2255C6F589}" srcOrd="2" destOrd="0" parTransId="{769D9281-B1D8-4665-B1A7-32328DF3E092}" sibTransId="{7973DD35-6FCE-459A-8546-CD20B17F026D}"/>
     <dgm:cxn modelId="{29A80712-9059-460C-A81C-F1C7513C80B7}" type="presParOf" srcId="{50D265E1-FEF5-4854-B8FB-3478B4333F44}" destId="{82A42BC6-745A-4845-9514-EF3287520BC8}" srcOrd="0" destOrd="0" presId="urn:microsoft.com/office/officeart/2005/8/layout/chevron2"/>
     <dgm:cxn modelId="{7F307F60-6DD1-4239-BBBD-E14EF20EB8FA}" type="presParOf" srcId="{82A42BC6-745A-4845-9514-EF3287520BC8}" destId="{6CF45A87-802D-4065-AF0E-7627B7938009}" srcOrd="0" destOrd="0" presId="urn:microsoft.com/office/officeart/2005/8/layout/chevron2"/>
     <dgm:cxn modelId="{CD2E3B15-CC08-4DE4-A3BA-804BE5B713DD}" type="presParOf" srcId="{82A42BC6-745A-4845-9514-EF3287520BC8}" destId="{F2E29DEE-BECA-4981-B620-7C6DF346E374}" srcOrd="1" destOrd="0" presId="urn:microsoft.com/office/officeart/2005/8/layout/chevron2"/>
@@ -15628,7 +15796,7 @@
   <dgm:whole/>
   <dgm:extLst>
     <a:ext uri="http://schemas.microsoft.com/office/drawing/2008/diagram">
-      <dsp:dataModelExt xmlns:dsp="http://schemas.microsoft.com/office/drawing/2008/diagram" xmlns="" relId="rId6" minVer="http://schemas.openxmlformats.org/drawingml/2006/diagram"/>
+      <dsp:dataModelExt xmlns:dsp="http://schemas.microsoft.com/office/drawing/2008/diagram" relId="rId6" minVer="http://schemas.openxmlformats.org/drawingml/2006/diagram"/>
     </a:ext>
   </dgm:extLst>
 </dgm:dataModel>
@@ -15816,13 +15984,13 @@
     </dgm:pt>
   </dgm:ptLst>
   <dgm:cxnLst>
-    <dgm:cxn modelId="{8898B88A-9B14-4310-B621-5C06BA069D03}" srcId="{093524FE-E3B3-4865-983C-400BCE47D5E5}" destId="{3DF59592-B2BD-47ED-9D24-83AE4C294756}" srcOrd="0" destOrd="0" parTransId="{06D92DF6-1E8D-414F-8538-6CBB64B2F50F}" sibTransId="{29796FF1-27A4-4ED4-9A3C-DBCCEFEA5E67}"/>
+    <dgm:cxn modelId="{28E5A7D5-F73B-473F-94C5-D7C00C77E353}" srcId="{3DF59592-B2BD-47ED-9D24-83AE4C294756}" destId="{A40F8762-30DB-4142-BDD3-FB6170A71FE1}" srcOrd="0" destOrd="0" parTransId="{41C80F1A-04F2-49F7-99DF-D9DEA69743C7}" sibTransId="{8B11C269-0019-4D08-96D5-B30C7587CFA5}"/>
+    <dgm:cxn modelId="{6FBD9029-AAC9-4C05-8185-0EE89CDA953D}" type="presOf" srcId="{093524FE-E3B3-4865-983C-400BCE47D5E5}" destId="{50D265E1-FEF5-4854-B8FB-3478B4333F44}" srcOrd="0" destOrd="0" presId="urn:microsoft.com/office/officeart/2005/8/layout/chevron2"/>
     <dgm:cxn modelId="{9F46630D-039B-463A-923C-3D9C450AB7B4}" type="presOf" srcId="{3DF59592-B2BD-47ED-9D24-83AE4C294756}" destId="{6CF45A87-802D-4065-AF0E-7627B7938009}" srcOrd="0" destOrd="0" presId="urn:microsoft.com/office/officeart/2005/8/layout/chevron2"/>
     <dgm:cxn modelId="{50875C2A-E740-4E6A-9474-20084E149C0F}" type="presOf" srcId="{B364EF9E-F858-4D49-A62C-958229F29D1B}" destId="{F2E29DEE-BECA-4981-B620-7C6DF346E374}" srcOrd="0" destOrd="1" presId="urn:microsoft.com/office/officeart/2005/8/layout/chevron2"/>
+    <dgm:cxn modelId="{8898B88A-9B14-4310-B621-5C06BA069D03}" srcId="{093524FE-E3B3-4865-983C-400BCE47D5E5}" destId="{3DF59592-B2BD-47ED-9D24-83AE4C294756}" srcOrd="0" destOrd="0" parTransId="{06D92DF6-1E8D-414F-8538-6CBB64B2F50F}" sibTransId="{29796FF1-27A4-4ED4-9A3C-DBCCEFEA5E67}"/>
+    <dgm:cxn modelId="{BAB4B7E8-8734-4150-9184-7F9DA44BE76C}" srcId="{3DF59592-B2BD-47ED-9D24-83AE4C294756}" destId="{B364EF9E-F858-4D49-A62C-958229F29D1B}" srcOrd="1" destOrd="0" parTransId="{183BC083-B12A-41A5-9B8C-C4B788DCBD03}" sibTransId="{EBE1D170-D055-491F-87CD-FFEA044E18C4}"/>
     <dgm:cxn modelId="{77220E9B-D1AE-4AF7-B5C6-323E97832F0C}" type="presOf" srcId="{A40F8762-30DB-4142-BDD3-FB6170A71FE1}" destId="{F2E29DEE-BECA-4981-B620-7C6DF346E374}" srcOrd="0" destOrd="0" presId="urn:microsoft.com/office/officeart/2005/8/layout/chevron2"/>
-    <dgm:cxn modelId="{28E5A7D5-F73B-473F-94C5-D7C00C77E353}" srcId="{3DF59592-B2BD-47ED-9D24-83AE4C294756}" destId="{A40F8762-30DB-4142-BDD3-FB6170A71FE1}" srcOrd="0" destOrd="0" parTransId="{41C80F1A-04F2-49F7-99DF-D9DEA69743C7}" sibTransId="{8B11C269-0019-4D08-96D5-B30C7587CFA5}"/>
-    <dgm:cxn modelId="{BAB4B7E8-8734-4150-9184-7F9DA44BE76C}" srcId="{3DF59592-B2BD-47ED-9D24-83AE4C294756}" destId="{B364EF9E-F858-4D49-A62C-958229F29D1B}" srcOrd="1" destOrd="0" parTransId="{183BC083-B12A-41A5-9B8C-C4B788DCBD03}" sibTransId="{EBE1D170-D055-491F-87CD-FFEA044E18C4}"/>
-    <dgm:cxn modelId="{6FBD9029-AAC9-4C05-8185-0EE89CDA953D}" type="presOf" srcId="{093524FE-E3B3-4865-983C-400BCE47D5E5}" destId="{50D265E1-FEF5-4854-B8FB-3478B4333F44}" srcOrd="0" destOrd="0" presId="urn:microsoft.com/office/officeart/2005/8/layout/chevron2"/>
     <dgm:cxn modelId="{902ACB04-9429-4424-91F7-063C773348E4}" type="presParOf" srcId="{50D265E1-FEF5-4854-B8FB-3478B4333F44}" destId="{82A42BC6-745A-4845-9514-EF3287520BC8}" srcOrd="0" destOrd="0" presId="urn:microsoft.com/office/officeart/2005/8/layout/chevron2"/>
     <dgm:cxn modelId="{B1152565-180E-4201-A97B-2506D7297947}" type="presParOf" srcId="{82A42BC6-745A-4845-9514-EF3287520BC8}" destId="{6CF45A87-802D-4065-AF0E-7627B7938009}" srcOrd="0" destOrd="0" presId="urn:microsoft.com/office/officeart/2005/8/layout/chevron2"/>
     <dgm:cxn modelId="{5DAB9EA6-D58E-48D0-B587-7524E345AFB3}" type="presParOf" srcId="{82A42BC6-745A-4845-9514-EF3287520BC8}" destId="{F2E29DEE-BECA-4981-B620-7C6DF346E374}" srcOrd="1" destOrd="0" presId="urn:microsoft.com/office/officeart/2005/8/layout/chevron2"/>
@@ -15831,7 +15999,7 @@
   <dgm:whole/>
   <dgm:extLst>
     <a:ext uri="http://schemas.microsoft.com/office/drawing/2008/diagram">
-      <dsp:dataModelExt xmlns:dsp="http://schemas.microsoft.com/office/drawing/2008/diagram" xmlns="" relId="rId6" minVer="http://schemas.openxmlformats.org/drawingml/2006/diagram"/>
+      <dsp:dataModelExt xmlns:dsp="http://schemas.microsoft.com/office/drawing/2008/diagram" relId="rId6" minVer="http://schemas.openxmlformats.org/drawingml/2006/diagram"/>
     </a:ext>
   </dgm:extLst>
 </dgm:dataModel>
@@ -16033,7 +16201,7 @@
   <dgm:whole/>
   <dgm:extLst>
     <a:ext uri="http://schemas.microsoft.com/office/drawing/2008/diagram">
-      <dsp:dataModelExt xmlns:dsp="http://schemas.microsoft.com/office/drawing/2008/diagram" xmlns="" relId="rId6" minVer="http://schemas.openxmlformats.org/drawingml/2006/diagram"/>
+      <dsp:dataModelExt xmlns:dsp="http://schemas.microsoft.com/office/drawing/2008/diagram" relId="rId6" minVer="http://schemas.openxmlformats.org/drawingml/2006/diagram"/>
     </a:ext>
   </dgm:extLst>
 </dgm:dataModel>
@@ -16196,7 +16364,7 @@
   <dgm:whole/>
   <dgm:extLst>
     <a:ext uri="http://schemas.microsoft.com/office/drawing/2008/diagram">
-      <dsp:dataModelExt xmlns:dsp="http://schemas.microsoft.com/office/drawing/2008/diagram" xmlns="" relId="rId6" minVer="http://schemas.openxmlformats.org/drawingml/2006/diagram"/>
+      <dsp:dataModelExt xmlns:dsp="http://schemas.microsoft.com/office/drawing/2008/diagram" relId="rId6" minVer="http://schemas.openxmlformats.org/drawingml/2006/diagram"/>
     </a:ext>
   </dgm:extLst>
 </dgm:dataModel>
@@ -16217,7 +16385,7 @@
       </dgm:t>
     </dgm:pt>
     <dgm:pt modelId="{C84195DB-62FE-4F50-905C-42E815CFFEA2}">
-      <dgm:prSet/>
+      <dgm:prSet custT="1"/>
       <dgm:spPr/>
       <dgm:t>
         <a:bodyPr/>
@@ -16225,10 +16393,10 @@
         <a:p>
           <a:pPr rtl="0"/>
           <a:r>
-            <a:rPr lang="es-ES_tradnl" b="1" dirty="0" smtClean="0"/>
+            <a:rPr lang="es-ES_tradnl" sz="1400" b="1" dirty="0" smtClean="0"/>
             <a:t>Preparación de la reunión: </a:t>
           </a:r>
-          <a:endParaRPr lang="es-CO" dirty="0"/>
+          <a:endParaRPr lang="es-CO" sz="1400" dirty="0"/>
         </a:p>
       </dgm:t>
     </dgm:pt>
@@ -16255,7 +16423,7 @@
       </dgm:t>
     </dgm:pt>
     <dgm:pt modelId="{2D1A4ADB-668A-434A-A533-E925B9E93A6F}">
-      <dgm:prSet/>
+      <dgm:prSet custT="1"/>
       <dgm:spPr/>
       <dgm:t>
         <a:bodyPr/>
@@ -16263,10 +16431,10 @@
         <a:p>
           <a:pPr rtl="0"/>
           <a:r>
-            <a:rPr lang="es-ES_tradnl" b="1" dirty="0" smtClean="0"/>
+            <a:rPr lang="es-ES_tradnl" sz="1400" b="1" dirty="0" smtClean="0"/>
             <a:t>Reporte de estado actual de las tareas</a:t>
           </a:r>
-          <a:endParaRPr lang="es-CO" b="1" dirty="0"/>
+          <a:endParaRPr lang="es-CO" sz="1400" b="1" dirty="0"/>
         </a:p>
       </dgm:t>
     </dgm:pt>
@@ -16293,7 +16461,7 @@
       </dgm:t>
     </dgm:pt>
     <dgm:pt modelId="{E137D600-6A26-440D-989A-DB5459694D55}">
-      <dgm:prSet/>
+      <dgm:prSet custT="1"/>
       <dgm:spPr/>
       <dgm:t>
         <a:bodyPr/>
@@ -16301,10 +16469,10 @@
         <a:p>
           <a:pPr rtl="0"/>
           <a:r>
-            <a:rPr lang="es-ES_tradnl" b="1" dirty="0" smtClean="0"/>
+            <a:rPr lang="es-ES_tradnl" sz="1400" b="1" dirty="0" smtClean="0"/>
             <a:t>Revisión de los formatos diligenciados</a:t>
           </a:r>
-          <a:endParaRPr lang="es-CO" b="1" dirty="0"/>
+          <a:endParaRPr lang="es-CO" sz="1400" b="1" dirty="0"/>
         </a:p>
       </dgm:t>
     </dgm:pt>
@@ -16407,7 +16575,7 @@
       </dgm:t>
     </dgm:pt>
     <dgm:pt modelId="{F496AC6A-824C-416A-9BA0-F43D530187DE}">
-      <dgm:prSet/>
+      <dgm:prSet custT="1"/>
       <dgm:spPr/>
       <dgm:t>
         <a:bodyPr/>
@@ -16415,10 +16583,10 @@
         <a:p>
           <a:pPr rtl="0"/>
           <a:r>
-            <a:rPr lang="es-ES_tradnl" b="1" dirty="0" smtClean="0"/>
+            <a:rPr lang="es-ES_tradnl" sz="1400" b="1" dirty="0" smtClean="0"/>
             <a:t>Metas de la semana</a:t>
           </a:r>
-          <a:endParaRPr lang="es-CO" b="1" dirty="0"/>
+          <a:endParaRPr lang="es-CO" sz="1400" b="1" dirty="0"/>
         </a:p>
       </dgm:t>
     </dgm:pt>
@@ -16535,7 +16703,7 @@
       </dgm:t>
     </dgm:pt>
     <dgm:pt modelId="{6F22ACFE-F825-4A36-B67C-509DDCD63963}" type="pres">
-      <dgm:prSet presAssocID="{E137D600-6A26-440D-989A-DB5459694D55}" presName="node" presStyleLbl="node1" presStyleIdx="2" presStyleCnt="6">
+      <dgm:prSet presAssocID="{E137D600-6A26-440D-989A-DB5459694D55}" presName="node" presStyleLbl="node1" presStyleIdx="2" presStyleCnt="6" custScaleX="126057">
         <dgm:presLayoutVars>
           <dgm:bulletEnabled val="1"/>
         </dgm:presLayoutVars>
@@ -16684,31 +16852,31 @@
     </dgm:pt>
   </dgm:ptLst>
   <dgm:cxnLst>
-    <dgm:cxn modelId="{450622D3-A783-43D3-A304-152DB8675835}" srcId="{50DB4B39-BE6C-461F-84FB-27D61EF8A551}" destId="{C84195DB-62FE-4F50-905C-42E815CFFEA2}" srcOrd="0" destOrd="0" parTransId="{E847E821-77C6-45C2-8B02-234EE8856263}" sibTransId="{EA2F152B-F450-44AD-9C2F-BCEBA15F80E5}"/>
-    <dgm:cxn modelId="{93F82146-EDB5-4526-B57A-C4FD17E1535E}" type="presOf" srcId="{EA2F152B-F450-44AD-9C2F-BCEBA15F80E5}" destId="{34C20B9A-B85F-47CA-9551-8C29889EF3D6}" srcOrd="1" destOrd="0" presId="urn:microsoft.com/office/officeart/2005/8/layout/cycle2"/>
-    <dgm:cxn modelId="{F610CAEC-38FF-42F8-B309-EDFB420E4069}" type="presOf" srcId="{B08F5B9A-EA08-463E-884F-D052F0C59D03}" destId="{A309B455-1C31-4131-AE8A-6143EDCD3EDA}" srcOrd="1" destOrd="0" presId="urn:microsoft.com/office/officeart/2005/8/layout/cycle2"/>
-    <dgm:cxn modelId="{030E7601-1A7A-4787-9C38-B2B5584A0602}" type="presOf" srcId="{CDD37ECA-7EED-4D91-B612-A85A13217813}" destId="{15D65290-97A2-4DED-8BBB-7F23771450A2}" srcOrd="0" destOrd="0" presId="urn:microsoft.com/office/officeart/2005/8/layout/cycle2"/>
-    <dgm:cxn modelId="{7405E789-9278-4B70-A5ED-DF51D4A784CD}" srcId="{50DB4B39-BE6C-461F-84FB-27D61EF8A551}" destId="{2D1A4ADB-668A-434A-A533-E925B9E93A6F}" srcOrd="1" destOrd="0" parTransId="{5B799D6E-F596-4C94-A2AA-D3CC897FAB6A}" sibTransId="{B08F5B9A-EA08-463E-884F-D052F0C59D03}"/>
-    <dgm:cxn modelId="{D2DC034F-AF78-4EC8-8D48-31715B255F22}" type="presOf" srcId="{344DB165-6DC8-4470-9D89-883DFE75289B}" destId="{620F6A9A-26A9-4FD5-8DCE-C90B1FE6DDD4}" srcOrd="0" destOrd="0" presId="urn:microsoft.com/office/officeart/2005/8/layout/cycle2"/>
-    <dgm:cxn modelId="{544284DA-657C-42AF-B4F5-E1160F87F8D4}" type="presOf" srcId="{58C789B5-8D50-44B2-925A-ECBB6C183E51}" destId="{A552C984-3902-4193-A5B5-E06FE74E66CD}" srcOrd="0" destOrd="0" presId="urn:microsoft.com/office/officeart/2005/8/layout/cycle2"/>
-    <dgm:cxn modelId="{10F93F39-7BAD-4A13-8BA4-5042A96EB5A4}" srcId="{50DB4B39-BE6C-461F-84FB-27D61EF8A551}" destId="{CDD37ECA-7EED-4D91-B612-A85A13217813}" srcOrd="3" destOrd="0" parTransId="{31824B11-B1BA-4BB4-8C67-B0A9ED155A18}" sibTransId="{344DB165-6DC8-4470-9D89-883DFE75289B}"/>
-    <dgm:cxn modelId="{80CE205A-41FA-4BC9-875A-67D548B7082F}" type="presOf" srcId="{344DB165-6DC8-4470-9D89-883DFE75289B}" destId="{19E9DBF5-15DD-40A0-AE39-61612793489A}" srcOrd="1" destOrd="0" presId="urn:microsoft.com/office/officeart/2005/8/layout/cycle2"/>
-    <dgm:cxn modelId="{2D29C3DA-F03C-4F25-8DCE-C05879D9CD35}" type="presOf" srcId="{C84195DB-62FE-4F50-905C-42E815CFFEA2}" destId="{BF06DC97-CF60-4893-BF39-B239AA2A8BC9}" srcOrd="0" destOrd="0" presId="urn:microsoft.com/office/officeart/2005/8/layout/cycle2"/>
-    <dgm:cxn modelId="{D05D58F6-EB4B-493E-AD4A-D42A7CE36A1D}" type="presOf" srcId="{E137D600-6A26-440D-989A-DB5459694D55}" destId="{6F22ACFE-F825-4A36-B67C-509DDCD63963}" srcOrd="0" destOrd="0" presId="urn:microsoft.com/office/officeart/2005/8/layout/cycle2"/>
-    <dgm:cxn modelId="{29813950-5547-41F2-AF12-AD7F5EE20793}" type="presOf" srcId="{B94AE923-E50B-4921-8AEC-9E54ECC137AA}" destId="{29EDB6DA-9227-443F-8726-9C473BDD789D}" srcOrd="0" destOrd="0" presId="urn:microsoft.com/office/officeart/2005/8/layout/cycle2"/>
-    <dgm:cxn modelId="{200595B9-34DC-4DF7-8D5C-29F5238C9689}" type="presOf" srcId="{4730D298-D870-468E-B4E1-5CFDC608CE6D}" destId="{1A21CDC5-A6F1-4D78-A5CA-13047BF133AA}" srcOrd="0" destOrd="0" presId="urn:microsoft.com/office/officeart/2005/8/layout/cycle2"/>
-    <dgm:cxn modelId="{46275205-A999-43A5-8F87-47040DEE90A5}" type="presOf" srcId="{67F415D5-7432-4432-872F-4FE189F444E1}" destId="{FE1ABDDC-F5EC-46CB-A335-D045A7AE8260}" srcOrd="1" destOrd="0" presId="urn:microsoft.com/office/officeart/2005/8/layout/cycle2"/>
     <dgm:cxn modelId="{A0931FA6-C417-4049-A0D6-9AD81E9B7609}" srcId="{50DB4B39-BE6C-461F-84FB-27D61EF8A551}" destId="{B94AE923-E50B-4921-8AEC-9E54ECC137AA}" srcOrd="4" destOrd="0" parTransId="{C0798201-CED6-4F53-B47C-F71D1E9903F2}" sibTransId="{4730D298-D870-468E-B4E1-5CFDC608CE6D}"/>
     <dgm:cxn modelId="{01B3E429-99B0-4ED9-9EEF-CCD9A5337329}" type="presOf" srcId="{4730D298-D870-468E-B4E1-5CFDC608CE6D}" destId="{6598127F-4445-4A0D-9640-14AB5074E9D4}" srcOrd="1" destOrd="0" presId="urn:microsoft.com/office/officeart/2005/8/layout/cycle2"/>
+    <dgm:cxn modelId="{450622D3-A783-43D3-A304-152DB8675835}" srcId="{50DB4B39-BE6C-461F-84FB-27D61EF8A551}" destId="{C84195DB-62FE-4F50-905C-42E815CFFEA2}" srcOrd="0" destOrd="0" parTransId="{E847E821-77C6-45C2-8B02-234EE8856263}" sibTransId="{EA2F152B-F450-44AD-9C2F-BCEBA15F80E5}"/>
+    <dgm:cxn modelId="{03BEB315-547B-45CE-A373-AF0CDDEE622A}" type="presOf" srcId="{2D1A4ADB-668A-434A-A533-E925B9E93A6F}" destId="{41E1DD25-0130-429E-AA51-100827539138}" srcOrd="0" destOrd="0" presId="urn:microsoft.com/office/officeart/2005/8/layout/cycle2"/>
+    <dgm:cxn modelId="{200595B9-34DC-4DF7-8D5C-29F5238C9689}" type="presOf" srcId="{4730D298-D870-468E-B4E1-5CFDC608CE6D}" destId="{1A21CDC5-A6F1-4D78-A5CA-13047BF133AA}" srcOrd="0" destOrd="0" presId="urn:microsoft.com/office/officeart/2005/8/layout/cycle2"/>
+    <dgm:cxn modelId="{723B491C-7495-4730-A30F-7CEC76BE5701}" type="presOf" srcId="{50DB4B39-BE6C-461F-84FB-27D61EF8A551}" destId="{6828005C-DF71-4399-B96F-302D34FB6C9C}" srcOrd="0" destOrd="0" presId="urn:microsoft.com/office/officeart/2005/8/layout/cycle2"/>
+    <dgm:cxn modelId="{62589207-D862-4ABD-975B-C83B67DB6370}" type="presOf" srcId="{F496AC6A-824C-416A-9BA0-F43D530187DE}" destId="{712B1D9D-C6E3-47DC-8575-CD9F70B8F794}" srcOrd="0" destOrd="0" presId="urn:microsoft.com/office/officeart/2005/8/layout/cycle2"/>
+    <dgm:cxn modelId="{F610CAEC-38FF-42F8-B309-EDFB420E4069}" type="presOf" srcId="{B08F5B9A-EA08-463E-884F-D052F0C59D03}" destId="{A309B455-1C31-4131-AE8A-6143EDCD3EDA}" srcOrd="1" destOrd="0" presId="urn:microsoft.com/office/officeart/2005/8/layout/cycle2"/>
     <dgm:cxn modelId="{720B5F59-634A-4145-BD19-46F85A7A0C89}" type="presOf" srcId="{58C789B5-8D50-44B2-925A-ECBB6C183E51}" destId="{66D05743-A679-4F77-AC89-E801528685C1}" srcOrd="1" destOrd="0" presId="urn:microsoft.com/office/officeart/2005/8/layout/cycle2"/>
-    <dgm:cxn modelId="{62589207-D862-4ABD-975B-C83B67DB6370}" type="presOf" srcId="{F496AC6A-824C-416A-9BA0-F43D530187DE}" destId="{712B1D9D-C6E3-47DC-8575-CD9F70B8F794}" srcOrd="0" destOrd="0" presId="urn:microsoft.com/office/officeart/2005/8/layout/cycle2"/>
     <dgm:cxn modelId="{1E560366-FF4F-4C49-8ADE-EB703BB0B3A8}" type="presOf" srcId="{67F415D5-7432-4432-872F-4FE189F444E1}" destId="{A229A788-4605-49AD-B0B2-0DF9D9D1038C}" srcOrd="0" destOrd="0" presId="urn:microsoft.com/office/officeart/2005/8/layout/cycle2"/>
+    <dgm:cxn modelId="{544284DA-657C-42AF-B4F5-E1160F87F8D4}" type="presOf" srcId="{58C789B5-8D50-44B2-925A-ECBB6C183E51}" destId="{A552C984-3902-4193-A5B5-E06FE74E66CD}" srcOrd="0" destOrd="0" presId="urn:microsoft.com/office/officeart/2005/8/layout/cycle2"/>
+    <dgm:cxn modelId="{030E7601-1A7A-4787-9C38-B2B5584A0602}" type="presOf" srcId="{CDD37ECA-7EED-4D91-B612-A85A13217813}" destId="{15D65290-97A2-4DED-8BBB-7F23771450A2}" srcOrd="0" destOrd="0" presId="urn:microsoft.com/office/officeart/2005/8/layout/cycle2"/>
+    <dgm:cxn modelId="{93F82146-EDB5-4526-B57A-C4FD17E1535E}" type="presOf" srcId="{EA2F152B-F450-44AD-9C2F-BCEBA15F80E5}" destId="{34C20B9A-B85F-47CA-9551-8C29889EF3D6}" srcOrd="1" destOrd="0" presId="urn:microsoft.com/office/officeart/2005/8/layout/cycle2"/>
+    <dgm:cxn modelId="{10F93F39-7BAD-4A13-8BA4-5042A96EB5A4}" srcId="{50DB4B39-BE6C-461F-84FB-27D61EF8A551}" destId="{CDD37ECA-7EED-4D91-B612-A85A13217813}" srcOrd="3" destOrd="0" parTransId="{31824B11-B1BA-4BB4-8C67-B0A9ED155A18}" sibTransId="{344DB165-6DC8-4470-9D89-883DFE75289B}"/>
+    <dgm:cxn modelId="{46275205-A999-43A5-8F87-47040DEE90A5}" type="presOf" srcId="{67F415D5-7432-4432-872F-4FE189F444E1}" destId="{FE1ABDDC-F5EC-46CB-A335-D045A7AE8260}" srcOrd="1" destOrd="0" presId="urn:microsoft.com/office/officeart/2005/8/layout/cycle2"/>
+    <dgm:cxn modelId="{29813950-5547-41F2-AF12-AD7F5EE20793}" type="presOf" srcId="{B94AE923-E50B-4921-8AEC-9E54ECC137AA}" destId="{29EDB6DA-9227-443F-8726-9C473BDD789D}" srcOrd="0" destOrd="0" presId="urn:microsoft.com/office/officeart/2005/8/layout/cycle2"/>
+    <dgm:cxn modelId="{DADC2348-546B-4130-B85E-BCE26296BF88}" type="presOf" srcId="{EA2F152B-F450-44AD-9C2F-BCEBA15F80E5}" destId="{E5548B05-9AD4-41DA-A6E5-16ACEDFCFBC8}" srcOrd="0" destOrd="0" presId="urn:microsoft.com/office/officeart/2005/8/layout/cycle2"/>
+    <dgm:cxn modelId="{D05D58F6-EB4B-493E-AD4A-D42A7CE36A1D}" type="presOf" srcId="{E137D600-6A26-440D-989A-DB5459694D55}" destId="{6F22ACFE-F825-4A36-B67C-509DDCD63963}" srcOrd="0" destOrd="0" presId="urn:microsoft.com/office/officeart/2005/8/layout/cycle2"/>
+    <dgm:cxn modelId="{2D29C3DA-F03C-4F25-8DCE-C05879D9CD35}" type="presOf" srcId="{C84195DB-62FE-4F50-905C-42E815CFFEA2}" destId="{BF06DC97-CF60-4893-BF39-B239AA2A8BC9}" srcOrd="0" destOrd="0" presId="urn:microsoft.com/office/officeart/2005/8/layout/cycle2"/>
     <dgm:cxn modelId="{B9ABDE86-3BB6-4269-A4CB-701A5290367C}" type="presOf" srcId="{B08F5B9A-EA08-463E-884F-D052F0C59D03}" destId="{1AFFD44B-1ED8-4740-B2F7-5E24A8D484C1}" srcOrd="0" destOrd="0" presId="urn:microsoft.com/office/officeart/2005/8/layout/cycle2"/>
-    <dgm:cxn modelId="{03BEB315-547B-45CE-A373-AF0CDDEE622A}" type="presOf" srcId="{2D1A4ADB-668A-434A-A533-E925B9E93A6F}" destId="{41E1DD25-0130-429E-AA51-100827539138}" srcOrd="0" destOrd="0" presId="urn:microsoft.com/office/officeart/2005/8/layout/cycle2"/>
+    <dgm:cxn modelId="{94256D10-1552-4FB0-AE20-B9F9A5B4D376}" srcId="{50DB4B39-BE6C-461F-84FB-27D61EF8A551}" destId="{F496AC6A-824C-416A-9BA0-F43D530187DE}" srcOrd="5" destOrd="0" parTransId="{8C0B4EDC-BCF5-4B40-9BDB-9736D9564326}" sibTransId="{67F415D5-7432-4432-872F-4FE189F444E1}"/>
+    <dgm:cxn modelId="{D2DC034F-AF78-4EC8-8D48-31715B255F22}" type="presOf" srcId="{344DB165-6DC8-4470-9D89-883DFE75289B}" destId="{620F6A9A-26A9-4FD5-8DCE-C90B1FE6DDD4}" srcOrd="0" destOrd="0" presId="urn:microsoft.com/office/officeart/2005/8/layout/cycle2"/>
     <dgm:cxn modelId="{D0B5F112-06CE-473E-ABE2-79A24CBC06A5}" srcId="{50DB4B39-BE6C-461F-84FB-27D61EF8A551}" destId="{E137D600-6A26-440D-989A-DB5459694D55}" srcOrd="2" destOrd="0" parTransId="{6F261EA7-2B1E-4AE9-9EC8-FBF4C433F991}" sibTransId="{58C789B5-8D50-44B2-925A-ECBB6C183E51}"/>
-    <dgm:cxn modelId="{723B491C-7495-4730-A30F-7CEC76BE5701}" type="presOf" srcId="{50DB4B39-BE6C-461F-84FB-27D61EF8A551}" destId="{6828005C-DF71-4399-B96F-302D34FB6C9C}" srcOrd="0" destOrd="0" presId="urn:microsoft.com/office/officeart/2005/8/layout/cycle2"/>
-    <dgm:cxn modelId="{DADC2348-546B-4130-B85E-BCE26296BF88}" type="presOf" srcId="{EA2F152B-F450-44AD-9C2F-BCEBA15F80E5}" destId="{E5548B05-9AD4-41DA-A6E5-16ACEDFCFBC8}" srcOrd="0" destOrd="0" presId="urn:microsoft.com/office/officeart/2005/8/layout/cycle2"/>
-    <dgm:cxn modelId="{94256D10-1552-4FB0-AE20-B9F9A5B4D376}" srcId="{50DB4B39-BE6C-461F-84FB-27D61EF8A551}" destId="{F496AC6A-824C-416A-9BA0-F43D530187DE}" srcOrd="5" destOrd="0" parTransId="{8C0B4EDC-BCF5-4B40-9BDB-9736D9564326}" sibTransId="{67F415D5-7432-4432-872F-4FE189F444E1}"/>
+    <dgm:cxn modelId="{7405E789-9278-4B70-A5ED-DF51D4A784CD}" srcId="{50DB4B39-BE6C-461F-84FB-27D61EF8A551}" destId="{2D1A4ADB-668A-434A-A533-E925B9E93A6F}" srcOrd="1" destOrd="0" parTransId="{5B799D6E-F596-4C94-A2AA-D3CC897FAB6A}" sibTransId="{B08F5B9A-EA08-463E-884F-D052F0C59D03}"/>
+    <dgm:cxn modelId="{80CE205A-41FA-4BC9-875A-67D548B7082F}" type="presOf" srcId="{344DB165-6DC8-4470-9D89-883DFE75289B}" destId="{19E9DBF5-15DD-40A0-AE39-61612793489A}" srcOrd="1" destOrd="0" presId="urn:microsoft.com/office/officeart/2005/8/layout/cycle2"/>
     <dgm:cxn modelId="{B2ABA91D-F819-4ADB-9058-5CCE8B5EF234}" type="presParOf" srcId="{6828005C-DF71-4399-B96F-302D34FB6C9C}" destId="{BF06DC97-CF60-4893-BF39-B239AA2A8BC9}" srcOrd="0" destOrd="0" presId="urn:microsoft.com/office/officeart/2005/8/layout/cycle2"/>
     <dgm:cxn modelId="{5C2B51B9-CD01-420C-9E4B-8682C9CA9971}" type="presParOf" srcId="{6828005C-DF71-4399-B96F-302D34FB6C9C}" destId="{E5548B05-9AD4-41DA-A6E5-16ACEDFCFBC8}" srcOrd="1" destOrd="0" presId="urn:microsoft.com/office/officeart/2005/8/layout/cycle2"/>
     <dgm:cxn modelId="{8368CA05-FA8D-4F89-9E49-94E755534041}" type="presParOf" srcId="{E5548B05-9AD4-41DA-A6E5-16ACEDFCFBC8}" destId="{34C20B9A-B85F-47CA-9551-8C29889EF3D6}" srcOrd="0" destOrd="0" presId="urn:microsoft.com/office/officeart/2005/8/layout/cycle2"/>
@@ -16732,14 +16900,14 @@
   <dgm:whole/>
   <dgm:extLst>
     <a:ext uri="http://schemas.microsoft.com/office/drawing/2008/diagram">
-      <dsp:dataModelExt xmlns:dsp="http://schemas.microsoft.com/office/drawing/2008/diagram" xmlns="" relId="rId6" minVer="http://schemas.openxmlformats.org/drawingml/2006/diagram"/>
+      <dsp:dataModelExt xmlns:dsp="http://schemas.microsoft.com/office/drawing/2008/diagram" relId="rId6" minVer="http://schemas.openxmlformats.org/drawingml/2006/diagram"/>
     </a:ext>
   </dgm:extLst>
 </dgm:dataModel>
 </file>
 
 <file path=ppt/diagrams/drawing1.xml><?xml version="1.0" encoding="utf-8"?>
-<dsp:drawing xmlns:dgm="http://schemas.openxmlformats.org/drawingml/2006/diagram" xmlns:a="http://schemas.openxmlformats.org/drawingml/2006/main" xmlns:dsp="http://schemas.microsoft.com/office/drawing/2008/diagram">
+<dsp:drawing xmlns:dgm="http://schemas.openxmlformats.org/drawingml/2006/diagram" xmlns:dsp="http://schemas.microsoft.com/office/drawing/2008/diagram" xmlns:a="http://schemas.openxmlformats.org/drawingml/2006/main">
   <dsp:spTree>
     <dsp:nvGrpSpPr>
       <dsp:cNvPr id="0" name=""/>
@@ -16813,18 +16981,22 @@
           </a:pPr>
           <a:r>
             <a:rPr lang="es-ES_tradnl" sz="2600" b="1" kern="1200" dirty="0" smtClean="0"/>
-            <a:t>Un contador de cambio es una herramienta de software para contar el tamaño de un programa. Cuando se modifican o desarrollan programas en varios ciclos, es importante conocer  cuantas líneas de código (LOC) fueron adicionadas, eliminadas, o modificadas entre las versiones del programa</a:t>
+            <a:t>Un contador de </a:t>
           </a:r>
           <a:r>
-            <a:rPr lang="es-ES_tradnl" sz="2600" b="1" kern="1200" smtClean="0"/>
-            <a:t>. </a:t>
+            <a:rPr lang="es-ES_tradnl" sz="2600" b="1" kern="1200" dirty="0" smtClean="0"/>
+            <a:t>cambio, </a:t>
+          </a:r>
+          <a:r>
+            <a:rPr lang="es-ES_tradnl" sz="2600" b="1" kern="1200" dirty="0" smtClean="0"/>
+            <a:t>es una herramienta de software para contar el tamaño de un programa. Cuando se modifican o desarrollan programas en varios ciclos, es importante conocer  cuantas líneas de código (LOC) fueron adicionadas, eliminadas, o modificadas entre las versiones del programa. </a:t>
           </a:r>
           <a:endParaRPr lang="es-CO" sz="2600" b="1" kern="1200" dirty="0"/>
         </a:p>
       </dsp:txBody>
       <dsp:txXfrm>
-        <a:off x="0" y="218250"/>
-        <a:ext cx="8229600" cy="3772080"/>
+        <a:off x="184138" y="402388"/>
+        <a:ext cx="7861324" cy="3403804"/>
       </dsp:txXfrm>
     </dsp:sp>
   </dsp:spTree>
@@ -16832,7 +17004,7 @@
 </file>
 
 <file path=ppt/diagrams/drawing10.xml><?xml version="1.0" encoding="utf-8"?>
-<dsp:drawing xmlns:dgm="http://schemas.openxmlformats.org/drawingml/2006/diagram" xmlns:a="http://schemas.openxmlformats.org/drawingml/2006/main" xmlns:dsp="http://schemas.microsoft.com/office/drawing/2008/diagram">
+<dsp:drawing xmlns:dgm="http://schemas.openxmlformats.org/drawingml/2006/diagram" xmlns:dsp="http://schemas.microsoft.com/office/drawing/2008/diagram" xmlns:a="http://schemas.openxmlformats.org/drawingml/2006/main">
   <dsp:spTree>
     <dsp:nvGrpSpPr>
       <dsp:cNvPr id="0" name=""/>
@@ -17162,7 +17334,15 @@
           </a:pPr>
           <a:r>
             <a:rPr lang="es-ES" sz="1600" b="1" kern="1200" dirty="0" smtClean="0"/>
-            <a:t>Identificar los LOC adicionadas y eliminadas en el programa</a:t>
+            <a:t>Identificar </a:t>
+          </a:r>
+          <a:r>
+            <a:rPr lang="es-ES" sz="1600" b="1" kern="1200" dirty="0" smtClean="0"/>
+            <a:t>LOC </a:t>
+          </a:r>
+          <a:r>
+            <a:rPr lang="es-ES" sz="1600" b="1" kern="1200" dirty="0" smtClean="0"/>
+            <a:t>adicionadas y eliminadas en el programa</a:t>
           </a:r>
           <a:endParaRPr lang="es-CO" sz="1600" b="1" kern="1200" dirty="0"/>
         </a:p>
@@ -17384,7 +17564,15 @@
           </a:pPr>
           <a:r>
             <a:rPr lang="es-CO" sz="1600" b="1" kern="1200" dirty="0" smtClean="0"/>
-            <a:t>Contar el LOC total en el programa modificado</a:t>
+            <a:t>Contar </a:t>
+          </a:r>
+          <a:r>
+            <a:rPr lang="es-CO" sz="1600" b="1" kern="1200" dirty="0" smtClean="0"/>
+            <a:t>LOC </a:t>
+          </a:r>
+          <a:r>
+            <a:rPr lang="es-CO" sz="1600" b="1" kern="1200" dirty="0" smtClean="0"/>
+            <a:t>total en el programa modificado</a:t>
           </a:r>
           <a:endParaRPr lang="es-CO" sz="1600" b="1" kern="1200" dirty="0"/>
         </a:p>
@@ -17617,7 +17805,7 @@
 </file>
 
 <file path=ppt/diagrams/drawing11.xml><?xml version="1.0" encoding="utf-8"?>
-<dsp:drawing xmlns:dgm="http://schemas.openxmlformats.org/drawingml/2006/diagram" xmlns:a="http://schemas.openxmlformats.org/drawingml/2006/main" xmlns:dsp="http://schemas.microsoft.com/office/drawing/2008/diagram">
+<dsp:drawing xmlns:dgm="http://schemas.openxmlformats.org/drawingml/2006/diagram" xmlns:dsp="http://schemas.microsoft.com/office/drawing/2008/diagram" xmlns:a="http://schemas.openxmlformats.org/drawingml/2006/main">
   <dsp:spTree>
     <dsp:nvGrpSpPr>
       <dsp:cNvPr id="0" name=""/>
@@ -17739,14 +17927,22 @@
           </a:pPr>
           <a:r>
             <a:rPr lang="es-ES" sz="1500" b="1" kern="1200" dirty="0" smtClean="0"/>
-            <a:t>Identificar los LOC adicionadas y eliminadas en el programa</a:t>
+            <a:t>Identificar </a:t>
+          </a:r>
+          <a:r>
+            <a:rPr lang="es-ES" sz="1500" b="1" kern="1200" dirty="0" smtClean="0"/>
+            <a:t>LOC </a:t>
+          </a:r>
+          <a:r>
+            <a:rPr lang="es-ES" sz="1500" b="1" kern="1200" dirty="0" smtClean="0"/>
+            <a:t>adicionadas y eliminadas en el programa</a:t>
           </a:r>
           <a:endParaRPr lang="es-CO" sz="1500" b="1" kern="1200" dirty="0"/>
         </a:p>
       </dsp:txBody>
       <dsp:txXfrm>
-        <a:off x="3775352" y="455027"/>
-        <a:ext cx="2941875" cy="1071380"/>
+        <a:off x="3827652" y="507327"/>
+        <a:ext cx="2837275" cy="966780"/>
       </dsp:txXfrm>
     </dsp:sp>
     <dsp:sp modelId="{A427D1FB-1510-4195-85E5-CB5C0B407471}">
@@ -17821,8 +18017,8 @@
         </a:p>
       </dsp:txBody>
       <dsp:txXfrm>
-        <a:off x="3775352" y="1660330"/>
-        <a:ext cx="2941875" cy="1071380"/>
+        <a:off x="3827652" y="1712630"/>
+        <a:ext cx="2837275" cy="966780"/>
       </dsp:txXfrm>
     </dsp:sp>
     <dsp:sp modelId="{FF2145F5-6F5C-41F1-8EB0-29148E104AD9}">
@@ -17897,8 +18093,8 @@
         </a:p>
       </dsp:txBody>
       <dsp:txXfrm>
-        <a:off x="3775352" y="2865632"/>
-        <a:ext cx="2941875" cy="1071380"/>
+        <a:off x="3827652" y="2917932"/>
+        <a:ext cx="2837275" cy="966780"/>
       </dsp:txXfrm>
     </dsp:sp>
   </dsp:spTree>
@@ -17906,7 +18102,7 @@
 </file>
 
 <file path=ppt/diagrams/drawing12.xml><?xml version="1.0" encoding="utf-8"?>
-<dsp:drawing xmlns:dgm="http://schemas.openxmlformats.org/drawingml/2006/diagram" xmlns:a="http://schemas.openxmlformats.org/drawingml/2006/main" xmlns:dsp="http://schemas.microsoft.com/office/drawing/2008/diagram">
+<dsp:drawing xmlns:dgm="http://schemas.openxmlformats.org/drawingml/2006/diagram" xmlns:dsp="http://schemas.microsoft.com/office/drawing/2008/diagram" xmlns:a="http://schemas.openxmlformats.org/drawingml/2006/main">
   <dsp:spTree>
     <dsp:nvGrpSpPr>
       <dsp:cNvPr id="0" name=""/>
@@ -17986,8 +18182,8 @@
         </a:p>
       </dsp:txBody>
       <dsp:txXfrm>
-        <a:off x="0" y="358041"/>
-        <a:ext cx="8229600" cy="911430"/>
+        <a:off x="44492" y="402533"/>
+        <a:ext cx="8140616" cy="822446"/>
       </dsp:txXfrm>
     </dsp:sp>
     <dsp:sp modelId="{421DFB2D-2997-48E2-A64E-17ABF726D33C}">
@@ -18063,8 +18259,8 @@
         </a:p>
       </dsp:txBody>
       <dsp:txXfrm>
-        <a:off x="0" y="1324191"/>
-        <a:ext cx="8229600" cy="911430"/>
+        <a:off x="44492" y="1368683"/>
+        <a:ext cx="8140616" cy="822446"/>
       </dsp:txXfrm>
     </dsp:sp>
     <dsp:sp modelId="{9A27162F-642D-4307-93E6-254EA0185804}">
@@ -18140,8 +18336,8 @@
         </a:p>
       </dsp:txBody>
       <dsp:txXfrm>
-        <a:off x="0" y="2290341"/>
-        <a:ext cx="8229600" cy="911430"/>
+        <a:off x="44492" y="2334833"/>
+        <a:ext cx="8140616" cy="822446"/>
       </dsp:txXfrm>
     </dsp:sp>
     <dsp:sp modelId="{24F56C77-C37F-47F0-9480-ABB847ECAA5A}">
@@ -18217,8 +18413,8 @@
         </a:p>
       </dsp:txBody>
       <dsp:txXfrm>
-        <a:off x="0" y="3256491"/>
-        <a:ext cx="8229600" cy="911430"/>
+        <a:off x="44492" y="3300983"/>
+        <a:ext cx="8140616" cy="822446"/>
       </dsp:txXfrm>
     </dsp:sp>
   </dsp:spTree>
@@ -18226,7 +18422,7 @@
 </file>
 
 <file path=ppt/diagrams/drawing13.xml><?xml version="1.0" encoding="utf-8"?>
-<dsp:drawing xmlns:dgm="http://schemas.openxmlformats.org/drawingml/2006/diagram" xmlns:a="http://schemas.openxmlformats.org/drawingml/2006/main" xmlns:dsp="http://schemas.microsoft.com/office/drawing/2008/diagram">
+<dsp:drawing xmlns:dgm="http://schemas.openxmlformats.org/drawingml/2006/diagram" xmlns:dsp="http://schemas.microsoft.com/office/drawing/2008/diagram" xmlns:a="http://schemas.openxmlformats.org/drawingml/2006/main">
   <dsp:spTree>
     <dsp:nvGrpSpPr>
       <dsp:cNvPr id="0" name=""/>
@@ -18306,8 +18502,8 @@
         </a:p>
       </dsp:txBody>
       <dsp:txXfrm>
-        <a:off x="0" y="88265"/>
-        <a:ext cx="8229600" cy="830718"/>
+        <a:off x="40552" y="128817"/>
+        <a:ext cx="8148496" cy="749614"/>
       </dsp:txXfrm>
     </dsp:sp>
     <dsp:sp modelId="{1F166563-75B5-40F3-8B0A-C3272D63B1B6}">
@@ -18383,8 +18579,8 @@
         </a:p>
       </dsp:txBody>
       <dsp:txXfrm>
-        <a:off x="0" y="967944"/>
-        <a:ext cx="8229600" cy="830718"/>
+        <a:off x="40552" y="1008496"/>
+        <a:ext cx="8148496" cy="749614"/>
       </dsp:txXfrm>
     </dsp:sp>
     <dsp:sp modelId="{F2F5CCBA-F965-43B8-AE1B-AD3A9081F75C}">
@@ -18460,8 +18656,8 @@
         </a:p>
       </dsp:txBody>
       <dsp:txXfrm>
-        <a:off x="0" y="1847622"/>
-        <a:ext cx="8229600" cy="830718"/>
+        <a:off x="40552" y="1888174"/>
+        <a:ext cx="8148496" cy="749614"/>
       </dsp:txXfrm>
     </dsp:sp>
     <dsp:sp modelId="{37401F51-B4B2-41EC-A7EE-2AF7CFF3DAD3}">
@@ -18537,8 +18733,8 @@
         </a:p>
       </dsp:txBody>
       <dsp:txXfrm>
-        <a:off x="0" y="2727300"/>
-        <a:ext cx="8229600" cy="830718"/>
+        <a:off x="40552" y="2767852"/>
+        <a:ext cx="8148496" cy="749614"/>
       </dsp:txXfrm>
     </dsp:sp>
     <dsp:sp modelId="{6413C111-274C-48B3-B196-40B97D8A0844}">
@@ -18614,8 +18810,8 @@
         </a:p>
       </dsp:txBody>
       <dsp:txXfrm>
-        <a:off x="0" y="3606978"/>
-        <a:ext cx="8229600" cy="830718"/>
+        <a:off x="40552" y="3647530"/>
+        <a:ext cx="8148496" cy="749614"/>
       </dsp:txXfrm>
     </dsp:sp>
   </dsp:spTree>
@@ -18623,7 +18819,7 @@
 </file>
 
 <file path=ppt/diagrams/drawing14.xml><?xml version="1.0" encoding="utf-8"?>
-<dsp:drawing xmlns:dgm="http://schemas.openxmlformats.org/drawingml/2006/diagram" xmlns:a="http://schemas.openxmlformats.org/drawingml/2006/main" xmlns:dsp="http://schemas.microsoft.com/office/drawing/2008/diagram">
+<dsp:drawing xmlns:dgm="http://schemas.openxmlformats.org/drawingml/2006/diagram" xmlns:dsp="http://schemas.microsoft.com/office/drawing/2008/diagram" xmlns:a="http://schemas.openxmlformats.org/drawingml/2006/main">
   <dsp:spTree>
     <dsp:nvGrpSpPr>
       <dsp:cNvPr id="0" name=""/>
@@ -18703,8 +18899,8 @@
         </a:p>
       </dsp:txBody>
       <dsp:txXfrm>
-        <a:off x="0" y="317271"/>
-        <a:ext cx="8229600" cy="1247220"/>
+        <a:off x="60884" y="378155"/>
+        <a:ext cx="8107832" cy="1125452"/>
       </dsp:txXfrm>
     </dsp:sp>
     <dsp:sp modelId="{FFD379B3-AA11-4ECD-B1D8-49D4A6059AAC}">
@@ -18780,8 +18976,8 @@
         </a:p>
       </dsp:txBody>
       <dsp:txXfrm>
-        <a:off x="0" y="1639371"/>
-        <a:ext cx="8229600" cy="1247220"/>
+        <a:off x="60884" y="1700255"/>
+        <a:ext cx="8107832" cy="1125452"/>
       </dsp:txXfrm>
     </dsp:sp>
     <dsp:sp modelId="{D8D1DA01-5546-4E12-A17D-64E50191858E}">
@@ -18857,8 +19053,8 @@
         </a:p>
       </dsp:txBody>
       <dsp:txXfrm>
-        <a:off x="0" y="2961471"/>
-        <a:ext cx="8229600" cy="1247220"/>
+        <a:off x="60884" y="3022355"/>
+        <a:ext cx="8107832" cy="1125452"/>
       </dsp:txXfrm>
     </dsp:sp>
   </dsp:spTree>
@@ -18866,7 +19062,7 @@
 </file>
 
 <file path=ppt/diagrams/drawing15.xml><?xml version="1.0" encoding="utf-8"?>
-<dsp:drawing xmlns:dgm="http://schemas.openxmlformats.org/drawingml/2006/diagram" xmlns:a="http://schemas.openxmlformats.org/drawingml/2006/main" xmlns:dsp="http://schemas.microsoft.com/office/drawing/2008/diagram">
+<dsp:drawing xmlns:dgm="http://schemas.openxmlformats.org/drawingml/2006/diagram" xmlns:dsp="http://schemas.microsoft.com/office/drawing/2008/diagram" xmlns:a="http://schemas.openxmlformats.org/drawingml/2006/main">
   <dsp:spTree>
     <dsp:nvGrpSpPr>
       <dsp:cNvPr id="0" name=""/>
@@ -18946,8 +19142,8 @@
         </a:p>
       </dsp:txBody>
       <dsp:txXfrm>
-        <a:off x="0" y="827177"/>
-        <a:ext cx="8229600" cy="897682"/>
+        <a:off x="43821" y="870998"/>
+        <a:ext cx="8141958" cy="810040"/>
       </dsp:txXfrm>
     </dsp:sp>
     <dsp:sp modelId="{7D41616D-7DD1-4D2E-8B65-68F8ECF96A94}">
@@ -19023,8 +19219,8 @@
         </a:p>
       </dsp:txBody>
       <dsp:txXfrm>
-        <a:off x="0" y="1814140"/>
-        <a:ext cx="8229600" cy="897682"/>
+        <a:off x="43821" y="1857961"/>
+        <a:ext cx="8141958" cy="810040"/>
       </dsp:txXfrm>
     </dsp:sp>
     <dsp:sp modelId="{89CFC517-8B45-4D0A-BA54-675ECFEDEE1D}">
@@ -19100,8 +19296,8 @@
         </a:p>
       </dsp:txBody>
       <dsp:txXfrm>
-        <a:off x="0" y="2801102"/>
-        <a:ext cx="8229600" cy="897682"/>
+        <a:off x="43821" y="2844923"/>
+        <a:ext cx="8141958" cy="810040"/>
       </dsp:txXfrm>
     </dsp:sp>
   </dsp:spTree>
@@ -19109,7 +19305,7 @@
 </file>
 
 <file path=ppt/diagrams/drawing16.xml><?xml version="1.0" encoding="utf-8"?>
-<dsp:drawing xmlns:dgm="http://schemas.openxmlformats.org/drawingml/2006/diagram" xmlns:a="http://schemas.openxmlformats.org/drawingml/2006/main" xmlns:dsp="http://schemas.microsoft.com/office/drawing/2008/diagram">
+<dsp:drawing xmlns:dgm="http://schemas.openxmlformats.org/drawingml/2006/diagram" xmlns:dsp="http://schemas.microsoft.com/office/drawing/2008/diagram" xmlns:a="http://schemas.openxmlformats.org/drawingml/2006/main">
   <dsp:spTree>
     <dsp:nvGrpSpPr>
       <dsp:cNvPr id="0" name=""/>
@@ -19189,8 +19385,8 @@
         </a:p>
       </dsp:txBody>
       <dsp:txXfrm>
-        <a:off x="0" y="126336"/>
-        <a:ext cx="8229600" cy="815490"/>
+        <a:off x="39809" y="166145"/>
+        <a:ext cx="8149982" cy="735872"/>
       </dsp:txXfrm>
     </dsp:sp>
     <dsp:sp modelId="{7D23C6AD-01AA-41E3-A702-A34E36B6CC93}">
@@ -19266,8 +19462,8 @@
         </a:p>
       </dsp:txBody>
       <dsp:txXfrm>
-        <a:off x="0" y="990786"/>
-        <a:ext cx="8229600" cy="815490"/>
+        <a:off x="39809" y="1030595"/>
+        <a:ext cx="8149982" cy="735872"/>
       </dsp:txXfrm>
     </dsp:sp>
     <dsp:sp modelId="{DA084F94-6672-4DC4-8DBD-F6AE985AAF73}">
@@ -19343,8 +19539,8 @@
         </a:p>
       </dsp:txBody>
       <dsp:txXfrm>
-        <a:off x="0" y="1855236"/>
-        <a:ext cx="8229600" cy="815490"/>
+        <a:off x="39809" y="1895045"/>
+        <a:ext cx="8149982" cy="735872"/>
       </dsp:txXfrm>
     </dsp:sp>
     <dsp:sp modelId="{2B6FB7E3-9797-4D2F-9E0A-17C93A8EA62A}">
@@ -19420,8 +19616,8 @@
         </a:p>
       </dsp:txBody>
       <dsp:txXfrm>
-        <a:off x="0" y="2719686"/>
-        <a:ext cx="8229600" cy="815490"/>
+        <a:off x="39809" y="2759495"/>
+        <a:ext cx="8149982" cy="735872"/>
       </dsp:txXfrm>
     </dsp:sp>
     <dsp:sp modelId="{9731D2EA-1FB8-48C7-96F2-6680A3A3D145}">
@@ -19497,8 +19693,8 @@
         </a:p>
       </dsp:txBody>
       <dsp:txXfrm>
-        <a:off x="0" y="3584136"/>
-        <a:ext cx="8229600" cy="815490"/>
+        <a:off x="39809" y="3623945"/>
+        <a:ext cx="8149982" cy="735872"/>
       </dsp:txXfrm>
     </dsp:sp>
   </dsp:spTree>
@@ -19506,7 +19702,7 @@
 </file>
 
 <file path=ppt/diagrams/drawing2.xml><?xml version="1.0" encoding="utf-8"?>
-<dsp:drawing xmlns:dgm="http://schemas.openxmlformats.org/drawingml/2006/diagram" xmlns:a="http://schemas.openxmlformats.org/drawingml/2006/main" xmlns:dsp="http://schemas.microsoft.com/office/drawing/2008/diagram">
+<dsp:drawing xmlns:dgm="http://schemas.openxmlformats.org/drawingml/2006/diagram" xmlns:dsp="http://schemas.microsoft.com/office/drawing/2008/diagram" xmlns:a="http://schemas.openxmlformats.org/drawingml/2006/main">
   <dsp:spTree>
     <dsp:nvGrpSpPr>
       <dsp:cNvPr id="0" name=""/>
@@ -19562,12 +19758,12 @@
         </a:fontRef>
       </dsp:style>
       <dsp:txBody>
-        <a:bodyPr spcFirstLastPara="0" vert="horz" wrap="square" lIns="472971" tIns="49530" rIns="92456" bIns="49530" numCol="1" spcCol="1270" anchor="ctr" anchorCtr="0">
+        <a:bodyPr spcFirstLastPara="0" vert="horz" wrap="square" lIns="472971" tIns="57150" rIns="106680" bIns="57150" numCol="1" spcCol="1270" anchor="ctr" anchorCtr="0">
           <a:noAutofit/>
         </a:bodyPr>
         <a:lstStyle/>
         <a:p>
-          <a:pPr lvl="0" algn="l" defTabSz="577850" rtl="0">
+          <a:pPr lvl="0" algn="l" defTabSz="666750" rtl="0">
             <a:lnSpc>
               <a:spcPct val="90000"/>
             </a:lnSpc>
@@ -19579,15 +19775,15 @@
             </a:spcAft>
           </a:pPr>
           <a:r>
-            <a:rPr lang="es-ES_tradnl" sz="1300" b="1" kern="1200" dirty="0" smtClean="0"/>
+            <a:rPr lang="es-ES_tradnl" sz="1500" b="1" kern="1200" dirty="0" smtClean="0"/>
             <a:t>Conteo, consiste en contar las LOC totales, modificadas, adicionadas y eliminadas de un programa. </a:t>
           </a:r>
-          <a:endParaRPr lang="es-CO" sz="1300" b="1" kern="1200" dirty="0"/>
+          <a:endParaRPr lang="es-CO" sz="1500" b="1" kern="1200" dirty="0"/>
         </a:p>
       </dsp:txBody>
       <dsp:txXfrm rot="10800000">
-        <a:off x="1621763" y="2911"/>
-        <a:ext cx="5615354" cy="1072564"/>
+        <a:off x="1889904" y="2911"/>
+        <a:ext cx="5347213" cy="1072564"/>
       </dsp:txXfrm>
     </dsp:sp>
     <dsp:sp modelId="{8DC86FE3-BA62-49E4-867E-4F089E1F0257}">
@@ -19687,12 +19883,12 @@
         </a:fontRef>
       </dsp:style>
       <dsp:txBody>
-        <a:bodyPr spcFirstLastPara="0" vert="horz" wrap="square" lIns="472971" tIns="49530" rIns="92456" bIns="49530" numCol="1" spcCol="1270" anchor="ctr" anchorCtr="0">
+        <a:bodyPr spcFirstLastPara="0" vert="horz" wrap="square" lIns="472971" tIns="57150" rIns="106680" bIns="57150" numCol="1" spcCol="1270" anchor="ctr" anchorCtr="0">
           <a:noAutofit/>
         </a:bodyPr>
         <a:lstStyle/>
         <a:p>
-          <a:pPr lvl="0" algn="l" defTabSz="577850" rtl="0">
+          <a:pPr lvl="0" algn="l" defTabSz="666750" rtl="0">
             <a:lnSpc>
               <a:spcPct val="90000"/>
             </a:lnSpc>
@@ -19704,15 +19900,15 @@
             </a:spcAft>
           </a:pPr>
           <a:r>
-            <a:rPr lang="es-ES_tradnl" sz="1300" b="1" kern="1200" dirty="0" smtClean="0"/>
+            <a:rPr lang="es-ES_tradnl" sz="1500" b="1" kern="1200" dirty="0" smtClean="0"/>
             <a:t>Etiquetado de encabezado, consiste en insertar comentarios en el encabezado de cada programa o clase donde resume la lista de cambios realizados en cada versión.</a:t>
           </a:r>
-          <a:endParaRPr lang="es-CO" sz="1300" b="1" kern="1200" dirty="0"/>
+          <a:endParaRPr lang="es-CO" sz="1500" b="1" kern="1200" dirty="0"/>
         </a:p>
       </dsp:txBody>
       <dsp:txXfrm rot="10800000">
-        <a:off x="1487200" y="1395643"/>
-        <a:ext cx="5794771" cy="1072564"/>
+        <a:off x="1755341" y="1395643"/>
+        <a:ext cx="5526630" cy="1072564"/>
       </dsp:txXfrm>
     </dsp:sp>
     <dsp:sp modelId="{BF2FFB63-F3FE-41C2-9B38-85F0310A91D4}">
@@ -19812,12 +20008,12 @@
         </a:fontRef>
       </dsp:style>
       <dsp:txBody>
-        <a:bodyPr spcFirstLastPara="0" vert="horz" wrap="square" lIns="472971" tIns="49530" rIns="92456" bIns="49530" numCol="1" spcCol="1270" anchor="ctr" anchorCtr="0">
+        <a:bodyPr spcFirstLastPara="0" vert="horz" wrap="square" lIns="472971" tIns="57150" rIns="106680" bIns="57150" numCol="1" spcCol="1270" anchor="ctr" anchorCtr="0">
           <a:noAutofit/>
         </a:bodyPr>
         <a:lstStyle/>
         <a:p>
-          <a:pPr lvl="0" algn="l" defTabSz="577850" rtl="0">
+          <a:pPr lvl="0" algn="l" defTabSz="666750" rtl="0">
             <a:lnSpc>
               <a:spcPct val="90000"/>
             </a:lnSpc>
@@ -19829,15 +20025,15 @@
             </a:spcAft>
           </a:pPr>
           <a:r>
-            <a:rPr lang="es-ES_tradnl" sz="1300" b="1" kern="1200" dirty="0" smtClean="0"/>
+            <a:rPr lang="es-ES_tradnl" sz="1500" b="1" kern="1200" dirty="0" smtClean="0"/>
             <a:t>Formateo, consiste en dar formato al etiquetado tanto en encabezados como en LOC.</a:t>
           </a:r>
-          <a:endParaRPr lang="es-CO" sz="1300" b="1" kern="1200" dirty="0"/>
+          <a:endParaRPr lang="es-CO" sz="1500" b="1" kern="1200" dirty="0"/>
         </a:p>
       </dsp:txBody>
       <dsp:txXfrm rot="10800000">
-        <a:off x="1584158" y="2736303"/>
-        <a:ext cx="5740446" cy="1072564"/>
+        <a:off x="1852299" y="2736303"/>
+        <a:ext cx="5472305" cy="1072564"/>
       </dsp:txXfrm>
     </dsp:sp>
     <dsp:sp modelId="{40143572-A817-4390-A485-DD3D728FB48E}">
@@ -19937,12 +20133,12 @@
         </a:fontRef>
       </dsp:style>
       <dsp:txBody>
-        <a:bodyPr spcFirstLastPara="0" vert="horz" wrap="square" lIns="472971" tIns="49530" rIns="92456" bIns="49530" numCol="1" spcCol="1270" anchor="ctr" anchorCtr="0">
+        <a:bodyPr spcFirstLastPara="0" vert="horz" wrap="square" lIns="472971" tIns="57150" rIns="106680" bIns="57150" numCol="1" spcCol="1270" anchor="ctr" anchorCtr="0">
           <a:noAutofit/>
         </a:bodyPr>
         <a:lstStyle/>
         <a:p>
-          <a:pPr lvl="0" algn="l" defTabSz="577850" rtl="0">
+          <a:pPr lvl="0" algn="l" defTabSz="666750" rtl="0">
             <a:lnSpc>
               <a:spcPct val="90000"/>
             </a:lnSpc>
@@ -19954,15 +20150,15 @@
             </a:spcAft>
           </a:pPr>
           <a:r>
-            <a:rPr lang="es-ES_tradnl" sz="1300" b="1" kern="1200" dirty="0" smtClean="0"/>
+            <a:rPr lang="es-ES_tradnl" sz="1500" b="1" kern="1200" dirty="0" smtClean="0"/>
             <a:t>Diferenciación, cosiste en utilizar algoritmos de comparación que identifican diferencias de LOC entre las diferentes versiones del programa o clase.</a:t>
           </a:r>
-          <a:endParaRPr lang="es-CO" sz="1300" b="1" kern="1200" dirty="0"/>
+          <a:endParaRPr lang="es-CO" sz="1500" b="1" kern="1200" dirty="0"/>
         </a:p>
       </dsp:txBody>
       <dsp:txXfrm rot="10800000">
-        <a:off x="1527944" y="4181108"/>
-        <a:ext cx="5740446" cy="1072564"/>
+        <a:off x="1796085" y="4181108"/>
+        <a:ext cx="5472305" cy="1072564"/>
       </dsp:txXfrm>
     </dsp:sp>
     <dsp:sp modelId="{11E59DAE-3025-4660-BCE6-50325F4E907E}">
@@ -20018,7 +20214,7 @@
 </file>
 
 <file path=ppt/diagrams/drawing3.xml><?xml version="1.0" encoding="utf-8"?>
-<dsp:drawing xmlns:dgm="http://schemas.openxmlformats.org/drawingml/2006/diagram" xmlns:a="http://schemas.openxmlformats.org/drawingml/2006/main" xmlns:dsp="http://schemas.microsoft.com/office/drawing/2008/diagram">
+<dsp:drawing xmlns:dgm="http://schemas.openxmlformats.org/drawingml/2006/diagram" xmlns:dsp="http://schemas.microsoft.com/office/drawing/2008/diagram" xmlns:a="http://schemas.openxmlformats.org/drawingml/2006/main">
   <dsp:spTree>
     <dsp:nvGrpSpPr>
       <dsp:cNvPr id="0" name=""/>
@@ -20130,8 +20326,8 @@
         </a:p>
       </dsp:txBody>
       <dsp:txXfrm>
-        <a:off x="0" y="99313"/>
-        <a:ext cx="8229600" cy="666022"/>
+        <a:off x="32513" y="131826"/>
+        <a:ext cx="8164574" cy="600996"/>
       </dsp:txXfrm>
     </dsp:sp>
     <dsp:sp modelId="{890E302F-6AB5-43D9-BC6F-202F061745EB}">
@@ -20239,8 +20435,8 @@
         </a:p>
       </dsp:txBody>
       <dsp:txXfrm>
-        <a:off x="0" y="831576"/>
-        <a:ext cx="8229600" cy="666022"/>
+        <a:off x="32513" y="864089"/>
+        <a:ext cx="8164574" cy="600996"/>
       </dsp:txXfrm>
     </dsp:sp>
     <dsp:sp modelId="{31FF6712-230E-48BE-9AE9-DD749067E66D}">
@@ -20332,8 +20528,8 @@
         </a:p>
       </dsp:txBody>
       <dsp:txXfrm>
-        <a:off x="0" y="1563839"/>
-        <a:ext cx="8229600" cy="666022"/>
+        <a:off x="32513" y="1596352"/>
+        <a:ext cx="8164574" cy="600996"/>
       </dsp:txXfrm>
     </dsp:sp>
     <dsp:sp modelId="{7D744DFD-2E2D-4BEC-84AE-FB297EAD771A}">
@@ -20425,8 +20621,8 @@
         </a:p>
       </dsp:txBody>
       <dsp:txXfrm>
-        <a:off x="0" y="2296101"/>
-        <a:ext cx="8229600" cy="666022"/>
+        <a:off x="32513" y="2328614"/>
+        <a:ext cx="8164574" cy="600996"/>
       </dsp:txXfrm>
     </dsp:sp>
     <dsp:sp modelId="{C33C5714-090E-4022-BF08-271418400D1A}">
@@ -20510,8 +20706,8 @@
         </a:p>
       </dsp:txBody>
       <dsp:txXfrm>
-        <a:off x="0" y="3028364"/>
-        <a:ext cx="8229600" cy="666022"/>
+        <a:off x="32513" y="3060877"/>
+        <a:ext cx="8164574" cy="600996"/>
       </dsp:txXfrm>
     </dsp:sp>
     <dsp:sp modelId="{5BC5B591-859F-4288-B673-C48193BC84DE}">
@@ -20595,8 +20791,8 @@
         </a:p>
       </dsp:txBody>
       <dsp:txXfrm>
-        <a:off x="0" y="3760626"/>
-        <a:ext cx="8229600" cy="666022"/>
+        <a:off x="32513" y="3793139"/>
+        <a:ext cx="8164574" cy="600996"/>
       </dsp:txXfrm>
     </dsp:sp>
   </dsp:spTree>
@@ -20604,7 +20800,7 @@
 </file>
 
 <file path=ppt/diagrams/drawing4.xml><?xml version="1.0" encoding="utf-8"?>
-<dsp:drawing xmlns:dgm="http://schemas.openxmlformats.org/drawingml/2006/diagram" xmlns:a="http://schemas.openxmlformats.org/drawingml/2006/main" xmlns:dsp="http://schemas.microsoft.com/office/drawing/2008/diagram">
+<dsp:drawing xmlns:dgm="http://schemas.openxmlformats.org/drawingml/2006/diagram" xmlns:dsp="http://schemas.microsoft.com/office/drawing/2008/diagram" xmlns:a="http://schemas.openxmlformats.org/drawingml/2006/main">
   <dsp:spTree>
     <dsp:nvGrpSpPr>
       <dsp:cNvPr id="0" name=""/>
@@ -20683,9 +20879,9 @@
           <a:endParaRPr lang="es-CO" sz="2500" kern="1200" dirty="0"/>
         </a:p>
       </dsp:txBody>
-      <dsp:txXfrm rot="5400000">
-        <a:off x="-678894" y="678894"/>
-        <a:ext cx="4525963" cy="3168174"/>
+      <dsp:txXfrm rot="-5400000">
+        <a:off x="1" y="1584086"/>
+        <a:ext cx="3168174" cy="1357789"/>
       </dsp:txXfrm>
     </dsp:sp>
     <dsp:sp modelId="{F2E29DEE-BECA-4981-B620-7C6DF346E374}">
@@ -20825,9 +21021,9 @@
           <a:endParaRPr lang="es-CO" sz="1800" kern="1200" dirty="0"/>
         </a:p>
       </dsp:txBody>
-      <dsp:txXfrm rot="5400000">
-        <a:off x="4227949" y="-1059774"/>
-        <a:ext cx="2941875" cy="5061425"/>
+      <dsp:txXfrm rot="-5400000">
+        <a:off x="3168175" y="143611"/>
+        <a:ext cx="4917814" cy="2654653"/>
       </dsp:txXfrm>
     </dsp:sp>
   </dsp:spTree>
@@ -20835,7 +21031,7 @@
 </file>
 
 <file path=ppt/diagrams/drawing5.xml><?xml version="1.0" encoding="utf-8"?>
-<dsp:drawing xmlns:dgm="http://schemas.openxmlformats.org/drawingml/2006/diagram" xmlns:a="http://schemas.openxmlformats.org/drawingml/2006/main" xmlns:dsp="http://schemas.microsoft.com/office/drawing/2008/diagram">
+<dsp:drawing xmlns:dgm="http://schemas.openxmlformats.org/drawingml/2006/diagram" xmlns:dsp="http://schemas.microsoft.com/office/drawing/2008/diagram" xmlns:a="http://schemas.openxmlformats.org/drawingml/2006/main">
   <dsp:spTree>
     <dsp:nvGrpSpPr>
       <dsp:cNvPr id="0" name=""/>
@@ -20914,9 +21110,9 @@
           <a:endParaRPr lang="es-CO" sz="2400" kern="1200" dirty="0"/>
         </a:p>
       </dsp:txBody>
-      <dsp:txXfrm rot="5400000">
-        <a:off x="-678894" y="678894"/>
-        <a:ext cx="4525963" cy="3168174"/>
+      <dsp:txXfrm rot="-5400000">
+        <a:off x="1" y="1584086"/>
+        <a:ext cx="3168174" cy="1357789"/>
       </dsp:txXfrm>
     </dsp:sp>
     <dsp:sp modelId="{F2E29DEE-BECA-4981-B620-7C6DF346E374}">
@@ -21060,9 +21256,9 @@
           <a:endParaRPr lang="es-CO" sz="1700" kern="1200" dirty="0"/>
         </a:p>
       </dsp:txBody>
-      <dsp:txXfrm rot="5400000">
-        <a:off x="4227949" y="-1059774"/>
-        <a:ext cx="2941875" cy="5061425"/>
+      <dsp:txXfrm rot="-5400000">
+        <a:off x="3168175" y="143611"/>
+        <a:ext cx="4917814" cy="2654653"/>
       </dsp:txXfrm>
     </dsp:sp>
   </dsp:spTree>
@@ -21070,7 +21266,7 @@
 </file>
 
 <file path=ppt/diagrams/drawing6.xml><?xml version="1.0" encoding="utf-8"?>
-<dsp:drawing xmlns:dgm="http://schemas.openxmlformats.org/drawingml/2006/diagram" xmlns:a="http://schemas.openxmlformats.org/drawingml/2006/main" xmlns:dsp="http://schemas.microsoft.com/office/drawing/2008/diagram">
+<dsp:drawing xmlns:dgm="http://schemas.openxmlformats.org/drawingml/2006/diagram" xmlns:dsp="http://schemas.microsoft.com/office/drawing/2008/diagram" xmlns:a="http://schemas.openxmlformats.org/drawingml/2006/main">
   <dsp:spTree>
     <dsp:nvGrpSpPr>
       <dsp:cNvPr id="0" name=""/>
@@ -21149,9 +21345,9 @@
           <a:endParaRPr lang="es-CO" sz="2400" kern="1200" dirty="0"/>
         </a:p>
       </dsp:txBody>
-      <dsp:txXfrm rot="5400000">
-        <a:off x="-678894" y="678894"/>
-        <a:ext cx="4525963" cy="3168174"/>
+      <dsp:txXfrm rot="-5400000">
+        <a:off x="1" y="1584086"/>
+        <a:ext cx="3168174" cy="1357789"/>
       </dsp:txXfrm>
     </dsp:sp>
     <dsp:sp modelId="{F2E29DEE-BECA-4981-B620-7C6DF346E374}">
@@ -21245,9 +21441,9 @@
           <a:endParaRPr lang="es-CO" sz="2800" kern="1200" dirty="0"/>
         </a:p>
       </dsp:txBody>
-      <dsp:txXfrm rot="5400000">
-        <a:off x="4227949" y="-1059774"/>
-        <a:ext cx="2941875" cy="5061425"/>
+      <dsp:txXfrm rot="-5400000">
+        <a:off x="3168175" y="143611"/>
+        <a:ext cx="4917814" cy="2654653"/>
       </dsp:txXfrm>
     </dsp:sp>
   </dsp:spTree>
@@ -21255,7 +21451,7 @@
 </file>
 
 <file path=ppt/diagrams/drawing7.xml><?xml version="1.0" encoding="utf-8"?>
-<dsp:drawing xmlns:dgm="http://schemas.openxmlformats.org/drawingml/2006/diagram" xmlns:a="http://schemas.openxmlformats.org/drawingml/2006/main" xmlns:dsp="http://schemas.microsoft.com/office/drawing/2008/diagram">
+<dsp:drawing xmlns:dgm="http://schemas.openxmlformats.org/drawingml/2006/diagram" xmlns:dsp="http://schemas.microsoft.com/office/drawing/2008/diagram" xmlns:a="http://schemas.openxmlformats.org/drawingml/2006/main">
   <dsp:spTree>
     <dsp:nvGrpSpPr>
       <dsp:cNvPr id="0" name=""/>
@@ -21334,9 +21530,9 @@
           <a:endParaRPr lang="es-CO" sz="2400" kern="1200" dirty="0"/>
         </a:p>
       </dsp:txBody>
-      <dsp:txXfrm rot="5400000">
-        <a:off x="-678894" y="678894"/>
-        <a:ext cx="4525963" cy="3168174"/>
+      <dsp:txXfrm rot="-5400000">
+        <a:off x="1" y="1584086"/>
+        <a:ext cx="3168174" cy="1357789"/>
       </dsp:txXfrm>
     </dsp:sp>
     <dsp:sp modelId="{F2E29DEE-BECA-4981-B620-7C6DF346E374}">
@@ -21430,9 +21626,9 @@
           <a:endParaRPr lang="es-CO" sz="2400" kern="1200" dirty="0"/>
         </a:p>
       </dsp:txBody>
-      <dsp:txXfrm rot="5400000">
-        <a:off x="4227949" y="-1059774"/>
-        <a:ext cx="2941875" cy="5061425"/>
+      <dsp:txXfrm rot="-5400000">
+        <a:off x="3168175" y="143611"/>
+        <a:ext cx="4917814" cy="2654653"/>
       </dsp:txXfrm>
     </dsp:sp>
   </dsp:spTree>
@@ -21440,7 +21636,7 @@
 </file>
 
 <file path=ppt/diagrams/drawing8.xml><?xml version="1.0" encoding="utf-8"?>
-<dsp:drawing xmlns:dgm="http://schemas.openxmlformats.org/drawingml/2006/diagram" xmlns:a="http://schemas.openxmlformats.org/drawingml/2006/main" xmlns:dsp="http://schemas.microsoft.com/office/drawing/2008/diagram">
+<dsp:drawing xmlns:dgm="http://schemas.openxmlformats.org/drawingml/2006/diagram" xmlns:dsp="http://schemas.microsoft.com/office/drawing/2008/diagram" xmlns:a="http://schemas.openxmlformats.org/drawingml/2006/main">
   <dsp:spTree>
     <dsp:nvGrpSpPr>
       <dsp:cNvPr id="0" name=""/>
@@ -21519,9 +21715,9 @@
           <a:endParaRPr lang="es-CO" sz="1500" kern="1200" dirty="0"/>
         </a:p>
       </dsp:txBody>
-      <dsp:txXfrm rot="5400000">
-        <a:off x="-678894" y="678894"/>
-        <a:ext cx="4525963" cy="3168174"/>
+      <dsp:txXfrm rot="-5400000">
+        <a:off x="1" y="1584086"/>
+        <a:ext cx="3168174" cy="1357789"/>
       </dsp:txXfrm>
     </dsp:sp>
     <dsp:sp modelId="{F2E29DEE-BECA-4981-B620-7C6DF346E374}">
@@ -21596,9 +21792,9 @@
           <a:endParaRPr lang="es-CO" sz="2600" kern="1200" dirty="0"/>
         </a:p>
       </dsp:txBody>
-      <dsp:txXfrm rot="5400000">
-        <a:off x="4227949" y="-1059774"/>
-        <a:ext cx="2941875" cy="5061425"/>
+      <dsp:txXfrm rot="-5400000">
+        <a:off x="3168175" y="143611"/>
+        <a:ext cx="4917814" cy="2654653"/>
       </dsp:txXfrm>
     </dsp:sp>
   </dsp:spTree>
@@ -21606,7 +21802,7 @@
 </file>
 
 <file path=ppt/diagrams/drawing9.xml><?xml version="1.0" encoding="utf-8"?>
-<dsp:drawing xmlns:dgm="http://schemas.openxmlformats.org/drawingml/2006/diagram" xmlns:a="http://schemas.openxmlformats.org/drawingml/2006/main" xmlns:dsp="http://schemas.microsoft.com/office/drawing/2008/diagram">
+<dsp:drawing xmlns:dgm="http://schemas.openxmlformats.org/drawingml/2006/diagram" xmlns:dsp="http://schemas.microsoft.com/office/drawing/2008/diagram" xmlns:a="http://schemas.openxmlformats.org/drawingml/2006/main">
   <dsp:spTree>
     <dsp:nvGrpSpPr>
       <dsp:cNvPr id="0" name=""/>
@@ -21620,7 +21816,7 @@
       </dsp:nvSpPr>
       <dsp:spPr>
         <a:xfrm>
-          <a:off x="3628985" y="1325"/>
+          <a:off x="3534203" y="1325"/>
           <a:ext cx="1454997" cy="1454997"/>
         </a:xfrm>
         <a:prstGeom prst="ellipse">
@@ -21662,12 +21858,12 @@
         </a:fontRef>
       </dsp:style>
       <dsp:txBody>
-        <a:bodyPr spcFirstLastPara="0" vert="horz" wrap="square" lIns="15240" tIns="15240" rIns="15240" bIns="15240" numCol="1" spcCol="1270" anchor="ctr" anchorCtr="0">
+        <a:bodyPr spcFirstLastPara="0" vert="horz" wrap="square" lIns="17780" tIns="17780" rIns="17780" bIns="17780" numCol="1" spcCol="1270" anchor="ctr" anchorCtr="0">
           <a:noAutofit/>
         </a:bodyPr>
         <a:lstStyle/>
         <a:p>
-          <a:pPr lvl="0" algn="ctr" defTabSz="533400" rtl="0">
+          <a:pPr lvl="0" algn="ctr" defTabSz="622300" rtl="0">
             <a:lnSpc>
               <a:spcPct val="90000"/>
             </a:lnSpc>
@@ -21679,15 +21875,15 @@
             </a:spcAft>
           </a:pPr>
           <a:r>
-            <a:rPr lang="es-ES_tradnl" sz="1200" b="1" kern="1200" dirty="0" smtClean="0"/>
+            <a:rPr lang="es-ES_tradnl" sz="1400" b="1" kern="1200" dirty="0" smtClean="0"/>
             <a:t>Preparación de la reunión: </a:t>
           </a:r>
-          <a:endParaRPr lang="es-CO" sz="1200" kern="1200" dirty="0"/>
+          <a:endParaRPr lang="es-CO" sz="1400" kern="1200" dirty="0"/>
         </a:p>
       </dsp:txBody>
       <dsp:txXfrm>
-        <a:off x="3628985" y="1325"/>
-        <a:ext cx="1454997" cy="1454997"/>
+        <a:off x="3747282" y="214404"/>
+        <a:ext cx="1028839" cy="1028839"/>
       </dsp:txXfrm>
     </dsp:sp>
     <dsp:sp modelId="{E5548B05-9AD4-41DA-A6E5-16ACEDFCFBC8}">
@@ -21697,7 +21893,7 @@
       </dsp:nvSpPr>
       <dsp:spPr>
         <a:xfrm rot="1800000">
-          <a:off x="5100070" y="1024674"/>
+          <a:off x="5005288" y="1024674"/>
           <a:ext cx="388226" cy="491061"/>
         </a:xfrm>
         <a:prstGeom prst="rightArrow">
@@ -21740,7 +21936,7 @@
         </a:bodyPr>
         <a:lstStyle/>
         <a:p>
-          <a:pPr lvl="0" algn="ctr" defTabSz="444500">
+          <a:pPr lvl="0" algn="ctr" defTabSz="533400">
             <a:lnSpc>
               <a:spcPct val="90000"/>
             </a:lnSpc>
@@ -21751,12 +21947,12 @@
               <a:spcPct val="35000"/>
             </a:spcAft>
           </a:pPr>
-          <a:endParaRPr lang="es-CO" sz="1000" kern="1200"/>
+          <a:endParaRPr lang="es-CO" sz="1200" kern="1200"/>
         </a:p>
       </dsp:txBody>
-      <dsp:txXfrm rot="1800000">
-        <a:off x="5100070" y="1024674"/>
-        <a:ext cx="388226" cy="491061"/>
+      <dsp:txXfrm>
+        <a:off x="5013090" y="1093769"/>
+        <a:ext cx="271758" cy="294637"/>
       </dsp:txXfrm>
     </dsp:sp>
     <dsp:sp modelId="{41E1DD25-0130-429E-AA51-100827539138}">
@@ -21766,7 +21962,7 @@
       </dsp:nvSpPr>
       <dsp:spPr>
         <a:xfrm>
-          <a:off x="5523415" y="1095074"/>
+          <a:off x="5428633" y="1095074"/>
           <a:ext cx="1454997" cy="1454997"/>
         </a:xfrm>
         <a:prstGeom prst="ellipse">
@@ -21808,12 +22004,12 @@
         </a:fontRef>
       </dsp:style>
       <dsp:txBody>
-        <a:bodyPr spcFirstLastPara="0" vert="horz" wrap="square" lIns="15240" tIns="15240" rIns="15240" bIns="15240" numCol="1" spcCol="1270" anchor="ctr" anchorCtr="0">
+        <a:bodyPr spcFirstLastPara="0" vert="horz" wrap="square" lIns="17780" tIns="17780" rIns="17780" bIns="17780" numCol="1" spcCol="1270" anchor="ctr" anchorCtr="0">
           <a:noAutofit/>
         </a:bodyPr>
         <a:lstStyle/>
         <a:p>
-          <a:pPr lvl="0" algn="ctr" defTabSz="533400" rtl="0">
+          <a:pPr lvl="0" algn="ctr" defTabSz="622300" rtl="0">
             <a:lnSpc>
               <a:spcPct val="90000"/>
             </a:lnSpc>
@@ -21825,15 +22021,15 @@
             </a:spcAft>
           </a:pPr>
           <a:r>
-            <a:rPr lang="es-ES_tradnl" sz="1200" b="1" kern="1200" dirty="0" smtClean="0"/>
+            <a:rPr lang="es-ES_tradnl" sz="1400" b="1" kern="1200" dirty="0" smtClean="0"/>
             <a:t>Reporte de estado actual de las tareas</a:t>
           </a:r>
-          <a:endParaRPr lang="es-CO" sz="1200" b="1" kern="1200" dirty="0"/>
+          <a:endParaRPr lang="es-CO" sz="1400" b="1" kern="1200" dirty="0"/>
         </a:p>
       </dsp:txBody>
       <dsp:txXfrm>
-        <a:off x="5523415" y="1095074"/>
-        <a:ext cx="1454997" cy="1454997"/>
+        <a:off x="5641712" y="1308153"/>
+        <a:ext cx="1028839" cy="1028839"/>
       </dsp:txXfrm>
     </dsp:sp>
     <dsp:sp modelId="{1AFFD44B-1ED8-4740-B2F7-5E24A8D484C1}">
@@ -21843,7 +22039,7 @@
       </dsp:nvSpPr>
       <dsp:spPr>
         <a:xfrm rot="5400000">
-          <a:off x="6056801" y="2659805"/>
+          <a:off x="5962018" y="2659805"/>
           <a:ext cx="388226" cy="491061"/>
         </a:xfrm>
         <a:prstGeom prst="rightArrow">
@@ -21886,7 +22082,7 @@
         </a:bodyPr>
         <a:lstStyle/>
         <a:p>
-          <a:pPr lvl="0" algn="ctr" defTabSz="444500">
+          <a:pPr lvl="0" algn="ctr" defTabSz="533400">
             <a:lnSpc>
               <a:spcPct val="90000"/>
             </a:lnSpc>
@@ -21897,12 +22093,12 @@
               <a:spcPct val="35000"/>
             </a:spcAft>
           </a:pPr>
-          <a:endParaRPr lang="es-CO" sz="1000" kern="1200"/>
+          <a:endParaRPr lang="es-CO" sz="1200" kern="1200"/>
         </a:p>
       </dsp:txBody>
-      <dsp:txXfrm rot="5400000">
-        <a:off x="6056801" y="2659805"/>
-        <a:ext cx="388226" cy="491061"/>
+      <dsp:txXfrm>
+        <a:off x="6020252" y="2699783"/>
+        <a:ext cx="271758" cy="294637"/>
       </dsp:txXfrm>
     </dsp:sp>
     <dsp:sp modelId="{6F22ACFE-F825-4A36-B67C-509DDCD63963}">
@@ -21912,7 +22108,153 @@
       </dsp:nvSpPr>
       <dsp:spPr>
         <a:xfrm>
-          <a:off x="5523415" y="3282574"/>
+          <a:off x="5239068" y="3282574"/>
+          <a:ext cx="1834126" cy="1454997"/>
+        </a:xfrm>
+        <a:prstGeom prst="ellipse">
+          <a:avLst/>
+        </a:prstGeom>
+        <a:solidFill>
+          <a:schemeClr val="accent1">
+            <a:hueOff val="0"/>
+            <a:satOff val="0"/>
+            <a:lumOff val="0"/>
+            <a:alphaOff val="0"/>
+          </a:schemeClr>
+        </a:solidFill>
+        <a:ln w="55000" cap="flat" cmpd="thickThin" algn="ctr">
+          <a:solidFill>
+            <a:schemeClr val="lt1">
+              <a:hueOff val="0"/>
+              <a:satOff val="0"/>
+              <a:lumOff val="0"/>
+              <a:alphaOff val="0"/>
+            </a:schemeClr>
+          </a:solidFill>
+          <a:prstDash val="solid"/>
+        </a:ln>
+        <a:effectLst/>
+      </dsp:spPr>
+      <dsp:style>
+        <a:lnRef idx="2">
+          <a:scrgbClr r="0" g="0" b="0"/>
+        </a:lnRef>
+        <a:fillRef idx="1">
+          <a:scrgbClr r="0" g="0" b="0"/>
+        </a:fillRef>
+        <a:effectRef idx="0">
+          <a:scrgbClr r="0" g="0" b="0"/>
+        </a:effectRef>
+        <a:fontRef idx="minor">
+          <a:schemeClr val="lt1"/>
+        </a:fontRef>
+      </dsp:style>
+      <dsp:txBody>
+        <a:bodyPr spcFirstLastPara="0" vert="horz" wrap="square" lIns="17780" tIns="17780" rIns="17780" bIns="17780" numCol="1" spcCol="1270" anchor="ctr" anchorCtr="0">
+          <a:noAutofit/>
+        </a:bodyPr>
+        <a:lstStyle/>
+        <a:p>
+          <a:pPr lvl="0" algn="ctr" defTabSz="622300" rtl="0">
+            <a:lnSpc>
+              <a:spcPct val="90000"/>
+            </a:lnSpc>
+            <a:spcBef>
+              <a:spcPct val="0"/>
+            </a:spcBef>
+            <a:spcAft>
+              <a:spcPct val="35000"/>
+            </a:spcAft>
+          </a:pPr>
+          <a:r>
+            <a:rPr lang="es-ES_tradnl" sz="1400" b="1" kern="1200" dirty="0" smtClean="0"/>
+            <a:t>Revisión de los formatos diligenciados</a:t>
+          </a:r>
+          <a:endParaRPr lang="es-CO" sz="1400" b="1" kern="1200" dirty="0"/>
+        </a:p>
+      </dsp:txBody>
+      <dsp:txXfrm>
+        <a:off x="5507670" y="3495653"/>
+        <a:ext cx="1296922" cy="1028839"/>
+      </dsp:txXfrm>
+    </dsp:sp>
+    <dsp:sp modelId="{A552C984-3902-4193-A5B5-E06FE74E66CD}">
+      <dsp:nvSpPr>
+        <dsp:cNvPr id="0" name=""/>
+        <dsp:cNvSpPr/>
+      </dsp:nvSpPr>
+      <dsp:spPr>
+        <a:xfrm rot="9000000">
+          <a:off x="5001026" y="4339060"/>
+          <a:ext cx="320021" cy="491061"/>
+        </a:xfrm>
+        <a:prstGeom prst="rightArrow">
+          <a:avLst>
+            <a:gd name="adj1" fmla="val 60000"/>
+            <a:gd name="adj2" fmla="val 50000"/>
+          </a:avLst>
+        </a:prstGeom>
+        <a:solidFill>
+          <a:schemeClr val="accent1">
+            <a:tint val="60000"/>
+            <a:hueOff val="0"/>
+            <a:satOff val="0"/>
+            <a:lumOff val="0"/>
+            <a:alphaOff val="0"/>
+          </a:schemeClr>
+        </a:solidFill>
+        <a:ln>
+          <a:noFill/>
+        </a:ln>
+        <a:effectLst/>
+      </dsp:spPr>
+      <dsp:style>
+        <a:lnRef idx="0">
+          <a:scrgbClr r="0" g="0" b="0"/>
+        </a:lnRef>
+        <a:fillRef idx="1">
+          <a:scrgbClr r="0" g="0" b="0"/>
+        </a:fillRef>
+        <a:effectRef idx="0">
+          <a:scrgbClr r="0" g="0" b="0"/>
+        </a:effectRef>
+        <a:fontRef idx="minor">
+          <a:schemeClr val="lt1"/>
+        </a:fontRef>
+      </dsp:style>
+      <dsp:txBody>
+        <a:bodyPr spcFirstLastPara="0" vert="horz" wrap="square" lIns="0" tIns="0" rIns="0" bIns="0" numCol="1" spcCol="1270" anchor="ctr" anchorCtr="0">
+          <a:noAutofit/>
+        </a:bodyPr>
+        <a:lstStyle/>
+        <a:p>
+          <a:pPr lvl="0" algn="ctr" defTabSz="533400">
+            <a:lnSpc>
+              <a:spcPct val="90000"/>
+            </a:lnSpc>
+            <a:spcBef>
+              <a:spcPct val="0"/>
+            </a:spcBef>
+            <a:spcAft>
+              <a:spcPct val="35000"/>
+            </a:spcAft>
+          </a:pPr>
+          <a:endParaRPr lang="es-CO" sz="1200" kern="1200"/>
+        </a:p>
+      </dsp:txBody>
+      <dsp:txXfrm rot="10800000">
+        <a:off x="5090601" y="4413271"/>
+        <a:ext cx="224015" cy="294637"/>
+      </dsp:txXfrm>
+    </dsp:sp>
+    <dsp:sp modelId="{15D65290-97A2-4DED-8BBB-7F23771450A2}">
+      <dsp:nvSpPr>
+        <dsp:cNvPr id="0" name=""/>
+        <dsp:cNvSpPr/>
+      </dsp:nvSpPr>
+      <dsp:spPr>
+        <a:xfrm>
+          <a:off x="3534203" y="4376324"/>
           <a:ext cx="1454997" cy="1454997"/>
         </a:xfrm>
         <a:prstGeom prst="ellipse">
@@ -21954,12 +22296,12 @@
         </a:fontRef>
       </dsp:style>
       <dsp:txBody>
-        <a:bodyPr spcFirstLastPara="0" vert="horz" wrap="square" lIns="15240" tIns="15240" rIns="15240" bIns="15240" numCol="1" spcCol="1270" anchor="ctr" anchorCtr="0">
+        <a:bodyPr spcFirstLastPara="0" vert="horz" wrap="square" lIns="17780" tIns="17780" rIns="17780" bIns="17780" numCol="1" spcCol="1270" anchor="ctr" anchorCtr="0">
           <a:noAutofit/>
         </a:bodyPr>
         <a:lstStyle/>
         <a:p>
-          <a:pPr lvl="0" algn="ctr" defTabSz="533400" rtl="0">
+          <a:pPr lvl="0" algn="ctr" defTabSz="622300" rtl="0">
             <a:lnSpc>
               <a:spcPct val="90000"/>
             </a:lnSpc>
@@ -21971,25 +22313,25 @@
             </a:spcAft>
           </a:pPr>
           <a:r>
-            <a:rPr lang="es-ES_tradnl" sz="1200" b="1" kern="1200" dirty="0" smtClean="0"/>
-            <a:t>Revisión de los formatos diligenciados</a:t>
+            <a:rPr lang="es-ES_tradnl" sz="1400" b="1" kern="1200" dirty="0" smtClean="0"/>
+            <a:t>Revisión de tareas de la semana</a:t>
           </a:r>
-          <a:endParaRPr lang="es-CO" sz="1200" b="1" kern="1200" dirty="0"/>
+          <a:endParaRPr lang="es-CO" sz="1400" b="1" kern="1200" dirty="0"/>
         </a:p>
       </dsp:txBody>
       <dsp:txXfrm>
-        <a:off x="5523415" y="3282574"/>
-        <a:ext cx="1454997" cy="1454997"/>
+        <a:off x="3747282" y="4589403"/>
+        <a:ext cx="1028839" cy="1028839"/>
       </dsp:txXfrm>
     </dsp:sp>
-    <dsp:sp modelId="{A552C984-3902-4193-A5B5-E06FE74E66CD}">
+    <dsp:sp modelId="{620F6A9A-26A9-4FD5-8DCE-C90B1FE6DDD4}">
       <dsp:nvSpPr>
         <dsp:cNvPr id="0" name=""/>
         <dsp:cNvSpPr/>
       </dsp:nvSpPr>
       <dsp:spPr>
-        <a:xfrm rot="9000000">
-          <a:off x="5119101" y="4305923"/>
+        <a:xfrm rot="12600000">
+          <a:off x="3129889" y="4316911"/>
           <a:ext cx="388226" cy="491061"/>
         </a:xfrm>
         <a:prstGeom prst="rightArrow">
@@ -22032,7 +22374,7 @@
         </a:bodyPr>
         <a:lstStyle/>
         <a:p>
-          <a:pPr lvl="0" algn="ctr" defTabSz="444500">
+          <a:pPr lvl="0" algn="ctr" defTabSz="533400">
             <a:lnSpc>
               <a:spcPct val="90000"/>
             </a:lnSpc>
@@ -22043,22 +22385,22 @@
               <a:spcPct val="35000"/>
             </a:spcAft>
           </a:pPr>
-          <a:endParaRPr lang="es-CO" sz="1000" kern="1200"/>
+          <a:endParaRPr lang="es-CO" sz="1200" kern="1200"/>
         </a:p>
       </dsp:txBody>
-      <dsp:txXfrm rot="9000000">
-        <a:off x="5119101" y="4305923"/>
-        <a:ext cx="388226" cy="491061"/>
+      <dsp:txXfrm rot="10800000">
+        <a:off x="3238555" y="4444240"/>
+        <a:ext cx="271758" cy="294637"/>
       </dsp:txXfrm>
     </dsp:sp>
-    <dsp:sp modelId="{15D65290-97A2-4DED-8BBB-7F23771450A2}">
+    <dsp:sp modelId="{29EDB6DA-9227-443F-8726-9C473BDD789D}">
       <dsp:nvSpPr>
         <dsp:cNvPr id="0" name=""/>
         <dsp:cNvSpPr/>
       </dsp:nvSpPr>
       <dsp:spPr>
         <a:xfrm>
-          <a:off x="3628985" y="4376324"/>
+          <a:off x="1639772" y="3282574"/>
           <a:ext cx="1454997" cy="1454997"/>
         </a:xfrm>
         <a:prstGeom prst="ellipse">
@@ -22100,12 +22442,12 @@
         </a:fontRef>
       </dsp:style>
       <dsp:txBody>
-        <a:bodyPr spcFirstLastPara="0" vert="horz" wrap="square" lIns="15240" tIns="15240" rIns="15240" bIns="15240" numCol="1" spcCol="1270" anchor="ctr" anchorCtr="0">
+        <a:bodyPr spcFirstLastPara="0" vert="horz" wrap="square" lIns="17780" tIns="17780" rIns="17780" bIns="17780" numCol="1" spcCol="1270" anchor="ctr" anchorCtr="0">
           <a:noAutofit/>
         </a:bodyPr>
         <a:lstStyle/>
         <a:p>
-          <a:pPr lvl="0" algn="ctr" defTabSz="533400" rtl="0">
+          <a:pPr lvl="0" algn="ctr" defTabSz="622300" rtl="0">
             <a:lnSpc>
               <a:spcPct val="90000"/>
             </a:lnSpc>
@@ -22117,25 +22459,25 @@
             </a:spcAft>
           </a:pPr>
           <a:r>
-            <a:rPr lang="es-ES_tradnl" sz="1200" b="1" kern="1200" dirty="0" smtClean="0"/>
-            <a:t>Revisión de tareas de la semana</a:t>
+            <a:rPr lang="es-ES_tradnl" sz="1400" b="1" kern="1200" dirty="0" smtClean="0"/>
+            <a:t>Revisión de asignación</a:t>
           </a:r>
-          <a:endParaRPr lang="es-CO" sz="1200" b="1" kern="1200" dirty="0"/>
+          <a:endParaRPr lang="es-CO" sz="1400" b="1" kern="1200" dirty="0"/>
         </a:p>
       </dsp:txBody>
       <dsp:txXfrm>
-        <a:off x="3628985" y="4376324"/>
-        <a:ext cx="1454997" cy="1454997"/>
+        <a:off x="1852851" y="3495653"/>
+        <a:ext cx="1028839" cy="1028839"/>
       </dsp:txXfrm>
     </dsp:sp>
-    <dsp:sp modelId="{620F6A9A-26A9-4FD5-8DCE-C90B1FE6DDD4}">
+    <dsp:sp modelId="{1A21CDC5-A6F1-4D78-A5CA-13047BF133AA}">
       <dsp:nvSpPr>
         <dsp:cNvPr id="0" name=""/>
         <dsp:cNvSpPr/>
       </dsp:nvSpPr>
       <dsp:spPr>
-        <a:xfrm rot="12600000">
-          <a:off x="3224671" y="4316911"/>
+        <a:xfrm rot="16200000">
+          <a:off x="2173158" y="2681780"/>
           <a:ext cx="388226" cy="491061"/>
         </a:xfrm>
         <a:prstGeom prst="rightArrow">
@@ -22178,7 +22520,7 @@
         </a:bodyPr>
         <a:lstStyle/>
         <a:p>
-          <a:pPr lvl="0" algn="ctr" defTabSz="444500">
+          <a:pPr lvl="0" algn="ctr" defTabSz="533400">
             <a:lnSpc>
               <a:spcPct val="90000"/>
             </a:lnSpc>
@@ -22189,22 +22531,22 @@
               <a:spcPct val="35000"/>
             </a:spcAft>
           </a:pPr>
-          <a:endParaRPr lang="es-CO" sz="1000" kern="1200"/>
+          <a:endParaRPr lang="es-CO" sz="1200" kern="1200"/>
         </a:p>
       </dsp:txBody>
-      <dsp:txXfrm rot="12600000">
-        <a:off x="3224671" y="4316911"/>
-        <a:ext cx="388226" cy="491061"/>
+      <dsp:txXfrm>
+        <a:off x="2231392" y="2838226"/>
+        <a:ext cx="271758" cy="294637"/>
       </dsp:txXfrm>
     </dsp:sp>
-    <dsp:sp modelId="{29EDB6DA-9227-443F-8726-9C473BDD789D}">
+    <dsp:sp modelId="{712B1D9D-C6E3-47DC-8575-CD9F70B8F794}">
       <dsp:nvSpPr>
         <dsp:cNvPr id="0" name=""/>
         <dsp:cNvSpPr/>
       </dsp:nvSpPr>
       <dsp:spPr>
         <a:xfrm>
-          <a:off x="1734555" y="3282574"/>
+          <a:off x="1639772" y="1095074"/>
           <a:ext cx="1454997" cy="1454997"/>
         </a:xfrm>
         <a:prstGeom prst="ellipse">
@@ -22246,12 +22588,12 @@
         </a:fontRef>
       </dsp:style>
       <dsp:txBody>
-        <a:bodyPr spcFirstLastPara="0" vert="horz" wrap="square" lIns="15240" tIns="15240" rIns="15240" bIns="15240" numCol="1" spcCol="1270" anchor="ctr" anchorCtr="0">
+        <a:bodyPr spcFirstLastPara="0" vert="horz" wrap="square" lIns="17780" tIns="17780" rIns="17780" bIns="17780" numCol="1" spcCol="1270" anchor="ctr" anchorCtr="0">
           <a:noAutofit/>
         </a:bodyPr>
         <a:lstStyle/>
         <a:p>
-          <a:pPr lvl="0" algn="ctr" defTabSz="533400" rtl="0">
+          <a:pPr lvl="0" algn="ctr" defTabSz="622300" rtl="0">
             <a:lnSpc>
               <a:spcPct val="90000"/>
             </a:lnSpc>
@@ -22263,25 +22605,25 @@
             </a:spcAft>
           </a:pPr>
           <a:r>
-            <a:rPr lang="es-ES_tradnl" sz="1200" b="1" kern="1200" dirty="0" smtClean="0"/>
-            <a:t>Revisión de asignación</a:t>
+            <a:rPr lang="es-ES_tradnl" sz="1400" b="1" kern="1200" dirty="0" smtClean="0"/>
+            <a:t>Metas de la semana</a:t>
           </a:r>
-          <a:endParaRPr lang="es-CO" sz="1200" b="1" kern="1200" dirty="0"/>
+          <a:endParaRPr lang="es-CO" sz="1400" b="1" kern="1200" dirty="0"/>
         </a:p>
       </dsp:txBody>
       <dsp:txXfrm>
-        <a:off x="1734555" y="3282574"/>
-        <a:ext cx="1454997" cy="1454997"/>
+        <a:off x="1852851" y="1308153"/>
+        <a:ext cx="1028839" cy="1028839"/>
       </dsp:txXfrm>
     </dsp:sp>
-    <dsp:sp modelId="{1A21CDC5-A6F1-4D78-A5CA-13047BF133AA}">
+    <dsp:sp modelId="{A229A788-4605-49AD-B0B2-0DF9D9D1038C}">
       <dsp:nvSpPr>
         <dsp:cNvPr id="0" name=""/>
         <dsp:cNvSpPr/>
       </dsp:nvSpPr>
       <dsp:spPr>
-        <a:xfrm rot="16200000">
-          <a:off x="2267940" y="2681780"/>
+        <a:xfrm rot="19800000">
+          <a:off x="3110858" y="1035661"/>
           <a:ext cx="388226" cy="491061"/>
         </a:xfrm>
         <a:prstGeom prst="rightArrow">
@@ -22324,7 +22666,7 @@
         </a:bodyPr>
         <a:lstStyle/>
         <a:p>
-          <a:pPr lvl="0" algn="ctr" defTabSz="444500">
+          <a:pPr lvl="0" algn="ctr" defTabSz="533400">
             <a:lnSpc>
               <a:spcPct val="90000"/>
             </a:lnSpc>
@@ -22335,158 +22677,12 @@
               <a:spcPct val="35000"/>
             </a:spcAft>
           </a:pPr>
-          <a:endParaRPr lang="es-CO" sz="1000" kern="1200"/>
-        </a:p>
-      </dsp:txBody>
-      <dsp:txXfrm rot="16200000">
-        <a:off x="2267940" y="2681780"/>
-        <a:ext cx="388226" cy="491061"/>
-      </dsp:txXfrm>
-    </dsp:sp>
-    <dsp:sp modelId="{712B1D9D-C6E3-47DC-8575-CD9F70B8F794}">
-      <dsp:nvSpPr>
-        <dsp:cNvPr id="0" name=""/>
-        <dsp:cNvSpPr/>
-      </dsp:nvSpPr>
-      <dsp:spPr>
-        <a:xfrm>
-          <a:off x="1734555" y="1095074"/>
-          <a:ext cx="1454997" cy="1454997"/>
-        </a:xfrm>
-        <a:prstGeom prst="ellipse">
-          <a:avLst/>
-        </a:prstGeom>
-        <a:solidFill>
-          <a:schemeClr val="accent1">
-            <a:hueOff val="0"/>
-            <a:satOff val="0"/>
-            <a:lumOff val="0"/>
-            <a:alphaOff val="0"/>
-          </a:schemeClr>
-        </a:solidFill>
-        <a:ln w="55000" cap="flat" cmpd="thickThin" algn="ctr">
-          <a:solidFill>
-            <a:schemeClr val="lt1">
-              <a:hueOff val="0"/>
-              <a:satOff val="0"/>
-              <a:lumOff val="0"/>
-              <a:alphaOff val="0"/>
-            </a:schemeClr>
-          </a:solidFill>
-          <a:prstDash val="solid"/>
-        </a:ln>
-        <a:effectLst/>
-      </dsp:spPr>
-      <dsp:style>
-        <a:lnRef idx="2">
-          <a:scrgbClr r="0" g="0" b="0"/>
-        </a:lnRef>
-        <a:fillRef idx="1">
-          <a:scrgbClr r="0" g="0" b="0"/>
-        </a:fillRef>
-        <a:effectRef idx="0">
-          <a:scrgbClr r="0" g="0" b="0"/>
-        </a:effectRef>
-        <a:fontRef idx="minor">
-          <a:schemeClr val="lt1"/>
-        </a:fontRef>
-      </dsp:style>
-      <dsp:txBody>
-        <a:bodyPr spcFirstLastPara="0" vert="horz" wrap="square" lIns="15240" tIns="15240" rIns="15240" bIns="15240" numCol="1" spcCol="1270" anchor="ctr" anchorCtr="0">
-          <a:noAutofit/>
-        </a:bodyPr>
-        <a:lstStyle/>
-        <a:p>
-          <a:pPr lvl="0" algn="ctr" defTabSz="533400" rtl="0">
-            <a:lnSpc>
-              <a:spcPct val="90000"/>
-            </a:lnSpc>
-            <a:spcBef>
-              <a:spcPct val="0"/>
-            </a:spcBef>
-            <a:spcAft>
-              <a:spcPct val="35000"/>
-            </a:spcAft>
-          </a:pPr>
-          <a:r>
-            <a:rPr lang="es-ES_tradnl" sz="1200" b="1" kern="1200" dirty="0" smtClean="0"/>
-            <a:t>Metas de la semana</a:t>
-          </a:r>
-          <a:endParaRPr lang="es-CO" sz="1200" b="1" kern="1200" dirty="0"/>
+          <a:endParaRPr lang="es-CO" sz="1200" kern="1200"/>
         </a:p>
       </dsp:txBody>
       <dsp:txXfrm>
-        <a:off x="1734555" y="1095074"/>
-        <a:ext cx="1454997" cy="1454997"/>
-      </dsp:txXfrm>
-    </dsp:sp>
-    <dsp:sp modelId="{A229A788-4605-49AD-B0B2-0DF9D9D1038C}">
-      <dsp:nvSpPr>
-        <dsp:cNvPr id="0" name=""/>
-        <dsp:cNvSpPr/>
-      </dsp:nvSpPr>
-      <dsp:spPr>
-        <a:xfrm rot="19800000">
-          <a:off x="3205640" y="1035661"/>
-          <a:ext cx="388226" cy="491061"/>
-        </a:xfrm>
-        <a:prstGeom prst="rightArrow">
-          <a:avLst>
-            <a:gd name="adj1" fmla="val 60000"/>
-            <a:gd name="adj2" fmla="val 50000"/>
-          </a:avLst>
-        </a:prstGeom>
-        <a:solidFill>
-          <a:schemeClr val="accent1">
-            <a:tint val="60000"/>
-            <a:hueOff val="0"/>
-            <a:satOff val="0"/>
-            <a:lumOff val="0"/>
-            <a:alphaOff val="0"/>
-          </a:schemeClr>
-        </a:solidFill>
-        <a:ln>
-          <a:noFill/>
-        </a:ln>
-        <a:effectLst/>
-      </dsp:spPr>
-      <dsp:style>
-        <a:lnRef idx="0">
-          <a:scrgbClr r="0" g="0" b="0"/>
-        </a:lnRef>
-        <a:fillRef idx="1">
-          <a:scrgbClr r="0" g="0" b="0"/>
-        </a:fillRef>
-        <a:effectRef idx="0">
-          <a:scrgbClr r="0" g="0" b="0"/>
-        </a:effectRef>
-        <a:fontRef idx="minor">
-          <a:schemeClr val="lt1"/>
-        </a:fontRef>
-      </dsp:style>
-      <dsp:txBody>
-        <a:bodyPr spcFirstLastPara="0" vert="horz" wrap="square" lIns="0" tIns="0" rIns="0" bIns="0" numCol="1" spcCol="1270" anchor="ctr" anchorCtr="0">
-          <a:noAutofit/>
-        </a:bodyPr>
-        <a:lstStyle/>
-        <a:p>
-          <a:pPr lvl="0" algn="ctr" defTabSz="444500">
-            <a:lnSpc>
-              <a:spcPct val="90000"/>
-            </a:lnSpc>
-            <a:spcBef>
-              <a:spcPct val="0"/>
-            </a:spcBef>
-            <a:spcAft>
-              <a:spcPct val="35000"/>
-            </a:spcAft>
-          </a:pPr>
-          <a:endParaRPr lang="es-CO" sz="1000" kern="1200"/>
-        </a:p>
-      </dsp:txBody>
-      <dsp:txXfrm rot="19800000">
-        <a:off x="3205640" y="1035661"/>
-        <a:ext cx="388226" cy="491061"/>
+        <a:off x="3118660" y="1162990"/>
+        <a:ext cx="271758" cy="294637"/>
       </dsp:txXfrm>
     </dsp:sp>
   </dsp:spTree>
@@ -24500,7 +24696,7 @@
 </file>
 
 <file path=ppt/diagrams/layout2.xml><?xml version="1.0" encoding="utf-8"?>
-<dgm:layoutDef xmlns:dgm="http://schemas.openxmlformats.org/drawingml/2006/diagram" xmlns:a="http://schemas.openxmlformats.org/drawingml/2006/main" uniqueId="urn:microsoft.com/office/officeart/2005/8/layout/vList3">
+<dgm:layoutDef xmlns:dgm="http://schemas.openxmlformats.org/drawingml/2006/diagram" xmlns:a="http://schemas.openxmlformats.org/drawingml/2006/main" uniqueId="urn:microsoft.com/office/officeart/2005/8/layout/vList3#2">
   <dgm:title val=""/>
   <dgm:desc val=""/>
   <dgm:catLst>
@@ -43114,6 +43310,11 @@
         </p:txBody>
       </p:sp>
     </p:spTree>
+    <p:extLst>
+      <p:ext uri="{BB962C8B-B14F-4D97-AF65-F5344CB8AC3E}">
+        <p14:creationId xmlns:p14="http://schemas.microsoft.com/office/powerpoint/2010/main" val="470812282"/>
+      </p:ext>
+    </p:extLst>
   </p:cSld>
   <p:clrMap bg1="lt1" tx1="dk1" bg2="lt2" tx2="dk2" accent1="accent1" accent2="accent2" accent3="accent3" accent4="accent4" accent5="accent5" accent6="accent6" hlink="hlink" folHlink="folHlink"/>
   <p:notesStyle>
@@ -48338,6 +48539,11 @@
           </p:cNvGraphicFramePr>
           <p:nvPr>
             <p:ph idx="1"/>
+            <p:extLst>
+              <p:ext uri="{D42A27DB-BD31-4B8C-83A1-F6EECF244321}">
+                <p14:modId xmlns:p14="http://schemas.microsoft.com/office/powerpoint/2010/main" val="3719799260"/>
+              </p:ext>
+            </p:extLst>
           </p:nvPr>
         </p:nvGraphicFramePr>
         <p:xfrm>
@@ -48511,6 +48717,11 @@
           </p:cNvGraphicFramePr>
           <p:nvPr>
             <p:ph idx="1"/>
+            <p:extLst>
+              <p:ext uri="{D42A27DB-BD31-4B8C-83A1-F6EECF244321}">
+                <p14:modId xmlns:p14="http://schemas.microsoft.com/office/powerpoint/2010/main" val="1059678598"/>
+              </p:ext>
+            </p:extLst>
           </p:nvPr>
         </p:nvGraphicFramePr>
         <p:xfrm>
@@ -48586,6 +48797,11 @@
           </p:cNvGraphicFramePr>
           <p:nvPr>
             <p:ph idx="1"/>
+            <p:extLst>
+              <p:ext uri="{D42A27DB-BD31-4B8C-83A1-F6EECF244321}">
+                <p14:modId xmlns:p14="http://schemas.microsoft.com/office/powerpoint/2010/main" val="2544978196"/>
+              </p:ext>
+            </p:extLst>
           </p:nvPr>
         </p:nvGraphicFramePr>
         <p:xfrm>
@@ -48785,11 +49001,7 @@
           <a:p>
             <a:r>
               <a:rPr lang="es-CO" dirty="0" smtClean="0"/>
-              <a:t>IDE: </a:t>
-            </a:r>
-            <a:r>
-              <a:rPr lang="es-CO" dirty="0" smtClean="0"/>
-              <a:t>Eclipse</a:t>
+              <a:t>IDE: Eclipse</a:t>
             </a:r>
           </a:p>
           <a:p>
@@ -48799,11 +49011,7 @@
             </a:r>
             <a:r>
               <a:rPr lang="es-CO" dirty="0" smtClean="0"/>
-              <a:t>: </a:t>
-            </a:r>
-            <a:r>
-              <a:rPr lang="es-CO" dirty="0" smtClean="0"/>
-              <a:t>Formato para llevar el seguimiento del proyecto con respecto a métricas de calidad. </a:t>
+              <a:t>: Formato para llevar el seguimiento del proyecto con respecto a métricas de calidad. </a:t>
             </a:r>
           </a:p>
           <a:p>
@@ -49134,6 +49342,11 @@
           </p:cNvGraphicFramePr>
           <p:nvPr>
             <p:ph idx="1"/>
+            <p:extLst>
+              <p:ext uri="{D42A27DB-BD31-4B8C-83A1-F6EECF244321}">
+                <p14:modId xmlns:p14="http://schemas.microsoft.com/office/powerpoint/2010/main" val="1291144920"/>
+              </p:ext>
+            </p:extLst>
           </p:nvPr>
         </p:nvGraphicFramePr>
         <p:xfrm>
@@ -49923,6 +50136,11 @@
           </p:cNvGraphicFramePr>
           <p:nvPr>
             <p:ph idx="1"/>
+            <p:extLst>
+              <p:ext uri="{D42A27DB-BD31-4B8C-83A1-F6EECF244321}">
+                <p14:modId xmlns:p14="http://schemas.microsoft.com/office/powerpoint/2010/main" val="353390208"/>
+              </p:ext>
+            </p:extLst>
           </p:nvPr>
         </p:nvGraphicFramePr>
         <p:xfrm>
